--- a/Modules/Module 5 - Linux and App Service/Module 5 - Linux and App Service.pptx
+++ b/Modules/Module 5 - Linux and App Service/Module 5 - Linux and App Service.pptx
@@ -5,25 +5,26 @@
     <p:sldMasterId id="2147483648" r:id="rId1"/>
   </p:sldMasterIdLst>
   <p:notesMasterIdLst>
-    <p:notesMasterId r:id="rId18"/>
+    <p:notesMasterId r:id="rId19"/>
   </p:notesMasterIdLst>
   <p:sldIdLst>
     <p:sldId id="256" r:id="rId2"/>
-    <p:sldId id="257" r:id="rId3"/>
-    <p:sldId id="270" r:id="rId4"/>
-    <p:sldId id="258" r:id="rId5"/>
-    <p:sldId id="259" r:id="rId6"/>
-    <p:sldId id="260" r:id="rId7"/>
-    <p:sldId id="261" r:id="rId8"/>
-    <p:sldId id="262" r:id="rId9"/>
-    <p:sldId id="263" r:id="rId10"/>
-    <p:sldId id="264" r:id="rId11"/>
-    <p:sldId id="265" r:id="rId12"/>
-    <p:sldId id="266" r:id="rId13"/>
-    <p:sldId id="267" r:id="rId14"/>
-    <p:sldId id="268" r:id="rId15"/>
-    <p:sldId id="269" r:id="rId16"/>
-    <p:sldId id="271" r:id="rId17"/>
+    <p:sldId id="272" r:id="rId3"/>
+    <p:sldId id="257" r:id="rId4"/>
+    <p:sldId id="270" r:id="rId5"/>
+    <p:sldId id="258" r:id="rId6"/>
+    <p:sldId id="259" r:id="rId7"/>
+    <p:sldId id="260" r:id="rId8"/>
+    <p:sldId id="261" r:id="rId9"/>
+    <p:sldId id="262" r:id="rId10"/>
+    <p:sldId id="263" r:id="rId11"/>
+    <p:sldId id="264" r:id="rId12"/>
+    <p:sldId id="265" r:id="rId13"/>
+    <p:sldId id="266" r:id="rId14"/>
+    <p:sldId id="267" r:id="rId15"/>
+    <p:sldId id="268" r:id="rId16"/>
+    <p:sldId id="269" r:id="rId17"/>
+    <p:sldId id="271" r:id="rId18"/>
   </p:sldIdLst>
   <p:sldSz cx="12192000" cy="6858000"/>
   <p:notesSz cx="6858000" cy="9144000"/>
@@ -122,19 +123,175 @@
       </a:defRPr>
     </a:lvl9pPr>
   </p:defaultTextStyle>
+  <p:extLst>
+    <p:ext uri="{EFAFB233-063F-42B5-8137-9DF3F51BA10A}">
+      <p15:sldGuideLst xmlns:p15="http://schemas.microsoft.com/office/powerpoint/2012/main"/>
+    </p:ext>
+  </p:extLst>
 </p:presentation>
 </file>
 
 <file path=ppt/revisionInfo.xml><?xml version="1.0" encoding="utf-8"?>
 <p1510:revInfo xmlns:a="http://schemas.openxmlformats.org/drawingml/2006/main" xmlns:r="http://schemas.openxmlformats.org/officeDocument/2006/relationships" xmlns:p1510="http://schemas.microsoft.com/office/powerpoint/2015/10/main">
   <p1510:revLst>
-    <p1510:client id="{156BBADD-40AF-4C60-8961-871B05F0EFBA}" v="3976" dt="2018-07-13T18:43:58.250"/>
+    <p1510:client id="{7C94D84A-3B3B-4AF5-9AB1-38190FCF47EE}" v="172" dt="2018-08-16T13:50:48.663"/>
   </p1510:revLst>
 </p1510:revInfo>
 </file>
 
 <file path=ppt/changesInfos/changesInfo1.xml><?xml version="1.0" encoding="utf-8"?>
 <pc:chgInfo xmlns:a="http://schemas.openxmlformats.org/drawingml/2006/main" xmlns:r="http://schemas.openxmlformats.org/officeDocument/2006/relationships" xmlns:ac="http://schemas.microsoft.com/office/drawing/2013/main/command" xmlns:pc="http://schemas.microsoft.com/office/powerpoint/2013/main/command">
+  <pc:docChgLst>
+    <pc:chgData name="Jim Cheshire" userId="b85fe55d-f0de-4d09-bc19-562bc869f811" providerId="ADAL" clId="{7C94D84A-3B3B-4AF5-9AB1-38190FCF47EE}"/>
+    <pc:docChg chg="custSel addSld modSld">
+      <pc:chgData name="Jim Cheshire" userId="b85fe55d-f0de-4d09-bc19-562bc869f811" providerId="ADAL" clId="{7C94D84A-3B3B-4AF5-9AB1-38190FCF47EE}" dt="2018-08-16T13:50:48.663" v="173"/>
+      <pc:docMkLst>
+        <pc:docMk/>
+      </pc:docMkLst>
+      <pc:sldChg chg="modSp">
+        <pc:chgData name="Jim Cheshire" userId="b85fe55d-f0de-4d09-bc19-562bc869f811" providerId="ADAL" clId="{7C94D84A-3B3B-4AF5-9AB1-38190FCF47EE}" dt="2018-08-16T13:40:10.925" v="2" actId="14100"/>
+        <pc:sldMkLst>
+          <pc:docMk/>
+          <pc:sldMk cId="1715829172" sldId="256"/>
+        </pc:sldMkLst>
+        <pc:spChg chg="mod">
+          <ac:chgData name="Jim Cheshire" userId="b85fe55d-f0de-4d09-bc19-562bc869f811" providerId="ADAL" clId="{7C94D84A-3B3B-4AF5-9AB1-38190FCF47EE}" dt="2018-08-16T13:40:10.925" v="2" actId="14100"/>
+          <ac:spMkLst>
+            <pc:docMk/>
+            <pc:sldMk cId="1715829172" sldId="256"/>
+            <ac:spMk id="3" creationId="{BC5C6B44-BE36-4ABC-92F6-BA979CBCBC20}"/>
+          </ac:spMkLst>
+        </pc:spChg>
+      </pc:sldChg>
+      <pc:sldChg chg="addSp delSp modSp new add modAnim">
+        <pc:chgData name="Jim Cheshire" userId="b85fe55d-f0de-4d09-bc19-562bc869f811" providerId="ADAL" clId="{7C94D84A-3B3B-4AF5-9AB1-38190FCF47EE}" dt="2018-08-16T13:50:48.663" v="173"/>
+        <pc:sldMkLst>
+          <pc:docMk/>
+          <pc:sldMk cId="2372624803" sldId="272"/>
+        </pc:sldMkLst>
+        <pc:spChg chg="mod">
+          <ac:chgData name="Jim Cheshire" userId="b85fe55d-f0de-4d09-bc19-562bc869f811" providerId="ADAL" clId="{7C94D84A-3B3B-4AF5-9AB1-38190FCF47EE}" dt="2018-08-16T13:40:46.482" v="31" actId="20577"/>
+          <ac:spMkLst>
+            <pc:docMk/>
+            <pc:sldMk cId="2372624803" sldId="272"/>
+            <ac:spMk id="2" creationId="{F9CC131C-A164-4D59-91B7-DC1417C55F8E}"/>
+          </ac:spMkLst>
+        </pc:spChg>
+        <pc:spChg chg="del">
+          <ac:chgData name="Jim Cheshire" userId="b85fe55d-f0de-4d09-bc19-562bc869f811" providerId="ADAL" clId="{7C94D84A-3B3B-4AF5-9AB1-38190FCF47EE}" dt="2018-08-16T13:40:50.545" v="32" actId="478"/>
+          <ac:spMkLst>
+            <pc:docMk/>
+            <pc:sldMk cId="2372624803" sldId="272"/>
+            <ac:spMk id="3" creationId="{4F9BF447-BAED-494A-968C-EF93C2CDDEEF}"/>
+          </ac:spMkLst>
+        </pc:spChg>
+        <pc:spChg chg="add">
+          <ac:chgData name="Jim Cheshire" userId="b85fe55d-f0de-4d09-bc19-562bc869f811" providerId="ADAL" clId="{7C94D84A-3B3B-4AF5-9AB1-38190FCF47EE}" dt="2018-08-16T13:42:02.075" v="39" actId="11529"/>
+          <ac:spMkLst>
+            <pc:docMk/>
+            <pc:sldMk cId="2372624803" sldId="272"/>
+            <ac:spMk id="7" creationId="{9C1086F5-D2D4-42B0-BEC5-CBD12D6F76AB}"/>
+          </ac:spMkLst>
+        </pc:spChg>
+        <pc:spChg chg="add del">
+          <ac:chgData name="Jim Cheshire" userId="b85fe55d-f0de-4d09-bc19-562bc869f811" providerId="ADAL" clId="{7C94D84A-3B3B-4AF5-9AB1-38190FCF47EE}" dt="2018-08-16T13:43:06.293" v="47" actId="478"/>
+          <ac:spMkLst>
+            <pc:docMk/>
+            <pc:sldMk cId="2372624803" sldId="272"/>
+            <ac:spMk id="14" creationId="{24591D79-0BB7-46B5-A5D9-7A871A47B690}"/>
+          </ac:spMkLst>
+        </pc:spChg>
+        <pc:spChg chg="add mod">
+          <ac:chgData name="Jim Cheshire" userId="b85fe55d-f0de-4d09-bc19-562bc869f811" providerId="ADAL" clId="{7C94D84A-3B3B-4AF5-9AB1-38190FCF47EE}" dt="2018-08-16T13:44:53.651" v="59" actId="1076"/>
+          <ac:spMkLst>
+            <pc:docMk/>
+            <pc:sldMk cId="2372624803" sldId="272"/>
+            <ac:spMk id="15" creationId="{BEA0EE46-B6AF-4925-B360-8980B18A3CD2}"/>
+          </ac:spMkLst>
+        </pc:spChg>
+        <pc:spChg chg="add mod">
+          <ac:chgData name="Jim Cheshire" userId="b85fe55d-f0de-4d09-bc19-562bc869f811" providerId="ADAL" clId="{7C94D84A-3B3B-4AF5-9AB1-38190FCF47EE}" dt="2018-08-16T13:46:36.547" v="72"/>
+          <ac:spMkLst>
+            <pc:docMk/>
+            <pc:sldMk cId="2372624803" sldId="272"/>
+            <ac:spMk id="17" creationId="{3E58157F-08E3-431D-90D0-FC8875657E58}"/>
+          </ac:spMkLst>
+        </pc:spChg>
+        <pc:spChg chg="add mod">
+          <ac:chgData name="Jim Cheshire" userId="b85fe55d-f0de-4d09-bc19-562bc869f811" providerId="ADAL" clId="{7C94D84A-3B3B-4AF5-9AB1-38190FCF47EE}" dt="2018-08-16T13:50:33.026" v="171" actId="164"/>
+          <ac:spMkLst>
+            <pc:docMk/>
+            <pc:sldMk cId="2372624803" sldId="272"/>
+            <ac:spMk id="22" creationId="{6A7044A2-96F9-4607-B5F3-085D855D6342}"/>
+          </ac:spMkLst>
+        </pc:spChg>
+        <pc:spChg chg="add mod">
+          <ac:chgData name="Jim Cheshire" userId="b85fe55d-f0de-4d09-bc19-562bc869f811" providerId="ADAL" clId="{7C94D84A-3B3B-4AF5-9AB1-38190FCF47EE}" dt="2018-08-16T13:50:33.026" v="171" actId="164"/>
+          <ac:spMkLst>
+            <pc:docMk/>
+            <pc:sldMk cId="2372624803" sldId="272"/>
+            <ac:spMk id="23" creationId="{00D51EBE-4722-4063-BD3E-C14D0BB513F8}"/>
+          </ac:spMkLst>
+        </pc:spChg>
+        <pc:grpChg chg="add mod">
+          <ac:chgData name="Jim Cheshire" userId="b85fe55d-f0de-4d09-bc19-562bc869f811" providerId="ADAL" clId="{7C94D84A-3B3B-4AF5-9AB1-38190FCF47EE}" dt="2018-08-16T13:50:33.026" v="171" actId="164"/>
+          <ac:grpSpMkLst>
+            <pc:docMk/>
+            <pc:sldMk cId="2372624803" sldId="272"/>
+            <ac:grpSpMk id="24" creationId="{995B398D-A07D-42D8-9C2E-0F1B462A34FF}"/>
+          </ac:grpSpMkLst>
+        </pc:grpChg>
+        <pc:picChg chg="add mod">
+          <ac:chgData name="Jim Cheshire" userId="b85fe55d-f0de-4d09-bc19-562bc869f811" providerId="ADAL" clId="{7C94D84A-3B3B-4AF5-9AB1-38190FCF47EE}" dt="2018-08-16T13:47:27.406" v="77" actId="207"/>
+          <ac:picMkLst>
+            <pc:docMk/>
+            <pc:sldMk cId="2372624803" sldId="272"/>
+            <ac:picMk id="21" creationId="{1C3E8451-544E-4E04-9D1E-325FE10E170C}"/>
+          </ac:picMkLst>
+        </pc:picChg>
+        <pc:cxnChg chg="add mod">
+          <ac:chgData name="Jim Cheshire" userId="b85fe55d-f0de-4d09-bc19-562bc869f811" providerId="ADAL" clId="{7C94D84A-3B3B-4AF5-9AB1-38190FCF47EE}" dt="2018-08-16T13:42:27.097" v="42" actId="1076"/>
+          <ac:cxnSpMkLst>
+            <pc:docMk/>
+            <pc:sldMk cId="2372624803" sldId="272"/>
+            <ac:cxnSpMk id="5" creationId="{E1A0322D-97EF-4FA4-8323-C4708E5A1D7A}"/>
+          </ac:cxnSpMkLst>
+        </pc:cxnChg>
+        <pc:cxnChg chg="add mod">
+          <ac:chgData name="Jim Cheshire" userId="b85fe55d-f0de-4d09-bc19-562bc869f811" providerId="ADAL" clId="{7C94D84A-3B3B-4AF5-9AB1-38190FCF47EE}" dt="2018-08-16T13:42:07.635" v="40" actId="14100"/>
+          <ac:cxnSpMkLst>
+            <pc:docMk/>
+            <pc:sldMk cId="2372624803" sldId="272"/>
+            <ac:cxnSpMk id="6" creationId="{133F379C-792D-41E5-98B8-7EA6702E5B5F}"/>
+          </ac:cxnSpMkLst>
+        </pc:cxnChg>
+        <pc:cxnChg chg="add mod">
+          <ac:chgData name="Jim Cheshire" userId="b85fe55d-f0de-4d09-bc19-562bc869f811" providerId="ADAL" clId="{7C94D84A-3B3B-4AF5-9AB1-38190FCF47EE}" dt="2018-08-16T13:42:47.832" v="45" actId="14100"/>
+          <ac:cxnSpMkLst>
+            <pc:docMk/>
+            <pc:sldMk cId="2372624803" sldId="272"/>
+            <ac:cxnSpMk id="10" creationId="{5861B04D-AEAB-4DBD-AE45-72AF9993CD90}"/>
+          </ac:cxnSpMkLst>
+        </pc:cxnChg>
+        <pc:cxnChg chg="add mod">
+          <ac:chgData name="Jim Cheshire" userId="b85fe55d-f0de-4d09-bc19-562bc869f811" providerId="ADAL" clId="{7C94D84A-3B3B-4AF5-9AB1-38190FCF47EE}" dt="2018-08-16T13:45:03.027" v="60" actId="14100"/>
+          <ac:cxnSpMkLst>
+            <pc:docMk/>
+            <pc:sldMk cId="2372624803" sldId="272"/>
+            <ac:cxnSpMk id="11" creationId="{41A79152-06CD-4EC3-B076-964EE77BFE01}"/>
+          </ac:cxnSpMkLst>
+        </pc:cxnChg>
+        <pc:cxnChg chg="add mod">
+          <ac:chgData name="Jim Cheshire" userId="b85fe55d-f0de-4d09-bc19-562bc869f811" providerId="ADAL" clId="{7C94D84A-3B3B-4AF5-9AB1-38190FCF47EE}" dt="2018-08-16T13:46:11.821" v="69" actId="14100"/>
+          <ac:cxnSpMkLst>
+            <pc:docMk/>
+            <pc:sldMk cId="2372624803" sldId="272"/>
+            <ac:cxnSpMk id="18" creationId="{43B717FA-F349-4D4C-8C3B-C51B187BE993}"/>
+          </ac:cxnSpMkLst>
+        </pc:cxnChg>
+      </pc:sldChg>
+    </pc:docChg>
+  </pc:docChgLst>
   <pc:docChgLst>
     <pc:chgData name="Jim Cheshire" userId="b85fe55d-f0de-4d09-bc19-562bc869f811" providerId="ADAL" clId="{156BBADD-40AF-4C60-8961-871B05F0EFBA}"/>
     <pc:docChg chg="custSel addSld modSld">
@@ -621,7 +778,7 @@
           <a:p>
             <a:fld id="{80FF0CA7-26A7-4D26-9109-B54D7F6EC4FB}" type="datetimeFigureOut">
               <a:rPr lang="en-US" smtClean="0"/>
-              <a:t>7/13/2018</a:t>
+              <a:t>8/16/2018</a:t>
             </a:fld>
             <a:endParaRPr lang="en-US"/>
           </a:p>
@@ -1004,7 +1161,7 @@
           <a:p>
             <a:fld id="{6BBFEA70-3AEC-4936-BD12-87368F5CCD03}" type="slidenum">
               <a:rPr lang="en-US" smtClean="0"/>
-              <a:t>3</a:t>
+              <a:t>4</a:t>
             </a:fld>
             <a:endParaRPr lang="en-US"/>
           </a:p>
@@ -1091,7 +1248,7 @@
           <a:p>
             <a:fld id="{6BBFEA70-3AEC-4936-BD12-87368F5CCD03}" type="slidenum">
               <a:rPr lang="en-US" smtClean="0"/>
-              <a:t>15</a:t>
+              <a:t>16</a:t>
             </a:fld>
             <a:endParaRPr lang="en-US"/>
           </a:p>
@@ -1181,7 +1338,7 @@
           <a:p>
             <a:fld id="{6BBFEA70-3AEC-4936-BD12-87368F5CCD03}" type="slidenum">
               <a:rPr lang="en-US" smtClean="0"/>
-              <a:t>16</a:t>
+              <a:t>17</a:t>
             </a:fld>
             <a:endParaRPr lang="en-US"/>
           </a:p>
@@ -1271,7 +1428,7 @@
           <a:p>
             <a:fld id="{6BBFEA70-3AEC-4936-BD12-87368F5CCD03}" type="slidenum">
               <a:rPr lang="en-US" smtClean="0"/>
-              <a:t>4</a:t>
+              <a:t>5</a:t>
             </a:fld>
             <a:endParaRPr lang="en-US"/>
           </a:p>
@@ -1358,7 +1515,7 @@
           <a:p>
             <a:fld id="{6BBFEA70-3AEC-4936-BD12-87368F5CCD03}" type="slidenum">
               <a:rPr lang="en-US" smtClean="0"/>
-              <a:t>5</a:t>
+              <a:t>6</a:t>
             </a:fld>
             <a:endParaRPr lang="en-US"/>
           </a:p>
@@ -1460,7 +1617,7 @@
           <a:p>
             <a:fld id="{6BBFEA70-3AEC-4936-BD12-87368F5CCD03}" type="slidenum">
               <a:rPr lang="en-US" smtClean="0"/>
-              <a:t>6</a:t>
+              <a:t>7</a:t>
             </a:fld>
             <a:endParaRPr lang="en-US"/>
           </a:p>
@@ -1547,7 +1704,7 @@
           <a:p>
             <a:fld id="{6BBFEA70-3AEC-4936-BD12-87368F5CCD03}" type="slidenum">
               <a:rPr lang="en-US" smtClean="0"/>
-              <a:t>7</a:t>
+              <a:t>8</a:t>
             </a:fld>
             <a:endParaRPr lang="en-US"/>
           </a:p>
@@ -1637,7 +1794,7 @@
           <a:p>
             <a:fld id="{6BBFEA70-3AEC-4936-BD12-87368F5CCD03}" type="slidenum">
               <a:rPr lang="en-US" smtClean="0"/>
-              <a:t>8</a:t>
+              <a:t>9</a:t>
             </a:fld>
             <a:endParaRPr lang="en-US"/>
           </a:p>
@@ -1724,7 +1881,7 @@
           <a:p>
             <a:fld id="{6BBFEA70-3AEC-4936-BD12-87368F5CCD03}" type="slidenum">
               <a:rPr lang="en-US" smtClean="0"/>
-              <a:t>9</a:t>
+              <a:t>10</a:t>
             </a:fld>
             <a:endParaRPr lang="en-US"/>
           </a:p>
@@ -1898,7 +2055,7 @@
           <a:p>
             <a:fld id="{6BBFEA70-3AEC-4936-BD12-87368F5CCD03}" type="slidenum">
               <a:rPr lang="en-US" smtClean="0"/>
-              <a:t>12</a:t>
+              <a:t>13</a:t>
             </a:fld>
             <a:endParaRPr lang="en-US"/>
           </a:p>
@@ -1988,7 +2145,7 @@
           <a:p>
             <a:fld id="{6BBFEA70-3AEC-4936-BD12-87368F5CCD03}" type="slidenum">
               <a:rPr lang="en-US" smtClean="0"/>
-              <a:t>14</a:t>
+              <a:t>15</a:t>
             </a:fld>
             <a:endParaRPr lang="en-US"/>
           </a:p>
@@ -2064,7 +2221,7 @@
           <a:noFill/>
           <a:extLst>
             <a:ext uri="{909E8E84-426E-40dd-AFC4-6F175D3DCCD1}">
-              <a14:hiddenFill xmlns:a14="http://schemas.microsoft.com/office/drawing/2010/main" xmlns="">
+              <a14:hiddenFill xmlns="" xmlns:a14="http://schemas.microsoft.com/office/drawing/2010/main">
                 <a:solidFill>
                   <a:srgbClr val="FFFFFF"/>
                 </a:solidFill>
@@ -2123,7 +2280,7 @@
             </a:ln>
             <a:extLst>
               <a:ext uri="{91240B29-F687-4f45-9708-019B960494DF}">
-                <a14:hiddenLine xmlns:a14="http://schemas.microsoft.com/office/drawing/2010/main" xmlns="" w="9525">
+                <a14:hiddenLine xmlns="" xmlns:a14="http://schemas.microsoft.com/office/drawing/2010/main" w="9525">
                   <a:solidFill>
                     <a:srgbClr val="000000"/>
                   </a:solidFill>
@@ -2213,7 +2370,7 @@
             </a:ln>
             <a:extLst>
               <a:ext uri="{91240B29-F687-4f45-9708-019B960494DF}">
-                <a14:hiddenLine xmlns:a14="http://schemas.microsoft.com/office/drawing/2010/main" xmlns="" w="9525">
+                <a14:hiddenLine xmlns="" xmlns:a14="http://schemas.microsoft.com/office/drawing/2010/main" w="9525">
                   <a:solidFill>
                     <a:srgbClr val="000000"/>
                   </a:solidFill>
@@ -2303,7 +2460,7 @@
             </a:ln>
             <a:extLst>
               <a:ext uri="{91240B29-F687-4f45-9708-019B960494DF}">
-                <a14:hiddenLine xmlns:a14="http://schemas.microsoft.com/office/drawing/2010/main" xmlns="" w="9525">
+                <a14:hiddenLine xmlns="" xmlns:a14="http://schemas.microsoft.com/office/drawing/2010/main" w="9525">
                   <a:solidFill>
                     <a:srgbClr val="000000"/>
                   </a:solidFill>
@@ -2337,7 +2494,7 @@
             </a:ln>
             <a:extLst>
               <a:ext uri="{91240B29-F687-4f45-9708-019B960494DF}">
-                <a14:hiddenLine xmlns:a14="http://schemas.microsoft.com/office/drawing/2010/main" xmlns="" w="9525">
+                <a14:hiddenLine xmlns="" xmlns:a14="http://schemas.microsoft.com/office/drawing/2010/main" w="9525">
                   <a:solidFill>
                     <a:srgbClr val="000000"/>
                   </a:solidFill>
@@ -2427,7 +2584,7 @@
             </a:ln>
             <a:extLst>
               <a:ext uri="{91240B29-F687-4f45-9708-019B960494DF}">
-                <a14:hiddenLine xmlns:a14="http://schemas.microsoft.com/office/drawing/2010/main" xmlns="" w="9525">
+                <a14:hiddenLine xmlns="" xmlns:a14="http://schemas.microsoft.com/office/drawing/2010/main" w="9525">
                   <a:solidFill>
                     <a:srgbClr val="000000"/>
                   </a:solidFill>
@@ -2489,7 +2646,7 @@
             </a:ln>
             <a:extLst>
               <a:ext uri="{91240B29-F687-4f45-9708-019B960494DF}">
-                <a14:hiddenLine xmlns:a14="http://schemas.microsoft.com/office/drawing/2010/main" xmlns="" w="9525">
+                <a14:hiddenLine xmlns="" xmlns:a14="http://schemas.microsoft.com/office/drawing/2010/main" w="9525">
                   <a:solidFill>
                     <a:srgbClr val="000000"/>
                   </a:solidFill>
@@ -2551,7 +2708,7 @@
             </a:ln>
             <a:extLst>
               <a:ext uri="{91240B29-F687-4f45-9708-019B960494DF}">
-                <a14:hiddenLine xmlns:a14="http://schemas.microsoft.com/office/drawing/2010/main" xmlns="" w="9525">
+                <a14:hiddenLine xmlns="" xmlns:a14="http://schemas.microsoft.com/office/drawing/2010/main" w="9525">
                   <a:solidFill>
                     <a:srgbClr val="000000"/>
                   </a:solidFill>
@@ -2641,7 +2798,7 @@
             </a:ln>
             <a:extLst>
               <a:ext uri="{91240B29-F687-4f45-9708-019B960494DF}">
-                <a14:hiddenLine xmlns:a14="http://schemas.microsoft.com/office/drawing/2010/main" xmlns="" w="9525">
+                <a14:hiddenLine xmlns="" xmlns:a14="http://schemas.microsoft.com/office/drawing/2010/main" w="9525">
                   <a:solidFill>
                     <a:srgbClr val="000000"/>
                   </a:solidFill>
@@ -2703,7 +2860,7 @@
             </a:ln>
             <a:extLst>
               <a:ext uri="{91240B29-F687-4f45-9708-019B960494DF}">
-                <a14:hiddenLine xmlns:a14="http://schemas.microsoft.com/office/drawing/2010/main" xmlns="" w="9525">
+                <a14:hiddenLine xmlns="" xmlns:a14="http://schemas.microsoft.com/office/drawing/2010/main" w="9525">
                   <a:solidFill>
                     <a:srgbClr val="000000"/>
                   </a:solidFill>
@@ -2765,7 +2922,7 @@
             </a:ln>
             <a:extLst>
               <a:ext uri="{91240B29-F687-4f45-9708-019B960494DF}">
-                <a14:hiddenLine xmlns:a14="http://schemas.microsoft.com/office/drawing/2010/main" xmlns="" w="9525">
+                <a14:hiddenLine xmlns="" xmlns:a14="http://schemas.microsoft.com/office/drawing/2010/main" w="9525">
                   <a:solidFill>
                     <a:srgbClr val="000000"/>
                   </a:solidFill>
@@ -2855,7 +3012,7 @@
             </a:ln>
             <a:extLst>
               <a:ext uri="{91240B29-F687-4f45-9708-019B960494DF}">
-                <a14:hiddenLine xmlns:a14="http://schemas.microsoft.com/office/drawing/2010/main" xmlns="" w="9525">
+                <a14:hiddenLine xmlns="" xmlns:a14="http://schemas.microsoft.com/office/drawing/2010/main" w="9525">
                   <a:solidFill>
                     <a:srgbClr val="000000"/>
                   </a:solidFill>
@@ -2945,7 +3102,7 @@
             </a:ln>
             <a:extLst>
               <a:ext uri="{91240B29-F687-4f45-9708-019B960494DF}">
-                <a14:hiddenLine xmlns:a14="http://schemas.microsoft.com/office/drawing/2010/main" xmlns="" w="9525">
+                <a14:hiddenLine xmlns="" xmlns:a14="http://schemas.microsoft.com/office/drawing/2010/main" w="9525">
                   <a:solidFill>
                     <a:srgbClr val="000000"/>
                   </a:solidFill>
@@ -3007,7 +3164,7 @@
             </a:ln>
             <a:extLst>
               <a:ext uri="{91240B29-F687-4f45-9708-019B960494DF}">
-                <a14:hiddenLine xmlns:a14="http://schemas.microsoft.com/office/drawing/2010/main" xmlns="" w="9525">
+                <a14:hiddenLine xmlns="" xmlns:a14="http://schemas.microsoft.com/office/drawing/2010/main" w="9525">
                   <a:solidFill>
                     <a:srgbClr val="000000"/>
                   </a:solidFill>
@@ -3117,7 +3274,7 @@
             </a:ln>
             <a:extLst>
               <a:ext uri="{91240B29-F687-4f45-9708-019B960494DF}">
-                <a14:hiddenLine xmlns:a14="http://schemas.microsoft.com/office/drawing/2010/main" xmlns="" w="9525">
+                <a14:hiddenLine xmlns="" xmlns:a14="http://schemas.microsoft.com/office/drawing/2010/main" w="9525">
                   <a:solidFill>
                     <a:srgbClr val="000000"/>
                   </a:solidFill>
@@ -3179,7 +3336,7 @@
             </a:ln>
             <a:extLst>
               <a:ext uri="{91240B29-F687-4f45-9708-019B960494DF}">
-                <a14:hiddenLine xmlns:a14="http://schemas.microsoft.com/office/drawing/2010/main" xmlns="" w="9525">
+                <a14:hiddenLine xmlns="" xmlns:a14="http://schemas.microsoft.com/office/drawing/2010/main" w="9525">
                   <a:solidFill>
                     <a:srgbClr val="000000"/>
                   </a:solidFill>
@@ -3269,7 +3426,7 @@
             </a:ln>
             <a:extLst>
               <a:ext uri="{91240B29-F687-4f45-9708-019B960494DF}">
-                <a14:hiddenLine xmlns:a14="http://schemas.microsoft.com/office/drawing/2010/main" xmlns="" w="9525">
+                <a14:hiddenLine xmlns="" xmlns:a14="http://schemas.microsoft.com/office/drawing/2010/main" w="9525">
                   <a:solidFill>
                     <a:srgbClr val="000000"/>
                   </a:solidFill>
@@ -3359,7 +3516,7 @@
             </a:ln>
             <a:extLst>
               <a:ext uri="{91240B29-F687-4f45-9708-019B960494DF}">
-                <a14:hiddenLine xmlns:a14="http://schemas.microsoft.com/office/drawing/2010/main" xmlns="" w="9525">
+                <a14:hiddenLine xmlns="" xmlns:a14="http://schemas.microsoft.com/office/drawing/2010/main" w="9525">
                   <a:solidFill>
                     <a:srgbClr val="000000"/>
                   </a:solidFill>
@@ -3421,7 +3578,7 @@
             </a:ln>
             <a:extLst>
               <a:ext uri="{91240B29-F687-4f45-9708-019B960494DF}">
-                <a14:hiddenLine xmlns:a14="http://schemas.microsoft.com/office/drawing/2010/main" xmlns="" w="9525">
+                <a14:hiddenLine xmlns="" xmlns:a14="http://schemas.microsoft.com/office/drawing/2010/main" w="9525">
                   <a:solidFill>
                     <a:srgbClr val="000000"/>
                   </a:solidFill>
@@ -3511,7 +3668,7 @@
             </a:ln>
             <a:extLst>
               <a:ext uri="{91240B29-F687-4f45-9708-019B960494DF}">
-                <a14:hiddenLine xmlns:a14="http://schemas.microsoft.com/office/drawing/2010/main" xmlns="" w="9525">
+                <a14:hiddenLine xmlns="" xmlns:a14="http://schemas.microsoft.com/office/drawing/2010/main" w="9525">
                   <a:solidFill>
                     <a:srgbClr val="000000"/>
                   </a:solidFill>
@@ -3601,7 +3758,7 @@
             </a:ln>
             <a:extLst>
               <a:ext uri="{91240B29-F687-4f45-9708-019B960494DF}">
-                <a14:hiddenLine xmlns:a14="http://schemas.microsoft.com/office/drawing/2010/main" xmlns="" w="9525">
+                <a14:hiddenLine xmlns="" xmlns:a14="http://schemas.microsoft.com/office/drawing/2010/main" w="9525">
                   <a:solidFill>
                     <a:srgbClr val="000000"/>
                   </a:solidFill>
@@ -3657,7 +3814,7 @@
             </a:ln>
             <a:extLst>
               <a:ext uri="{91240B29-F687-4f45-9708-019B960494DF}">
-                <a14:hiddenLine xmlns:a14="http://schemas.microsoft.com/office/drawing/2010/main" xmlns="" w="9525">
+                <a14:hiddenLine xmlns="" xmlns:a14="http://schemas.microsoft.com/office/drawing/2010/main" w="9525">
                   <a:solidFill>
                     <a:srgbClr val="000000"/>
                   </a:solidFill>
@@ -3747,7 +3904,7 @@
             </a:ln>
             <a:extLst>
               <a:ext uri="{91240B29-F687-4f45-9708-019B960494DF}">
-                <a14:hiddenLine xmlns:a14="http://schemas.microsoft.com/office/drawing/2010/main" xmlns="" w="9525">
+                <a14:hiddenLine xmlns="" xmlns:a14="http://schemas.microsoft.com/office/drawing/2010/main" w="9525">
                   <a:solidFill>
                     <a:srgbClr val="000000"/>
                   </a:solidFill>
@@ -3803,7 +3960,7 @@
             </a:ln>
             <a:extLst>
               <a:ext uri="{91240B29-F687-4f45-9708-019B960494DF}">
-                <a14:hiddenLine xmlns:a14="http://schemas.microsoft.com/office/drawing/2010/main" xmlns="" w="9525">
+                <a14:hiddenLine xmlns="" xmlns:a14="http://schemas.microsoft.com/office/drawing/2010/main" w="9525">
                   <a:solidFill>
                     <a:srgbClr val="000000"/>
                   </a:solidFill>
@@ -3893,7 +4050,7 @@
             </a:ln>
             <a:extLst>
               <a:ext uri="{91240B29-F687-4f45-9708-019B960494DF}">
-                <a14:hiddenLine xmlns:a14="http://schemas.microsoft.com/office/drawing/2010/main" xmlns="" w="9525">
+                <a14:hiddenLine xmlns="" xmlns:a14="http://schemas.microsoft.com/office/drawing/2010/main" w="9525">
                   <a:solidFill>
                     <a:srgbClr val="000000"/>
                   </a:solidFill>
@@ -3961,7 +4118,7 @@
             </a:ln>
             <a:extLst>
               <a:ext uri="{91240B29-F687-4f45-9708-019B960494DF}">
-                <a14:hiddenLine xmlns:a14="http://schemas.microsoft.com/office/drawing/2010/main" xmlns="" w="9525">
+                <a14:hiddenLine xmlns="" xmlns:a14="http://schemas.microsoft.com/office/drawing/2010/main" w="9525">
                   <a:solidFill>
                     <a:srgbClr val="000000"/>
                   </a:solidFill>
@@ -4051,7 +4208,7 @@
             </a:ln>
             <a:extLst>
               <a:ext uri="{91240B29-F687-4f45-9708-019B960494DF}">
-                <a14:hiddenLine xmlns:a14="http://schemas.microsoft.com/office/drawing/2010/main" xmlns="" w="9525">
+                <a14:hiddenLine xmlns="" xmlns:a14="http://schemas.microsoft.com/office/drawing/2010/main" w="9525">
                   <a:solidFill>
                     <a:srgbClr val="000000"/>
                   </a:solidFill>
@@ -4119,7 +4276,7 @@
             </a:ln>
             <a:extLst>
               <a:ext uri="{91240B29-F687-4f45-9708-019B960494DF}">
-                <a14:hiddenLine xmlns:a14="http://schemas.microsoft.com/office/drawing/2010/main" xmlns="" w="9525">
+                <a14:hiddenLine xmlns="" xmlns:a14="http://schemas.microsoft.com/office/drawing/2010/main" w="9525">
                   <a:solidFill>
                     <a:srgbClr val="000000"/>
                   </a:solidFill>
@@ -4209,7 +4366,7 @@
             </a:ln>
             <a:extLst>
               <a:ext uri="{91240B29-F687-4f45-9708-019B960494DF}">
-                <a14:hiddenLine xmlns:a14="http://schemas.microsoft.com/office/drawing/2010/main" xmlns="" w="9525">
+                <a14:hiddenLine xmlns="" xmlns:a14="http://schemas.microsoft.com/office/drawing/2010/main" w="9525">
                   <a:solidFill>
                     <a:srgbClr val="000000"/>
                   </a:solidFill>
@@ -4243,7 +4400,7 @@
             </a:ln>
             <a:extLst>
               <a:ext uri="{91240B29-F687-4f45-9708-019B960494DF}">
-                <a14:hiddenLine xmlns:a14="http://schemas.microsoft.com/office/drawing/2010/main" xmlns="" w="9525">
+                <a14:hiddenLine xmlns="" xmlns:a14="http://schemas.microsoft.com/office/drawing/2010/main" w="9525">
                   <a:solidFill>
                     <a:srgbClr val="000000"/>
                   </a:solidFill>
@@ -4333,7 +4490,7 @@
             </a:ln>
             <a:extLst>
               <a:ext uri="{91240B29-F687-4f45-9708-019B960494DF}">
-                <a14:hiddenLine xmlns:a14="http://schemas.microsoft.com/office/drawing/2010/main" xmlns="" w="9525">
+                <a14:hiddenLine xmlns="" xmlns:a14="http://schemas.microsoft.com/office/drawing/2010/main" w="9525">
                   <a:solidFill>
                     <a:srgbClr val="000000"/>
                   </a:solidFill>
@@ -4395,7 +4552,7 @@
             </a:ln>
             <a:extLst>
               <a:ext uri="{91240B29-F687-4f45-9708-019B960494DF}">
-                <a14:hiddenLine xmlns:a14="http://schemas.microsoft.com/office/drawing/2010/main" xmlns="" w="9525">
+                <a14:hiddenLine xmlns="" xmlns:a14="http://schemas.microsoft.com/office/drawing/2010/main" w="9525">
                   <a:solidFill>
                     <a:srgbClr val="000000"/>
                   </a:solidFill>
@@ -4457,7 +4614,7 @@
             </a:ln>
             <a:extLst>
               <a:ext uri="{91240B29-F687-4f45-9708-019B960494DF}">
-                <a14:hiddenLine xmlns:a14="http://schemas.microsoft.com/office/drawing/2010/main" xmlns="" w="9525">
+                <a14:hiddenLine xmlns="" xmlns:a14="http://schemas.microsoft.com/office/drawing/2010/main" w="9525">
                   <a:solidFill>
                     <a:srgbClr val="000000"/>
                   </a:solidFill>
@@ -4547,7 +4704,7 @@
             </a:ln>
             <a:extLst>
               <a:ext uri="{91240B29-F687-4f45-9708-019B960494DF}">
-                <a14:hiddenLine xmlns:a14="http://schemas.microsoft.com/office/drawing/2010/main" xmlns="" w="9525">
+                <a14:hiddenLine xmlns="" xmlns:a14="http://schemas.microsoft.com/office/drawing/2010/main" w="9525">
                   <a:solidFill>
                     <a:srgbClr val="000000"/>
                   </a:solidFill>
@@ -4615,7 +4772,7 @@
             </a:ln>
             <a:extLst>
               <a:ext uri="{91240B29-F687-4f45-9708-019B960494DF}">
-                <a14:hiddenLine xmlns:a14="http://schemas.microsoft.com/office/drawing/2010/main" xmlns="" w="9525">
+                <a14:hiddenLine xmlns="" xmlns:a14="http://schemas.microsoft.com/office/drawing/2010/main" w="9525">
                   <a:solidFill>
                     <a:srgbClr val="000000"/>
                   </a:solidFill>
@@ -4677,7 +4834,7 @@
             </a:ln>
             <a:extLst>
               <a:ext uri="{91240B29-F687-4f45-9708-019B960494DF}">
-                <a14:hiddenLine xmlns:a14="http://schemas.microsoft.com/office/drawing/2010/main" xmlns="" w="9525">
+                <a14:hiddenLine xmlns="" xmlns:a14="http://schemas.microsoft.com/office/drawing/2010/main" w="9525">
                   <a:solidFill>
                     <a:srgbClr val="000000"/>
                   </a:solidFill>
@@ -4767,7 +4924,7 @@
             </a:ln>
             <a:extLst>
               <a:ext uri="{91240B29-F687-4f45-9708-019B960494DF}">
-                <a14:hiddenLine xmlns:a14="http://schemas.microsoft.com/office/drawing/2010/main" xmlns="" w="9525">
+                <a14:hiddenLine xmlns="" xmlns:a14="http://schemas.microsoft.com/office/drawing/2010/main" w="9525">
                   <a:solidFill>
                     <a:srgbClr val="000000"/>
                   </a:solidFill>
@@ -4829,7 +4986,7 @@
             </a:ln>
             <a:extLst>
               <a:ext uri="{91240B29-F687-4f45-9708-019B960494DF}">
-                <a14:hiddenLine xmlns:a14="http://schemas.microsoft.com/office/drawing/2010/main" xmlns="" w="9525">
+                <a14:hiddenLine xmlns="" xmlns:a14="http://schemas.microsoft.com/office/drawing/2010/main" w="9525">
                   <a:solidFill>
                     <a:srgbClr val="000000"/>
                   </a:solidFill>
@@ -4919,7 +5076,7 @@
             </a:ln>
             <a:extLst>
               <a:ext uri="{91240B29-F687-4f45-9708-019B960494DF}">
-                <a14:hiddenLine xmlns:a14="http://schemas.microsoft.com/office/drawing/2010/main" xmlns="" w="9525">
+                <a14:hiddenLine xmlns="" xmlns:a14="http://schemas.microsoft.com/office/drawing/2010/main" w="9525">
                   <a:solidFill>
                     <a:srgbClr val="000000"/>
                   </a:solidFill>
@@ -4981,7 +5138,7 @@
             </a:ln>
             <a:extLst>
               <a:ext uri="{91240B29-F687-4f45-9708-019B960494DF}">
-                <a14:hiddenLine xmlns:a14="http://schemas.microsoft.com/office/drawing/2010/main" xmlns="" w="9525">
+                <a14:hiddenLine xmlns="" xmlns:a14="http://schemas.microsoft.com/office/drawing/2010/main" w="9525">
                   <a:solidFill>
                     <a:srgbClr val="000000"/>
                   </a:solidFill>
@@ -5071,7 +5228,7 @@
             </a:ln>
             <a:extLst>
               <a:ext uri="{91240B29-F687-4f45-9708-019B960494DF}">
-                <a14:hiddenLine xmlns:a14="http://schemas.microsoft.com/office/drawing/2010/main" xmlns="" w="9525">
+                <a14:hiddenLine xmlns="" xmlns:a14="http://schemas.microsoft.com/office/drawing/2010/main" w="9525">
                   <a:solidFill>
                     <a:srgbClr val="000000"/>
                   </a:solidFill>
@@ -5105,7 +5262,7 @@
             </a:ln>
             <a:extLst>
               <a:ext uri="{91240B29-F687-4f45-9708-019B960494DF}">
-                <a14:hiddenLine xmlns:a14="http://schemas.microsoft.com/office/drawing/2010/main" xmlns="" w="9525">
+                <a14:hiddenLine xmlns="" xmlns:a14="http://schemas.microsoft.com/office/drawing/2010/main" w="9525">
                   <a:solidFill>
                     <a:srgbClr val="000000"/>
                   </a:solidFill>
@@ -5170,7 +5327,7 @@
             </a:ln>
             <a:extLst>
               <a:ext uri="{91240B29-F687-4f45-9708-019B960494DF}">
-                <a14:hiddenLine xmlns:a14="http://schemas.microsoft.com/office/drawing/2010/main" xmlns="" w="9525">
+                <a14:hiddenLine xmlns="" xmlns:a14="http://schemas.microsoft.com/office/drawing/2010/main" w="9525">
                   <a:solidFill>
                     <a:srgbClr val="000000"/>
                   </a:solidFill>
@@ -5260,7 +5417,7 @@
             </a:ln>
             <a:extLst>
               <a:ext uri="{91240B29-F687-4f45-9708-019B960494DF}">
-                <a14:hiddenLine xmlns:a14="http://schemas.microsoft.com/office/drawing/2010/main" xmlns="" w="9525">
+                <a14:hiddenLine xmlns="" xmlns:a14="http://schemas.microsoft.com/office/drawing/2010/main" w="9525">
                   <a:solidFill>
                     <a:srgbClr val="000000"/>
                   </a:solidFill>
@@ -5322,7 +5479,7 @@
             </a:ln>
             <a:extLst>
               <a:ext uri="{91240B29-F687-4f45-9708-019B960494DF}">
-                <a14:hiddenLine xmlns:a14="http://schemas.microsoft.com/office/drawing/2010/main" xmlns="" w="9525">
+                <a14:hiddenLine xmlns="" xmlns:a14="http://schemas.microsoft.com/office/drawing/2010/main" w="9525">
                   <a:solidFill>
                     <a:srgbClr val="000000"/>
                   </a:solidFill>
@@ -5412,7 +5569,7 @@
             </a:ln>
             <a:extLst>
               <a:ext uri="{91240B29-F687-4f45-9708-019B960494DF}">
-                <a14:hiddenLine xmlns:a14="http://schemas.microsoft.com/office/drawing/2010/main" xmlns="" w="9525">
+                <a14:hiddenLine xmlns="" xmlns:a14="http://schemas.microsoft.com/office/drawing/2010/main" w="9525">
                   <a:solidFill>
                     <a:srgbClr val="000000"/>
                   </a:solidFill>
@@ -5502,7 +5659,7 @@
             </a:ln>
             <a:extLst>
               <a:ext uri="{91240B29-F687-4f45-9708-019B960494DF}">
-                <a14:hiddenLine xmlns:a14="http://schemas.microsoft.com/office/drawing/2010/main" xmlns="" w="9525">
+                <a14:hiddenLine xmlns="" xmlns:a14="http://schemas.microsoft.com/office/drawing/2010/main" w="9525">
                   <a:solidFill>
                     <a:srgbClr val="000000"/>
                   </a:solidFill>
@@ -5567,7 +5724,7 @@
             </a:ln>
             <a:extLst>
               <a:ext uri="{91240B29-F687-4f45-9708-019B960494DF}">
-                <a14:hiddenLine xmlns:a14="http://schemas.microsoft.com/office/drawing/2010/main" xmlns="" w="9525">
+                <a14:hiddenLine xmlns="" xmlns:a14="http://schemas.microsoft.com/office/drawing/2010/main" w="9525">
                   <a:solidFill>
                     <a:srgbClr val="000000"/>
                   </a:solidFill>
@@ -5629,7 +5786,7 @@
             </a:ln>
             <a:extLst>
               <a:ext uri="{91240B29-F687-4f45-9708-019B960494DF}">
-                <a14:hiddenLine xmlns:a14="http://schemas.microsoft.com/office/drawing/2010/main" xmlns="" w="9525">
+                <a14:hiddenLine xmlns="" xmlns:a14="http://schemas.microsoft.com/office/drawing/2010/main" w="9525">
                   <a:solidFill>
                     <a:srgbClr val="000000"/>
                   </a:solidFill>
@@ -5719,7 +5876,7 @@
             </a:ln>
             <a:extLst>
               <a:ext uri="{91240B29-F687-4f45-9708-019B960494DF}">
-                <a14:hiddenLine xmlns:a14="http://schemas.microsoft.com/office/drawing/2010/main" xmlns="" w="9525">
+                <a14:hiddenLine xmlns="" xmlns:a14="http://schemas.microsoft.com/office/drawing/2010/main" w="9525">
                   <a:solidFill>
                     <a:srgbClr val="000000"/>
                   </a:solidFill>
@@ -5809,7 +5966,7 @@
             </a:ln>
             <a:extLst>
               <a:ext uri="{91240B29-F687-4f45-9708-019B960494DF}">
-                <a14:hiddenLine xmlns:a14="http://schemas.microsoft.com/office/drawing/2010/main" xmlns="" w="9525">
+                <a14:hiddenLine xmlns="" xmlns:a14="http://schemas.microsoft.com/office/drawing/2010/main" w="9525">
                   <a:solidFill>
                     <a:srgbClr val="000000"/>
                   </a:solidFill>
@@ -5871,7 +6028,7 @@
             </a:ln>
             <a:extLst>
               <a:ext uri="{91240B29-F687-4f45-9708-019B960494DF}">
-                <a14:hiddenLine xmlns:a14="http://schemas.microsoft.com/office/drawing/2010/main" xmlns="" w="9525">
+                <a14:hiddenLine xmlns="" xmlns:a14="http://schemas.microsoft.com/office/drawing/2010/main" w="9525">
                   <a:solidFill>
                     <a:srgbClr val="000000"/>
                   </a:solidFill>
@@ -5991,7 +6148,7 @@
             </a:ln>
             <a:extLst>
               <a:ext uri="{91240B29-F687-4f45-9708-019B960494DF}">
-                <a14:hiddenLine xmlns:a14="http://schemas.microsoft.com/office/drawing/2010/main" xmlns="" w="9525">
+                <a14:hiddenLine xmlns="" xmlns:a14="http://schemas.microsoft.com/office/drawing/2010/main" w="9525">
                   <a:solidFill>
                     <a:srgbClr val="000000"/>
                   </a:solidFill>
@@ -6059,7 +6216,7 @@
             </a:ln>
             <a:extLst>
               <a:ext uri="{91240B29-F687-4f45-9708-019B960494DF}">
-                <a14:hiddenLine xmlns:a14="http://schemas.microsoft.com/office/drawing/2010/main" xmlns="" w="9525">
+                <a14:hiddenLine xmlns="" xmlns:a14="http://schemas.microsoft.com/office/drawing/2010/main" w="9525">
                   <a:solidFill>
                     <a:srgbClr val="000000"/>
                   </a:solidFill>
@@ -6149,7 +6306,7 @@
             </a:ln>
             <a:extLst>
               <a:ext uri="{91240B29-F687-4f45-9708-019B960494DF}">
-                <a14:hiddenLine xmlns:a14="http://schemas.microsoft.com/office/drawing/2010/main" xmlns="" w="9525">
+                <a14:hiddenLine xmlns="" xmlns:a14="http://schemas.microsoft.com/office/drawing/2010/main" w="9525">
                   <a:solidFill>
                     <a:srgbClr val="000000"/>
                   </a:solidFill>
@@ -6289,7 +6446,7 @@
           <a:p>
             <a:fld id="{48A87A34-81AB-432B-8DAE-1953F412C126}" type="datetimeFigureOut">
               <a:rPr lang="en-US" dirty="0"/>
-              <a:t>7/13/2018</a:t>
+              <a:t>8/16/2018</a:t>
             </a:fld>
             <a:endParaRPr lang="en-US" dirty="0"/>
           </a:p>
@@ -6551,7 +6708,7 @@
           <a:p>
             <a:fld id="{48A87A34-81AB-432B-8DAE-1953F412C126}" type="datetimeFigureOut">
               <a:rPr lang="en-US" dirty="0"/>
-              <a:t>7/13/2018</a:t>
+              <a:t>8/16/2018</a:t>
             </a:fld>
             <a:endParaRPr lang="en-US" dirty="0"/>
           </a:p>
@@ -6742,7 +6899,7 @@
           <a:p>
             <a:fld id="{48A87A34-81AB-432B-8DAE-1953F412C126}" type="datetimeFigureOut">
               <a:rPr lang="en-US" dirty="0"/>
-              <a:t>7/13/2018</a:t>
+              <a:t>8/16/2018</a:t>
             </a:fld>
             <a:endParaRPr lang="en-US" dirty="0"/>
           </a:p>
@@ -7000,7 +7157,7 @@
           <a:p>
             <a:fld id="{48A87A34-81AB-432B-8DAE-1953F412C126}" type="datetimeFigureOut">
               <a:rPr lang="en-US" dirty="0"/>
-              <a:t>7/13/2018</a:t>
+              <a:t>8/16/2018</a:t>
             </a:fld>
             <a:endParaRPr lang="en-US" dirty="0"/>
           </a:p>
@@ -7429,7 +7586,7 @@
           <a:p>
             <a:fld id="{48A87A34-81AB-432B-8DAE-1953F412C126}" type="datetimeFigureOut">
               <a:rPr lang="en-US" dirty="0"/>
-              <a:t>7/13/2018</a:t>
+              <a:t>8/16/2018</a:t>
             </a:fld>
             <a:endParaRPr lang="en-US" dirty="0"/>
           </a:p>
@@ -7970,7 +8127,7 @@
           <a:p>
             <a:fld id="{48A87A34-81AB-432B-8DAE-1953F412C126}" type="datetimeFigureOut">
               <a:rPr lang="en-US" dirty="0"/>
-              <a:t>7/13/2018</a:t>
+              <a:t>8/16/2018</a:t>
             </a:fld>
             <a:endParaRPr lang="en-US" dirty="0"/>
           </a:p>
@@ -8685,7 +8842,7 @@
           <a:p>
             <a:fld id="{48A87A34-81AB-432B-8DAE-1953F412C126}" type="datetimeFigureOut">
               <a:rPr lang="en-US" dirty="0"/>
-              <a:t>7/13/2018</a:t>
+              <a:t>8/16/2018</a:t>
             </a:fld>
             <a:endParaRPr lang="en-US" dirty="0"/>
           </a:p>
@@ -8850,7 +9007,7 @@
           <a:p>
             <a:fld id="{48A87A34-81AB-432B-8DAE-1953F412C126}" type="datetimeFigureOut">
               <a:rPr lang="en-US" dirty="0"/>
-              <a:t>7/13/2018</a:t>
+              <a:t>8/16/2018</a:t>
             </a:fld>
             <a:endParaRPr lang="en-US" dirty="0"/>
           </a:p>
@@ -9025,7 +9182,7 @@
           <a:p>
             <a:fld id="{48A87A34-81AB-432B-8DAE-1953F412C126}" type="datetimeFigureOut">
               <a:rPr lang="en-US" dirty="0"/>
-              <a:t>7/13/2018</a:t>
+              <a:t>8/16/2018</a:t>
             </a:fld>
             <a:endParaRPr lang="en-US" dirty="0"/>
           </a:p>
@@ -9190,7 +9347,7 @@
           <a:p>
             <a:fld id="{48A87A34-81AB-432B-8DAE-1953F412C126}" type="datetimeFigureOut">
               <a:rPr lang="en-US" dirty="0"/>
-              <a:t>7/13/2018</a:t>
+              <a:t>8/16/2018</a:t>
             </a:fld>
             <a:endParaRPr lang="en-US" dirty="0"/>
           </a:p>
@@ -9435,7 +9592,7 @@
           <a:p>
             <a:fld id="{48A87A34-81AB-432B-8DAE-1953F412C126}" type="datetimeFigureOut">
               <a:rPr lang="en-US" dirty="0"/>
-              <a:t>7/13/2018</a:t>
+              <a:t>8/16/2018</a:t>
             </a:fld>
             <a:endParaRPr lang="en-US" dirty="0"/>
           </a:p>
@@ -9662,7 +9819,7 @@
           <a:p>
             <a:fld id="{48A87A34-81AB-432B-8DAE-1953F412C126}" type="datetimeFigureOut">
               <a:rPr lang="en-US" dirty="0"/>
-              <a:t>7/13/2018</a:t>
+              <a:t>8/16/2018</a:t>
             </a:fld>
             <a:endParaRPr lang="en-US" dirty="0"/>
           </a:p>
@@ -10038,7 +10195,7 @@
           <a:p>
             <a:fld id="{48A87A34-81AB-432B-8DAE-1953F412C126}" type="datetimeFigureOut">
               <a:rPr lang="en-US" dirty="0"/>
-              <a:t>7/13/2018</a:t>
+              <a:t>8/16/2018</a:t>
             </a:fld>
             <a:endParaRPr lang="en-US" dirty="0"/>
           </a:p>
@@ -10151,7 +10308,7 @@
           <a:p>
             <a:fld id="{48A87A34-81AB-432B-8DAE-1953F412C126}" type="datetimeFigureOut">
               <a:rPr lang="en-US" dirty="0"/>
-              <a:t>7/13/2018</a:t>
+              <a:t>8/16/2018</a:t>
             </a:fld>
             <a:endParaRPr lang="en-US" dirty="0"/>
           </a:p>
@@ -10241,7 +10398,7 @@
           <a:p>
             <a:fld id="{48A87A34-81AB-432B-8DAE-1953F412C126}" type="datetimeFigureOut">
               <a:rPr lang="en-US" dirty="0"/>
-              <a:t>7/13/2018</a:t>
+              <a:t>8/16/2018</a:t>
             </a:fld>
             <a:endParaRPr lang="en-US" dirty="0"/>
           </a:p>
@@ -10485,7 +10642,7 @@
           <a:p>
             <a:fld id="{48A87A34-81AB-432B-8DAE-1953F412C126}" type="datetimeFigureOut">
               <a:rPr lang="en-US" dirty="0"/>
-              <a:t>7/13/2018</a:t>
+              <a:t>8/16/2018</a:t>
             </a:fld>
             <a:endParaRPr lang="en-US" dirty="0"/>
           </a:p>
@@ -10760,7 +10917,7 @@
           <a:p>
             <a:fld id="{48A87A34-81AB-432B-8DAE-1953F412C126}" type="datetimeFigureOut">
               <a:rPr lang="en-US" dirty="0"/>
-              <a:t>7/13/2018</a:t>
+              <a:t>8/16/2018</a:t>
             </a:fld>
             <a:endParaRPr lang="en-US" dirty="0"/>
           </a:p>
@@ -10878,7 +11035,7 @@
           <a:noFill/>
           <a:extLst>
             <a:ext uri="{909E8E84-426E-40dd-AFC4-6F175D3DCCD1}">
-              <a14:hiddenFill xmlns:a14="http://schemas.microsoft.com/office/drawing/2010/main" xmlns="">
+              <a14:hiddenFill xmlns="" xmlns:a14="http://schemas.microsoft.com/office/drawing/2010/main">
                 <a:solidFill>
                   <a:srgbClr val="FFFFFF"/>
                 </a:solidFill>
@@ -10952,7 +11109,7 @@
               </a:ln>
               <a:extLst>
                 <a:ext uri="{91240B29-F687-4f45-9708-019B960494DF}">
-                  <a14:hiddenLine xmlns:a14="http://schemas.microsoft.com/office/drawing/2010/main" xmlns="" w="9525">
+                  <a14:hiddenLine xmlns="" xmlns:a14="http://schemas.microsoft.com/office/drawing/2010/main" w="9525">
                     <a:solidFill>
                       <a:srgbClr val="000000"/>
                     </a:solidFill>
@@ -11042,7 +11199,7 @@
               </a:ln>
               <a:extLst>
                 <a:ext uri="{91240B29-F687-4f45-9708-019B960494DF}">
-                  <a14:hiddenLine xmlns:a14="http://schemas.microsoft.com/office/drawing/2010/main" xmlns="" w="9525">
+                  <a14:hiddenLine xmlns="" xmlns:a14="http://schemas.microsoft.com/office/drawing/2010/main" w="9525">
                     <a:solidFill>
                       <a:srgbClr val="000000"/>
                     </a:solidFill>
@@ -11132,7 +11289,7 @@
               </a:ln>
               <a:extLst>
                 <a:ext uri="{91240B29-F687-4f45-9708-019B960494DF}">
-                  <a14:hiddenLine xmlns:a14="http://schemas.microsoft.com/office/drawing/2010/main" xmlns="" w="9525">
+                  <a14:hiddenLine xmlns="" xmlns:a14="http://schemas.microsoft.com/office/drawing/2010/main" w="9525">
                     <a:solidFill>
                       <a:srgbClr val="000000"/>
                     </a:solidFill>
@@ -11194,7 +11351,7 @@
               </a:ln>
               <a:extLst>
                 <a:ext uri="{91240B29-F687-4f45-9708-019B960494DF}">
-                  <a14:hiddenLine xmlns:a14="http://schemas.microsoft.com/office/drawing/2010/main" xmlns="" w="9525">
+                  <a14:hiddenLine xmlns="" xmlns:a14="http://schemas.microsoft.com/office/drawing/2010/main" w="9525">
                     <a:solidFill>
                       <a:srgbClr val="000000"/>
                     </a:solidFill>
@@ -11284,7 +11441,7 @@
               </a:ln>
               <a:extLst>
                 <a:ext uri="{91240B29-F687-4f45-9708-019B960494DF}">
-                  <a14:hiddenLine xmlns:a14="http://schemas.microsoft.com/office/drawing/2010/main" xmlns="" w="9525">
+                  <a14:hiddenLine xmlns="" xmlns:a14="http://schemas.microsoft.com/office/drawing/2010/main" w="9525">
                     <a:solidFill>
                       <a:srgbClr val="000000"/>
                     </a:solidFill>
@@ -11346,7 +11503,7 @@
               </a:ln>
               <a:extLst>
                 <a:ext uri="{91240B29-F687-4f45-9708-019B960494DF}">
-                  <a14:hiddenLine xmlns:a14="http://schemas.microsoft.com/office/drawing/2010/main" xmlns="" w="9525">
+                  <a14:hiddenLine xmlns="" xmlns:a14="http://schemas.microsoft.com/office/drawing/2010/main" w="9525">
                     <a:solidFill>
                       <a:srgbClr val="000000"/>
                     </a:solidFill>
@@ -11408,7 +11565,7 @@
               </a:ln>
               <a:extLst>
                 <a:ext uri="{91240B29-F687-4f45-9708-019B960494DF}">
-                  <a14:hiddenLine xmlns:a14="http://schemas.microsoft.com/office/drawing/2010/main" xmlns="" w="9525">
+                  <a14:hiddenLine xmlns="" xmlns:a14="http://schemas.microsoft.com/office/drawing/2010/main" w="9525">
                     <a:solidFill>
                       <a:srgbClr val="000000"/>
                     </a:solidFill>
@@ -11498,7 +11655,7 @@
               </a:ln>
               <a:extLst>
                 <a:ext uri="{91240B29-F687-4f45-9708-019B960494DF}">
-                  <a14:hiddenLine xmlns:a14="http://schemas.microsoft.com/office/drawing/2010/main" xmlns="" w="9525">
+                  <a14:hiddenLine xmlns="" xmlns:a14="http://schemas.microsoft.com/office/drawing/2010/main" w="9525">
                     <a:solidFill>
                       <a:srgbClr val="000000"/>
                     </a:solidFill>
@@ -11588,7 +11745,7 @@
               </a:ln>
               <a:extLst>
                 <a:ext uri="{91240B29-F687-4f45-9708-019B960494DF}">
-                  <a14:hiddenLine xmlns:a14="http://schemas.microsoft.com/office/drawing/2010/main" xmlns="" w="9525">
+                  <a14:hiddenLine xmlns="" xmlns:a14="http://schemas.microsoft.com/office/drawing/2010/main" w="9525">
                     <a:solidFill>
                       <a:srgbClr val="000000"/>
                     </a:solidFill>
@@ -11650,7 +11807,7 @@
               </a:ln>
               <a:extLst>
                 <a:ext uri="{91240B29-F687-4f45-9708-019B960494DF}">
-                  <a14:hiddenLine xmlns:a14="http://schemas.microsoft.com/office/drawing/2010/main" xmlns="" w="9525">
+                  <a14:hiddenLine xmlns="" xmlns:a14="http://schemas.microsoft.com/office/drawing/2010/main" w="9525">
                     <a:solidFill>
                       <a:srgbClr val="000000"/>
                     </a:solidFill>
@@ -11760,7 +11917,7 @@
               </a:ln>
               <a:extLst>
                 <a:ext uri="{91240B29-F687-4f45-9708-019B960494DF}">
-                  <a14:hiddenLine xmlns:a14="http://schemas.microsoft.com/office/drawing/2010/main" xmlns="" w="9525">
+                  <a14:hiddenLine xmlns="" xmlns:a14="http://schemas.microsoft.com/office/drawing/2010/main" w="9525">
                     <a:solidFill>
                       <a:srgbClr val="000000"/>
                     </a:solidFill>
@@ -11844,7 +12001,7 @@
               </a:ln>
               <a:extLst>
                 <a:ext uri="{91240B29-F687-4f45-9708-019B960494DF}">
-                  <a14:hiddenLine xmlns:a14="http://schemas.microsoft.com/office/drawing/2010/main" xmlns="" w="9525">
+                  <a14:hiddenLine xmlns="" xmlns:a14="http://schemas.microsoft.com/office/drawing/2010/main" w="9525">
                     <a:solidFill>
                       <a:srgbClr val="000000"/>
                     </a:solidFill>
@@ -11906,7 +12063,7 @@
               </a:ln>
               <a:extLst>
                 <a:ext uri="{91240B29-F687-4f45-9708-019B960494DF}">
-                  <a14:hiddenLine xmlns:a14="http://schemas.microsoft.com/office/drawing/2010/main" xmlns="" w="9525">
+                  <a14:hiddenLine xmlns="" xmlns:a14="http://schemas.microsoft.com/office/drawing/2010/main" w="9525">
                     <a:solidFill>
                       <a:srgbClr val="000000"/>
                     </a:solidFill>
@@ -11968,7 +12125,7 @@
               </a:ln>
               <a:extLst>
                 <a:ext uri="{91240B29-F687-4f45-9708-019B960494DF}">
-                  <a14:hiddenLine xmlns:a14="http://schemas.microsoft.com/office/drawing/2010/main" xmlns="" w="9525">
+                  <a14:hiddenLine xmlns="" xmlns:a14="http://schemas.microsoft.com/office/drawing/2010/main" w="9525">
                     <a:solidFill>
                       <a:srgbClr val="000000"/>
                     </a:solidFill>
@@ -12058,7 +12215,7 @@
               </a:ln>
               <a:extLst>
                 <a:ext uri="{91240B29-F687-4f45-9708-019B960494DF}">
-                  <a14:hiddenLine xmlns:a14="http://schemas.microsoft.com/office/drawing/2010/main" xmlns="" w="9525">
+                  <a14:hiddenLine xmlns="" xmlns:a14="http://schemas.microsoft.com/office/drawing/2010/main" w="9525">
                     <a:solidFill>
                       <a:srgbClr val="000000"/>
                     </a:solidFill>
@@ -12092,7 +12249,7 @@
               </a:ln>
               <a:extLst>
                 <a:ext uri="{91240B29-F687-4f45-9708-019B960494DF}">
-                  <a14:hiddenLine xmlns:a14="http://schemas.microsoft.com/office/drawing/2010/main" xmlns="" w="9525">
+                  <a14:hiddenLine xmlns="" xmlns:a14="http://schemas.microsoft.com/office/drawing/2010/main" w="9525">
                     <a:solidFill>
                       <a:srgbClr val="000000"/>
                     </a:solidFill>
@@ -12157,7 +12314,7 @@
               </a:ln>
               <a:extLst>
                 <a:ext uri="{91240B29-F687-4f45-9708-019B960494DF}">
-                  <a14:hiddenLine xmlns:a14="http://schemas.microsoft.com/office/drawing/2010/main" xmlns="" w="9525">
+                  <a14:hiddenLine xmlns="" xmlns:a14="http://schemas.microsoft.com/office/drawing/2010/main" w="9525">
                     <a:solidFill>
                       <a:srgbClr val="000000"/>
                     </a:solidFill>
@@ -12247,7 +12404,7 @@
               </a:ln>
               <a:extLst>
                 <a:ext uri="{91240B29-F687-4f45-9708-019B960494DF}">
-                  <a14:hiddenLine xmlns:a14="http://schemas.microsoft.com/office/drawing/2010/main" xmlns="" w="9525">
+                  <a14:hiddenLine xmlns="" xmlns:a14="http://schemas.microsoft.com/office/drawing/2010/main" w="9525">
                     <a:solidFill>
                       <a:srgbClr val="000000"/>
                     </a:solidFill>
@@ -12309,7 +12466,7 @@
               </a:ln>
               <a:extLst>
                 <a:ext uri="{91240B29-F687-4f45-9708-019B960494DF}">
-                  <a14:hiddenLine xmlns:a14="http://schemas.microsoft.com/office/drawing/2010/main" xmlns="" w="9525">
+                  <a14:hiddenLine xmlns="" xmlns:a14="http://schemas.microsoft.com/office/drawing/2010/main" w="9525">
                     <a:solidFill>
                       <a:srgbClr val="000000"/>
                     </a:solidFill>
@@ -12399,7 +12556,7 @@
               </a:ln>
               <a:extLst>
                 <a:ext uri="{91240B29-F687-4f45-9708-019B960494DF}">
-                  <a14:hiddenLine xmlns:a14="http://schemas.microsoft.com/office/drawing/2010/main" xmlns="" w="9525">
+                  <a14:hiddenLine xmlns="" xmlns:a14="http://schemas.microsoft.com/office/drawing/2010/main" w="9525">
                     <a:solidFill>
                       <a:srgbClr val="000000"/>
                     </a:solidFill>
@@ -12464,7 +12621,7 @@
               </a:ln>
               <a:extLst>
                 <a:ext uri="{91240B29-F687-4f45-9708-019B960494DF}">
-                  <a14:hiddenLine xmlns:a14="http://schemas.microsoft.com/office/drawing/2010/main" xmlns="" w="9525">
+                  <a14:hiddenLine xmlns="" xmlns:a14="http://schemas.microsoft.com/office/drawing/2010/main" w="9525">
                     <a:solidFill>
                       <a:srgbClr val="000000"/>
                     </a:solidFill>
@@ -12526,7 +12683,7 @@
               </a:ln>
               <a:extLst>
                 <a:ext uri="{91240B29-F687-4f45-9708-019B960494DF}">
-                  <a14:hiddenLine xmlns:a14="http://schemas.microsoft.com/office/drawing/2010/main" xmlns="" w="9525">
+                  <a14:hiddenLine xmlns="" xmlns:a14="http://schemas.microsoft.com/office/drawing/2010/main" w="9525">
                     <a:solidFill>
                       <a:srgbClr val="000000"/>
                     </a:solidFill>
@@ -12616,7 +12773,7 @@
               </a:ln>
               <a:extLst>
                 <a:ext uri="{91240B29-F687-4f45-9708-019B960494DF}">
-                  <a14:hiddenLine xmlns:a14="http://schemas.microsoft.com/office/drawing/2010/main" xmlns="" w="9525">
+                  <a14:hiddenLine xmlns="" xmlns:a14="http://schemas.microsoft.com/office/drawing/2010/main" w="9525">
                     <a:solidFill>
                       <a:srgbClr val="000000"/>
                     </a:solidFill>
@@ -12706,7 +12863,7 @@
               </a:ln>
               <a:extLst>
                 <a:ext uri="{91240B29-F687-4f45-9708-019B960494DF}">
-                  <a14:hiddenLine xmlns:a14="http://schemas.microsoft.com/office/drawing/2010/main" xmlns="" w="9525">
+                  <a14:hiddenLine xmlns="" xmlns:a14="http://schemas.microsoft.com/office/drawing/2010/main" w="9525">
                     <a:solidFill>
                       <a:srgbClr val="000000"/>
                     </a:solidFill>
@@ -12771,7 +12928,7 @@
               </a:ln>
               <a:extLst>
                 <a:ext uri="{91240B29-F687-4f45-9708-019B960494DF}">
-                  <a14:hiddenLine xmlns:a14="http://schemas.microsoft.com/office/drawing/2010/main" xmlns="" w="9525">
+                  <a14:hiddenLine xmlns="" xmlns:a14="http://schemas.microsoft.com/office/drawing/2010/main" w="9525">
                     <a:solidFill>
                       <a:srgbClr val="000000"/>
                     </a:solidFill>
@@ -12891,7 +13048,7 @@
               </a:ln>
               <a:extLst>
                 <a:ext uri="{91240B29-F687-4f45-9708-019B960494DF}">
-                  <a14:hiddenLine xmlns:a14="http://schemas.microsoft.com/office/drawing/2010/main" xmlns="" w="9525">
+                  <a14:hiddenLine xmlns="" xmlns:a14="http://schemas.microsoft.com/office/drawing/2010/main" w="9525">
                     <a:solidFill>
                       <a:srgbClr val="000000"/>
                     </a:solidFill>
@@ -12972,7 +13129,7 @@
               </a:ln>
               <a:extLst>
                 <a:ext uri="{91240B29-F687-4f45-9708-019B960494DF}">
-                  <a14:hiddenLine xmlns:a14="http://schemas.microsoft.com/office/drawing/2010/main" xmlns="" w="9525">
+                  <a14:hiddenLine xmlns="" xmlns:a14="http://schemas.microsoft.com/office/drawing/2010/main" w="9525">
                     <a:solidFill>
                       <a:srgbClr val="000000"/>
                     </a:solidFill>
@@ -13087,7 +13244,7 @@
               </a:ln>
               <a:extLst>
                 <a:ext uri="{91240B29-F687-4f45-9708-019B960494DF}">
-                  <a14:hiddenLine xmlns:a14="http://schemas.microsoft.com/office/drawing/2010/main" xmlns="" w="9525">
+                  <a14:hiddenLine xmlns="" xmlns:a14="http://schemas.microsoft.com/office/drawing/2010/main" w="9525">
                     <a:solidFill>
                       <a:srgbClr val="000000"/>
                     </a:solidFill>
@@ -13177,7 +13334,7 @@
               </a:ln>
               <a:extLst>
                 <a:ext uri="{91240B29-F687-4f45-9708-019B960494DF}">
-                  <a14:hiddenLine xmlns:a14="http://schemas.microsoft.com/office/drawing/2010/main" xmlns="" w="9525">
+                  <a14:hiddenLine xmlns="" xmlns:a14="http://schemas.microsoft.com/office/drawing/2010/main" w="9525">
                     <a:solidFill>
                       <a:srgbClr val="000000"/>
                     </a:solidFill>
@@ -13242,7 +13399,7 @@
               </a:ln>
               <a:extLst>
                 <a:ext uri="{91240B29-F687-4f45-9708-019B960494DF}">
-                  <a14:hiddenLine xmlns:a14="http://schemas.microsoft.com/office/drawing/2010/main" xmlns="" w="9525">
+                  <a14:hiddenLine xmlns="" xmlns:a14="http://schemas.microsoft.com/office/drawing/2010/main" w="9525">
                     <a:solidFill>
                       <a:srgbClr val="000000"/>
                     </a:solidFill>
@@ -13332,7 +13489,7 @@
               </a:ln>
               <a:extLst>
                 <a:ext uri="{91240B29-F687-4f45-9708-019B960494DF}">
-                  <a14:hiddenLine xmlns:a14="http://schemas.microsoft.com/office/drawing/2010/main" xmlns="" w="9525">
+                  <a14:hiddenLine xmlns="" xmlns:a14="http://schemas.microsoft.com/office/drawing/2010/main" w="9525">
                     <a:solidFill>
                       <a:srgbClr val="000000"/>
                     </a:solidFill>
@@ -13400,7 +13557,7 @@
               </a:ln>
               <a:extLst>
                 <a:ext uri="{91240B29-F687-4f45-9708-019B960494DF}">
-                  <a14:hiddenLine xmlns:a14="http://schemas.microsoft.com/office/drawing/2010/main" xmlns="" w="9525">
+                  <a14:hiddenLine xmlns="" xmlns:a14="http://schemas.microsoft.com/office/drawing/2010/main" w="9525">
                     <a:solidFill>
                       <a:srgbClr val="000000"/>
                     </a:solidFill>
@@ -13490,7 +13647,7 @@
               </a:ln>
               <a:extLst>
                 <a:ext uri="{91240B29-F687-4f45-9708-019B960494DF}">
-                  <a14:hiddenLine xmlns:a14="http://schemas.microsoft.com/office/drawing/2010/main" xmlns="" w="9525">
+                  <a14:hiddenLine xmlns="" xmlns:a14="http://schemas.microsoft.com/office/drawing/2010/main" w="9525">
                     <a:solidFill>
                       <a:srgbClr val="000000"/>
                     </a:solidFill>
@@ -13558,7 +13715,7 @@
               </a:ln>
               <a:extLst>
                 <a:ext uri="{91240B29-F687-4f45-9708-019B960494DF}">
-                  <a14:hiddenLine xmlns:a14="http://schemas.microsoft.com/office/drawing/2010/main" xmlns="" w="9525">
+                  <a14:hiddenLine xmlns="" xmlns:a14="http://schemas.microsoft.com/office/drawing/2010/main" w="9525">
                     <a:solidFill>
                       <a:srgbClr val="000000"/>
                     </a:solidFill>
@@ -13648,7 +13805,7 @@
               </a:ln>
               <a:extLst>
                 <a:ext uri="{91240B29-F687-4f45-9708-019B960494DF}">
-                  <a14:hiddenLine xmlns:a14="http://schemas.microsoft.com/office/drawing/2010/main" xmlns="" w="9525">
+                  <a14:hiddenLine xmlns="" xmlns:a14="http://schemas.microsoft.com/office/drawing/2010/main" w="9525">
                     <a:solidFill>
                       <a:srgbClr val="000000"/>
                     </a:solidFill>
@@ -13682,7 +13839,7 @@
               </a:ln>
               <a:extLst>
                 <a:ext uri="{91240B29-F687-4f45-9708-019B960494DF}">
-                  <a14:hiddenLine xmlns:a14="http://schemas.microsoft.com/office/drawing/2010/main" xmlns="" w="9525">
+                  <a14:hiddenLine xmlns="" xmlns:a14="http://schemas.microsoft.com/office/drawing/2010/main" w="9525">
                     <a:solidFill>
                       <a:srgbClr val="000000"/>
                     </a:solidFill>
@@ -13823,7 +13980,7 @@
             <a:fld id="{48A87A34-81AB-432B-8DAE-1953F412C126}" type="datetimeFigureOut">
               <a:rPr lang="en-US" dirty="0"/>
               <a:pPr/>
-              <a:t>7/13/2018</a:t>
+              <a:t>8/16/2018</a:t>
             </a:fld>
             <a:endParaRPr lang="en-US" dirty="0"/>
           </a:p>
@@ -14290,18 +14447,16 @@
             <p:ph type="subTitle" idx="1"/>
           </p:nvPr>
         </p:nvSpPr>
-        <p:spPr/>
+        <p:spPr>
+          <a:xfrm>
+            <a:off x="1876424" y="3602038"/>
+            <a:ext cx="8791575" cy="842500"/>
+          </a:xfrm>
+        </p:spPr>
         <p:txBody>
           <a:bodyPr/>
           <a:lstStyle/>
           <a:p>
-            <a:r>
-              <a:rPr lang="en-US" dirty="0"/>
-              <a:t>Kaushal Kumar Panday, Support Escalation Engineer, App Service</a:t>
-            </a:r>
-            <a:br>
-              <a:rPr lang="en-US" dirty="0"/>
-            </a:br>
             <a:r>
               <a:rPr lang="en-US" dirty="0"/>
               <a:t>Jim Cheshire, Sr. Escalation Engineer, App Service Serviceability</a:t>
@@ -14323,6 +14478,320 @@
 </file>
 
 <file path=ppt/slides/slide10.xml><?xml version="1.0" encoding="utf-8"?>
+<p:sld xmlns:a="http://schemas.openxmlformats.org/drawingml/2006/main" xmlns:r="http://schemas.openxmlformats.org/officeDocument/2006/relationships" xmlns:p="http://schemas.openxmlformats.org/presentationml/2006/main">
+  <p:cSld>
+    <p:spTree>
+      <p:nvGrpSpPr>
+        <p:cNvPr id="1" name=""/>
+        <p:cNvGrpSpPr/>
+        <p:nvPr/>
+      </p:nvGrpSpPr>
+      <p:grpSpPr>
+        <a:xfrm>
+          <a:off x="0" y="0"/>
+          <a:ext cx="0" cy="0"/>
+          <a:chOff x="0" y="0"/>
+          <a:chExt cx="0" cy="0"/>
+        </a:xfrm>
+      </p:grpSpPr>
+      <p:sp>
+        <p:nvSpPr>
+          <p:cNvPr id="2" name="Title 1">
+            <a:extLst>
+              <a:ext uri="{FF2B5EF4-FFF2-40B4-BE49-F238E27FC236}">
+                <a16:creationId xmlns:a16="http://schemas.microsoft.com/office/drawing/2014/main" id="{ECC4DD92-4AD6-4DCE-A988-0EF85B061957}"/>
+              </a:ext>
+            </a:extLst>
+          </p:cNvPr>
+          <p:cNvSpPr>
+            <a:spLocks noGrp="1"/>
+          </p:cNvSpPr>
+          <p:nvPr>
+            <p:ph type="title"/>
+          </p:nvPr>
+        </p:nvSpPr>
+        <p:spPr/>
+        <p:txBody>
+          <a:bodyPr/>
+          <a:lstStyle/>
+          <a:p>
+            <a:r>
+              <a:rPr lang="en-US" dirty="0"/>
+              <a:t>Other Linux Considerations</a:t>
+            </a:r>
+          </a:p>
+        </p:txBody>
+      </p:sp>
+      <p:sp>
+        <p:nvSpPr>
+          <p:cNvPr id="3" name="Content Placeholder 2">
+            <a:extLst>
+              <a:ext uri="{FF2B5EF4-FFF2-40B4-BE49-F238E27FC236}">
+                <a16:creationId xmlns:a16="http://schemas.microsoft.com/office/drawing/2014/main" id="{1F5798DF-13D1-4C39-85E3-9B8E66A09287}"/>
+              </a:ext>
+            </a:extLst>
+          </p:cNvPr>
+          <p:cNvSpPr>
+            <a:spLocks noGrp="1"/>
+          </p:cNvSpPr>
+          <p:nvPr>
+            <p:ph idx="1"/>
+          </p:nvPr>
+        </p:nvSpPr>
+        <p:spPr/>
+        <p:txBody>
+          <a:bodyPr/>
+          <a:lstStyle/>
+          <a:p>
+            <a:r>
+              <a:rPr lang="en-US" dirty="0"/>
+              <a:t>Don’t install components from the SSH console.</a:t>
+            </a:r>
+          </a:p>
+          <a:p>
+            <a:r>
+              <a:rPr lang="en-US" dirty="0"/>
+              <a:t>Don’t implement SSL support into your app.</a:t>
+            </a:r>
+          </a:p>
+          <a:p>
+            <a:r>
+              <a:rPr lang="en-US" dirty="0"/>
+              <a:t>App Settings are injected into the container as environment variables.</a:t>
+            </a:r>
+          </a:p>
+        </p:txBody>
+      </p:sp>
+    </p:spTree>
+    <p:extLst>
+      <p:ext uri="{BB962C8B-B14F-4D97-AF65-F5344CB8AC3E}">
+        <p14:creationId xmlns:p14="http://schemas.microsoft.com/office/powerpoint/2010/main" val="1427398466"/>
+      </p:ext>
+    </p:extLst>
+  </p:cSld>
+  <p:clrMapOvr>
+    <a:masterClrMapping/>
+  </p:clrMapOvr>
+  <p:timing>
+    <p:tnLst>
+      <p:par>
+        <p:cTn id="1" dur="indefinite" restart="never" nodeType="tmRoot">
+          <p:childTnLst>
+            <p:seq concurrent="1" nextAc="seek">
+              <p:cTn id="2" dur="indefinite" nodeType="mainSeq">
+                <p:childTnLst>
+                  <p:par>
+                    <p:cTn id="3" fill="hold">
+                      <p:stCondLst>
+                        <p:cond delay="indefinite"/>
+                      </p:stCondLst>
+                      <p:childTnLst>
+                        <p:par>
+                          <p:cTn id="4" fill="hold">
+                            <p:stCondLst>
+                              <p:cond delay="0"/>
+                            </p:stCondLst>
+                            <p:childTnLst>
+                              <p:par>
+                                <p:cTn id="5" presetID="10" presetClass="entr" presetSubtype="0" fill="hold" grpId="0" nodeType="clickEffect">
+                                  <p:stCondLst>
+                                    <p:cond delay="0"/>
+                                  </p:stCondLst>
+                                  <p:childTnLst>
+                                    <p:set>
+                                      <p:cBhvr>
+                                        <p:cTn id="6" dur="1" fill="hold">
+                                          <p:stCondLst>
+                                            <p:cond delay="0"/>
+                                          </p:stCondLst>
+                                        </p:cTn>
+                                        <p:tgtEl>
+                                          <p:spTgt spid="3">
+                                            <p:txEl>
+                                              <p:pRg st="0" end="0"/>
+                                            </p:txEl>
+                                          </p:spTgt>
+                                        </p:tgtEl>
+                                        <p:attrNameLst>
+                                          <p:attrName>style.visibility</p:attrName>
+                                        </p:attrNameLst>
+                                      </p:cBhvr>
+                                      <p:to>
+                                        <p:strVal val="visible"/>
+                                      </p:to>
+                                    </p:set>
+                                    <p:animEffect transition="in" filter="fade">
+                                      <p:cBhvr>
+                                        <p:cTn id="7" dur="500"/>
+                                        <p:tgtEl>
+                                          <p:spTgt spid="3">
+                                            <p:txEl>
+                                              <p:pRg st="0" end="0"/>
+                                            </p:txEl>
+                                          </p:spTgt>
+                                        </p:tgtEl>
+                                      </p:cBhvr>
+                                    </p:animEffect>
+                                  </p:childTnLst>
+                                </p:cTn>
+                              </p:par>
+                            </p:childTnLst>
+                          </p:cTn>
+                        </p:par>
+                      </p:childTnLst>
+                    </p:cTn>
+                  </p:par>
+                  <p:par>
+                    <p:cTn id="8" fill="hold">
+                      <p:stCondLst>
+                        <p:cond delay="indefinite"/>
+                      </p:stCondLst>
+                      <p:childTnLst>
+                        <p:par>
+                          <p:cTn id="9" fill="hold">
+                            <p:stCondLst>
+                              <p:cond delay="0"/>
+                            </p:stCondLst>
+                            <p:childTnLst>
+                              <p:par>
+                                <p:cTn id="10" presetID="10" presetClass="entr" presetSubtype="0" fill="hold" grpId="0" nodeType="clickEffect">
+                                  <p:stCondLst>
+                                    <p:cond delay="0"/>
+                                  </p:stCondLst>
+                                  <p:childTnLst>
+                                    <p:set>
+                                      <p:cBhvr>
+                                        <p:cTn id="11" dur="1" fill="hold">
+                                          <p:stCondLst>
+                                            <p:cond delay="0"/>
+                                          </p:stCondLst>
+                                        </p:cTn>
+                                        <p:tgtEl>
+                                          <p:spTgt spid="3">
+                                            <p:txEl>
+                                              <p:pRg st="1" end="1"/>
+                                            </p:txEl>
+                                          </p:spTgt>
+                                        </p:tgtEl>
+                                        <p:attrNameLst>
+                                          <p:attrName>style.visibility</p:attrName>
+                                        </p:attrNameLst>
+                                      </p:cBhvr>
+                                      <p:to>
+                                        <p:strVal val="visible"/>
+                                      </p:to>
+                                    </p:set>
+                                    <p:animEffect transition="in" filter="fade">
+                                      <p:cBhvr>
+                                        <p:cTn id="12" dur="500"/>
+                                        <p:tgtEl>
+                                          <p:spTgt spid="3">
+                                            <p:txEl>
+                                              <p:pRg st="1" end="1"/>
+                                            </p:txEl>
+                                          </p:spTgt>
+                                        </p:tgtEl>
+                                      </p:cBhvr>
+                                    </p:animEffect>
+                                  </p:childTnLst>
+                                </p:cTn>
+                              </p:par>
+                            </p:childTnLst>
+                          </p:cTn>
+                        </p:par>
+                      </p:childTnLst>
+                    </p:cTn>
+                  </p:par>
+                  <p:par>
+                    <p:cTn id="13" fill="hold">
+                      <p:stCondLst>
+                        <p:cond delay="indefinite"/>
+                      </p:stCondLst>
+                      <p:childTnLst>
+                        <p:par>
+                          <p:cTn id="14" fill="hold">
+                            <p:stCondLst>
+                              <p:cond delay="0"/>
+                            </p:stCondLst>
+                            <p:childTnLst>
+                              <p:par>
+                                <p:cTn id="15" presetID="10" presetClass="entr" presetSubtype="0" fill="hold" grpId="0" nodeType="clickEffect">
+                                  <p:stCondLst>
+                                    <p:cond delay="0"/>
+                                  </p:stCondLst>
+                                  <p:childTnLst>
+                                    <p:set>
+                                      <p:cBhvr>
+                                        <p:cTn id="16" dur="1" fill="hold">
+                                          <p:stCondLst>
+                                            <p:cond delay="0"/>
+                                          </p:stCondLst>
+                                        </p:cTn>
+                                        <p:tgtEl>
+                                          <p:spTgt spid="3">
+                                            <p:txEl>
+                                              <p:pRg st="2" end="2"/>
+                                            </p:txEl>
+                                          </p:spTgt>
+                                        </p:tgtEl>
+                                        <p:attrNameLst>
+                                          <p:attrName>style.visibility</p:attrName>
+                                        </p:attrNameLst>
+                                      </p:cBhvr>
+                                      <p:to>
+                                        <p:strVal val="visible"/>
+                                      </p:to>
+                                    </p:set>
+                                    <p:animEffect transition="in" filter="fade">
+                                      <p:cBhvr>
+                                        <p:cTn id="17" dur="500"/>
+                                        <p:tgtEl>
+                                          <p:spTgt spid="3">
+                                            <p:txEl>
+                                              <p:pRg st="2" end="2"/>
+                                            </p:txEl>
+                                          </p:spTgt>
+                                        </p:tgtEl>
+                                      </p:cBhvr>
+                                    </p:animEffect>
+                                  </p:childTnLst>
+                                </p:cTn>
+                              </p:par>
+                            </p:childTnLst>
+                          </p:cTn>
+                        </p:par>
+                      </p:childTnLst>
+                    </p:cTn>
+                  </p:par>
+                </p:childTnLst>
+              </p:cTn>
+              <p:prevCondLst>
+                <p:cond evt="onPrev" delay="0">
+                  <p:tgtEl>
+                    <p:sldTgt/>
+                  </p:tgtEl>
+                </p:cond>
+              </p:prevCondLst>
+              <p:nextCondLst>
+                <p:cond evt="onNext" delay="0">
+                  <p:tgtEl>
+                    <p:sldTgt/>
+                  </p:tgtEl>
+                </p:cond>
+              </p:nextCondLst>
+            </p:seq>
+          </p:childTnLst>
+        </p:cTn>
+      </p:par>
+    </p:tnLst>
+    <p:bldLst>
+      <p:bldP spid="3" grpId="0" build="p"/>
+    </p:bldLst>
+  </p:timing>
+</p:sld>
+</file>
+
+<file path=ppt/slides/slide11.xml><?xml version="1.0" encoding="utf-8"?>
 <p:sld xmlns:a="http://schemas.openxmlformats.org/drawingml/2006/main" xmlns:r="http://schemas.openxmlformats.org/officeDocument/2006/relationships" xmlns:p="http://schemas.openxmlformats.org/presentationml/2006/main">
   <p:cSld>
     <p:spTree>
@@ -14768,7 +15237,7 @@
 </p:sld>
 </file>
 
-<file path=ppt/slides/slide11.xml><?xml version="1.0" encoding="utf-8"?>
+<file path=ppt/slides/slide12.xml><?xml version="1.0" encoding="utf-8"?>
 <p:sld xmlns:a="http://schemas.openxmlformats.org/drawingml/2006/main" xmlns:r="http://schemas.openxmlformats.org/officeDocument/2006/relationships" xmlns:p="http://schemas.openxmlformats.org/presentationml/2006/main">
   <p:cSld>
     <p:spTree>
@@ -15516,7 +15985,7 @@
 </p:sld>
 </file>
 
-<file path=ppt/slides/slide12.xml><?xml version="1.0" encoding="utf-8"?>
+<file path=ppt/slides/slide13.xml><?xml version="1.0" encoding="utf-8"?>
 <p:sld xmlns:a="http://schemas.openxmlformats.org/drawingml/2006/main" xmlns:r="http://schemas.openxmlformats.org/officeDocument/2006/relationships" xmlns:p="http://schemas.openxmlformats.org/presentationml/2006/main">
   <p:cSld>
     <p:spTree>
@@ -15996,7 +16465,7 @@
 </p:sld>
 </file>
 
-<file path=ppt/slides/slide13.xml><?xml version="1.0" encoding="utf-8"?>
+<file path=ppt/slides/slide14.xml><?xml version="1.0" encoding="utf-8"?>
 <p:sld xmlns:a="http://schemas.openxmlformats.org/drawingml/2006/main" xmlns:r="http://schemas.openxmlformats.org/officeDocument/2006/relationships" xmlns:p="http://schemas.openxmlformats.org/presentationml/2006/main">
   <p:cSld>
     <p:spTree>
@@ -16608,7 +17077,7 @@
 </p:sld>
 </file>
 
-<file path=ppt/slides/slide14.xml><?xml version="1.0" encoding="utf-8"?>
+<file path=ppt/slides/slide15.xml><?xml version="1.0" encoding="utf-8"?>
 <p:sld xmlns:a="http://schemas.openxmlformats.org/drawingml/2006/main" xmlns:r="http://schemas.openxmlformats.org/officeDocument/2006/relationships" xmlns:p="http://schemas.openxmlformats.org/presentationml/2006/main">
   <p:cSld>
     <p:spTree>
@@ -17439,7 +17908,7 @@
 </p:sld>
 </file>
 
-<file path=ppt/slides/slide15.xml><?xml version="1.0" encoding="utf-8"?>
+<file path=ppt/slides/slide16.xml><?xml version="1.0" encoding="utf-8"?>
 <p:sld xmlns:a="http://schemas.openxmlformats.org/drawingml/2006/main" xmlns:r="http://schemas.openxmlformats.org/officeDocument/2006/relationships" xmlns:p="http://schemas.openxmlformats.org/presentationml/2006/main">
   <p:cSld>
     <p:spTree>
@@ -17826,7 +18295,7 @@
 </p:sld>
 </file>
 
-<file path=ppt/slides/slide16.xml><?xml version="1.0" encoding="utf-8"?>
+<file path=ppt/slides/slide17.xml><?xml version="1.0" encoding="utf-8"?>
 <p:sld xmlns:a="http://schemas.openxmlformats.org/drawingml/2006/main" xmlns:r="http://schemas.openxmlformats.org/officeDocument/2006/relationships" xmlns:p="http://schemas.openxmlformats.org/presentationml/2006/main">
   <p:cSld>
     <p:spTree>
@@ -17939,6 +18408,951 @@
 </file>
 
 <file path=ppt/slides/slide2.xml><?xml version="1.0" encoding="utf-8"?>
+<p:sld xmlns:a="http://schemas.openxmlformats.org/drawingml/2006/main" xmlns:r="http://schemas.openxmlformats.org/officeDocument/2006/relationships" xmlns:p="http://schemas.openxmlformats.org/presentationml/2006/main">
+  <p:cSld>
+    <p:spTree>
+      <p:nvGrpSpPr>
+        <p:cNvPr id="1" name=""/>
+        <p:cNvGrpSpPr/>
+        <p:nvPr/>
+      </p:nvGrpSpPr>
+      <p:grpSpPr>
+        <a:xfrm>
+          <a:off x="0" y="0"/>
+          <a:ext cx="0" cy="0"/>
+          <a:chOff x="0" y="0"/>
+          <a:chExt cx="0" cy="0"/>
+        </a:xfrm>
+      </p:grpSpPr>
+      <p:sp>
+        <p:nvSpPr>
+          <p:cNvPr id="2" name="Title 1">
+            <a:extLst>
+              <a:ext uri="{FF2B5EF4-FFF2-40B4-BE49-F238E27FC236}">
+                <a16:creationId xmlns:a16="http://schemas.microsoft.com/office/drawing/2014/main" id="{F9CC131C-A164-4D59-91B7-DC1417C55F8E}"/>
+              </a:ext>
+            </a:extLst>
+          </p:cNvPr>
+          <p:cNvSpPr>
+            <a:spLocks noGrp="1"/>
+          </p:cNvSpPr>
+          <p:nvPr>
+            <p:ph type="title"/>
+          </p:nvPr>
+        </p:nvSpPr>
+        <p:spPr/>
+        <p:txBody>
+          <a:bodyPr/>
+          <a:lstStyle/>
+          <a:p>
+            <a:r>
+              <a:rPr lang="en-US" dirty="0"/>
+              <a:t>Most Important Point of All</a:t>
+            </a:r>
+          </a:p>
+        </p:txBody>
+      </p:sp>
+      <p:cxnSp>
+        <p:nvCxnSpPr>
+          <p:cNvPr id="5" name="Straight Connector 4">
+            <a:extLst>
+              <a:ext uri="{FF2B5EF4-FFF2-40B4-BE49-F238E27FC236}">
+                <a16:creationId xmlns:a16="http://schemas.microsoft.com/office/drawing/2014/main" id="{E1A0322D-97EF-4FA4-8323-C4708E5A1D7A}"/>
+              </a:ext>
+            </a:extLst>
+          </p:cNvPr>
+          <p:cNvCxnSpPr>
+            <a:cxnSpLocks/>
+          </p:cNvCxnSpPr>
+          <p:nvPr/>
+        </p:nvCxnSpPr>
+        <p:spPr>
+          <a:xfrm>
+            <a:off x="2559170" y="2495909"/>
+            <a:ext cx="0" cy="4468483"/>
+          </a:xfrm>
+          <a:prstGeom prst="line">
+            <a:avLst/>
+          </a:prstGeom>
+          <a:ln>
+            <a:solidFill>
+              <a:schemeClr val="tx1"/>
+            </a:solidFill>
+          </a:ln>
+        </p:spPr>
+        <p:style>
+          <a:lnRef idx="3">
+            <a:schemeClr val="dk1"/>
+          </a:lnRef>
+          <a:fillRef idx="0">
+            <a:schemeClr val="dk1"/>
+          </a:fillRef>
+          <a:effectRef idx="2">
+            <a:schemeClr val="dk1"/>
+          </a:effectRef>
+          <a:fontRef idx="minor">
+            <a:schemeClr val="tx1"/>
+          </a:fontRef>
+        </p:style>
+      </p:cxnSp>
+      <p:cxnSp>
+        <p:nvCxnSpPr>
+          <p:cNvPr id="6" name="Straight Connector 5">
+            <a:extLst>
+              <a:ext uri="{FF2B5EF4-FFF2-40B4-BE49-F238E27FC236}">
+                <a16:creationId xmlns:a16="http://schemas.microsoft.com/office/drawing/2014/main" id="{133F379C-792D-41E5-98B8-7EA6702E5B5F}"/>
+              </a:ext>
+            </a:extLst>
+          </p:cNvPr>
+          <p:cNvCxnSpPr>
+            <a:cxnSpLocks/>
+          </p:cNvCxnSpPr>
+          <p:nvPr/>
+        </p:nvCxnSpPr>
+        <p:spPr>
+          <a:xfrm>
+            <a:off x="3436188" y="2495909"/>
+            <a:ext cx="0" cy="4664016"/>
+          </a:xfrm>
+          <a:prstGeom prst="line">
+            <a:avLst/>
+          </a:prstGeom>
+          <a:ln>
+            <a:solidFill>
+              <a:schemeClr val="tx1"/>
+            </a:solidFill>
+          </a:ln>
+        </p:spPr>
+        <p:style>
+          <a:lnRef idx="3">
+            <a:schemeClr val="dk1"/>
+          </a:lnRef>
+          <a:fillRef idx="0">
+            <a:schemeClr val="dk1"/>
+          </a:fillRef>
+          <a:effectRef idx="2">
+            <a:schemeClr val="dk1"/>
+          </a:effectRef>
+          <a:fontRef idx="minor">
+            <a:schemeClr val="tx1"/>
+          </a:fontRef>
+        </p:style>
+      </p:cxnSp>
+      <p:sp>
+        <p:nvSpPr>
+          <p:cNvPr id="7" name="Rectangle 6">
+            <a:extLst>
+              <a:ext uri="{FF2B5EF4-FFF2-40B4-BE49-F238E27FC236}">
+                <a16:creationId xmlns:a16="http://schemas.microsoft.com/office/drawing/2014/main" id="{9C1086F5-D2D4-42B0-BEC5-CBD12D6F76AB}"/>
+              </a:ext>
+            </a:extLst>
+          </p:cNvPr>
+          <p:cNvSpPr/>
+          <p:nvPr/>
+        </p:nvSpPr>
+        <p:spPr>
+          <a:xfrm>
+            <a:off x="3617343" y="2495909"/>
+            <a:ext cx="569260" cy="4548997"/>
+          </a:xfrm>
+          <a:prstGeom prst="rect">
+            <a:avLst/>
+          </a:prstGeom>
+        </p:spPr>
+        <p:style>
+          <a:lnRef idx="2">
+            <a:schemeClr val="accent1">
+              <a:shade val="50000"/>
+            </a:schemeClr>
+          </a:lnRef>
+          <a:fillRef idx="1">
+            <a:schemeClr val="accent1"/>
+          </a:fillRef>
+          <a:effectRef idx="0">
+            <a:schemeClr val="accent1"/>
+          </a:effectRef>
+          <a:fontRef idx="minor">
+            <a:schemeClr val="lt1"/>
+          </a:fontRef>
+        </p:style>
+        <p:txBody>
+          <a:bodyPr rtlCol="0" anchor="ctr"/>
+          <a:lstStyle/>
+          <a:p>
+            <a:pPr algn="ctr"/>
+            <a:endParaRPr lang="en-US"/>
+          </a:p>
+        </p:txBody>
+      </p:sp>
+      <p:cxnSp>
+        <p:nvCxnSpPr>
+          <p:cNvPr id="10" name="Straight Connector 9">
+            <a:extLst>
+              <a:ext uri="{FF2B5EF4-FFF2-40B4-BE49-F238E27FC236}">
+                <a16:creationId xmlns:a16="http://schemas.microsoft.com/office/drawing/2014/main" id="{5861B04D-AEAB-4DBD-AE45-72AF9993CD90}"/>
+              </a:ext>
+            </a:extLst>
+          </p:cNvPr>
+          <p:cNvCxnSpPr>
+            <a:cxnSpLocks/>
+          </p:cNvCxnSpPr>
+          <p:nvPr/>
+        </p:nvCxnSpPr>
+        <p:spPr>
+          <a:xfrm>
+            <a:off x="4396597" y="2495909"/>
+            <a:ext cx="0" cy="4468483"/>
+          </a:xfrm>
+          <a:prstGeom prst="line">
+            <a:avLst/>
+          </a:prstGeom>
+          <a:ln>
+            <a:solidFill>
+              <a:schemeClr val="tx1"/>
+            </a:solidFill>
+          </a:ln>
+        </p:spPr>
+        <p:style>
+          <a:lnRef idx="3">
+            <a:schemeClr val="dk1"/>
+          </a:lnRef>
+          <a:fillRef idx="0">
+            <a:schemeClr val="dk1"/>
+          </a:fillRef>
+          <a:effectRef idx="2">
+            <a:schemeClr val="dk1"/>
+          </a:effectRef>
+          <a:fontRef idx="minor">
+            <a:schemeClr val="tx1"/>
+          </a:fontRef>
+        </p:style>
+      </p:cxnSp>
+      <p:cxnSp>
+        <p:nvCxnSpPr>
+          <p:cNvPr id="11" name="Straight Connector 10">
+            <a:extLst>
+              <a:ext uri="{FF2B5EF4-FFF2-40B4-BE49-F238E27FC236}">
+                <a16:creationId xmlns:a16="http://schemas.microsoft.com/office/drawing/2014/main" id="{41A79152-06CD-4EC3-B076-964EE77BFE01}"/>
+              </a:ext>
+            </a:extLst>
+          </p:cNvPr>
+          <p:cNvCxnSpPr>
+            <a:cxnSpLocks/>
+          </p:cNvCxnSpPr>
+          <p:nvPr/>
+        </p:nvCxnSpPr>
+        <p:spPr>
+          <a:xfrm>
+            <a:off x="5273615" y="2495909"/>
+            <a:ext cx="0" cy="976791"/>
+          </a:xfrm>
+          <a:prstGeom prst="line">
+            <a:avLst/>
+          </a:prstGeom>
+          <a:ln>
+            <a:solidFill>
+              <a:schemeClr val="tx1"/>
+            </a:solidFill>
+          </a:ln>
+        </p:spPr>
+        <p:style>
+          <a:lnRef idx="3">
+            <a:schemeClr val="dk1"/>
+          </a:lnRef>
+          <a:fillRef idx="0">
+            <a:schemeClr val="dk1"/>
+          </a:fillRef>
+          <a:effectRef idx="2">
+            <a:schemeClr val="dk1"/>
+          </a:effectRef>
+          <a:fontRef idx="minor">
+            <a:schemeClr val="tx1"/>
+          </a:fontRef>
+        </p:style>
+      </p:cxnSp>
+      <p:sp>
+        <p:nvSpPr>
+          <p:cNvPr id="15" name="Freeform: Shape 14">
+            <a:extLst>
+              <a:ext uri="{FF2B5EF4-FFF2-40B4-BE49-F238E27FC236}">
+                <a16:creationId xmlns:a16="http://schemas.microsoft.com/office/drawing/2014/main" id="{BEA0EE46-B6AF-4925-B360-8980B18A3CD2}"/>
+              </a:ext>
+            </a:extLst>
+          </p:cNvPr>
+          <p:cNvSpPr/>
+          <p:nvPr/>
+        </p:nvSpPr>
+        <p:spPr>
+          <a:xfrm>
+            <a:off x="5273615" y="3472700"/>
+            <a:ext cx="2116347" cy="1800045"/>
+          </a:xfrm>
+          <a:custGeom>
+            <a:avLst/>
+            <a:gdLst>
+              <a:gd name="connsiteX0" fmla="*/ 0 w 2325704"/>
+              <a:gd name="connsiteY0" fmla="*/ 0 h 1920918"/>
+              <a:gd name="connsiteX1" fmla="*/ 563593 w 2325704"/>
+              <a:gd name="connsiteY1" fmla="*/ 1357223 h 1920918"/>
+              <a:gd name="connsiteX2" fmla="*/ 2168106 w 2325704"/>
+              <a:gd name="connsiteY2" fmla="*/ 1869057 h 1920918"/>
+              <a:gd name="connsiteX3" fmla="*/ 2265872 w 2325704"/>
+              <a:gd name="connsiteY3" fmla="*/ 1903562 h 1920918"/>
+              <a:gd name="connsiteX4" fmla="*/ 2265872 w 2325704"/>
+              <a:gd name="connsiteY4" fmla="*/ 1903562 h 1920918"/>
+              <a:gd name="connsiteX0" fmla="*/ 0 w 2315768"/>
+              <a:gd name="connsiteY0" fmla="*/ 0 h 1928520"/>
+              <a:gd name="connsiteX1" fmla="*/ 707367 w 2315768"/>
+              <a:gd name="connsiteY1" fmla="*/ 1247955 h 1928520"/>
+              <a:gd name="connsiteX2" fmla="*/ 2168106 w 2315768"/>
+              <a:gd name="connsiteY2" fmla="*/ 1869057 h 1928520"/>
+              <a:gd name="connsiteX3" fmla="*/ 2265872 w 2315768"/>
+              <a:gd name="connsiteY3" fmla="*/ 1903562 h 1928520"/>
+              <a:gd name="connsiteX4" fmla="*/ 2265872 w 2315768"/>
+              <a:gd name="connsiteY4" fmla="*/ 1903562 h 1928520"/>
+              <a:gd name="connsiteX0" fmla="*/ 0 w 2315768"/>
+              <a:gd name="connsiteY0" fmla="*/ 0 h 1928520"/>
+              <a:gd name="connsiteX1" fmla="*/ 707367 w 2315768"/>
+              <a:gd name="connsiteY1" fmla="*/ 1247955 h 1928520"/>
+              <a:gd name="connsiteX2" fmla="*/ 2168106 w 2315768"/>
+              <a:gd name="connsiteY2" fmla="*/ 1869057 h 1928520"/>
+              <a:gd name="connsiteX3" fmla="*/ 2265872 w 2315768"/>
+              <a:gd name="connsiteY3" fmla="*/ 1903562 h 1928520"/>
+              <a:gd name="connsiteX4" fmla="*/ 2248620 w 2315768"/>
+              <a:gd name="connsiteY4" fmla="*/ 1857555 h 1928520"/>
+              <a:gd name="connsiteX0" fmla="*/ 0 w 2315768"/>
+              <a:gd name="connsiteY0" fmla="*/ 0 h 1928520"/>
+              <a:gd name="connsiteX1" fmla="*/ 707367 w 2315768"/>
+              <a:gd name="connsiteY1" fmla="*/ 1247955 h 1928520"/>
+              <a:gd name="connsiteX2" fmla="*/ 2168106 w 2315768"/>
+              <a:gd name="connsiteY2" fmla="*/ 1869057 h 1928520"/>
+              <a:gd name="connsiteX3" fmla="*/ 2265872 w 2315768"/>
+              <a:gd name="connsiteY3" fmla="*/ 1903562 h 1928520"/>
+              <a:gd name="connsiteX0" fmla="*/ 0 w 2265872"/>
+              <a:gd name="connsiteY0" fmla="*/ 0 h 1903562"/>
+              <a:gd name="connsiteX1" fmla="*/ 707367 w 2265872"/>
+              <a:gd name="connsiteY1" fmla="*/ 1247955 h 1903562"/>
+              <a:gd name="connsiteX2" fmla="*/ 2265872 w 2265872"/>
+              <a:gd name="connsiteY2" fmla="*/ 1903562 h 1903562"/>
+              <a:gd name="connsiteX0" fmla="*/ 0 w 2116347"/>
+              <a:gd name="connsiteY0" fmla="*/ 0 h 1800045"/>
+              <a:gd name="connsiteX1" fmla="*/ 707367 w 2116347"/>
+              <a:gd name="connsiteY1" fmla="*/ 1247955 h 1800045"/>
+              <a:gd name="connsiteX2" fmla="*/ 2116347 w 2116347"/>
+              <a:gd name="connsiteY2" fmla="*/ 1800045 h 1800045"/>
+              <a:gd name="connsiteX0" fmla="*/ 0 w 2116347"/>
+              <a:gd name="connsiteY0" fmla="*/ 0 h 1800045"/>
+              <a:gd name="connsiteX1" fmla="*/ 707367 w 2116347"/>
+              <a:gd name="connsiteY1" fmla="*/ 1247955 h 1800045"/>
+              <a:gd name="connsiteX2" fmla="*/ 2116347 w 2116347"/>
+              <a:gd name="connsiteY2" fmla="*/ 1800045 h 1800045"/>
+            </a:gdLst>
+            <a:ahLst/>
+            <a:cxnLst>
+              <a:cxn ang="0">
+                <a:pos x="connsiteX0" y="connsiteY0"/>
+              </a:cxn>
+              <a:cxn ang="0">
+                <a:pos x="connsiteX1" y="connsiteY1"/>
+              </a:cxn>
+              <a:cxn ang="0">
+                <a:pos x="connsiteX2" y="connsiteY2"/>
+              </a:cxn>
+            </a:cxnLst>
+            <a:rect l="l" t="t" r="r" b="b"/>
+            <a:pathLst>
+              <a:path w="2116347" h="1800045">
+                <a:moveTo>
+                  <a:pt x="0" y="0"/>
+                </a:moveTo>
+                <a:cubicBezTo>
+                  <a:pt x="101121" y="522857"/>
+                  <a:pt x="354643" y="947948"/>
+                  <a:pt x="707367" y="1247955"/>
+                </a:cubicBezTo>
+                <a:cubicBezTo>
+                  <a:pt x="1060092" y="1547963"/>
+                  <a:pt x="1371840" y="1772728"/>
+                  <a:pt x="2116347" y="1800045"/>
+                </a:cubicBezTo>
+              </a:path>
+            </a:pathLst>
+          </a:custGeom>
+          <a:ln>
+            <a:solidFill>
+              <a:schemeClr val="tx1"/>
+            </a:solidFill>
+          </a:ln>
+        </p:spPr>
+        <p:style>
+          <a:lnRef idx="3">
+            <a:schemeClr val="dk1"/>
+          </a:lnRef>
+          <a:fillRef idx="0">
+            <a:schemeClr val="dk1"/>
+          </a:fillRef>
+          <a:effectRef idx="2">
+            <a:schemeClr val="dk1"/>
+          </a:effectRef>
+          <a:fontRef idx="minor">
+            <a:schemeClr val="tx1"/>
+          </a:fontRef>
+        </p:style>
+        <p:txBody>
+          <a:bodyPr rtlCol="0" anchor="ctr"/>
+          <a:lstStyle/>
+          <a:p>
+            <a:pPr algn="ctr"/>
+            <a:endParaRPr lang="en-US"/>
+          </a:p>
+        </p:txBody>
+      </p:sp>
+      <p:sp>
+        <p:nvSpPr>
+          <p:cNvPr id="17" name="Freeform: Shape 16">
+            <a:extLst>
+              <a:ext uri="{FF2B5EF4-FFF2-40B4-BE49-F238E27FC236}">
+                <a16:creationId xmlns:a16="http://schemas.microsoft.com/office/drawing/2014/main" id="{3E58157F-08E3-431D-90D0-FC8875657E58}"/>
+              </a:ext>
+            </a:extLst>
+          </p:cNvPr>
+          <p:cNvSpPr/>
+          <p:nvPr/>
+        </p:nvSpPr>
+        <p:spPr>
+          <a:xfrm>
+            <a:off x="5285116" y="4959319"/>
+            <a:ext cx="2104845" cy="1051651"/>
+          </a:xfrm>
+          <a:custGeom>
+            <a:avLst/>
+            <a:gdLst>
+              <a:gd name="connsiteX0" fmla="*/ 0 w 2325704"/>
+              <a:gd name="connsiteY0" fmla="*/ 0 h 1920918"/>
+              <a:gd name="connsiteX1" fmla="*/ 563593 w 2325704"/>
+              <a:gd name="connsiteY1" fmla="*/ 1357223 h 1920918"/>
+              <a:gd name="connsiteX2" fmla="*/ 2168106 w 2325704"/>
+              <a:gd name="connsiteY2" fmla="*/ 1869057 h 1920918"/>
+              <a:gd name="connsiteX3" fmla="*/ 2265872 w 2325704"/>
+              <a:gd name="connsiteY3" fmla="*/ 1903562 h 1920918"/>
+              <a:gd name="connsiteX4" fmla="*/ 2265872 w 2325704"/>
+              <a:gd name="connsiteY4" fmla="*/ 1903562 h 1920918"/>
+              <a:gd name="connsiteX0" fmla="*/ 0 w 2315768"/>
+              <a:gd name="connsiteY0" fmla="*/ 0 h 1928520"/>
+              <a:gd name="connsiteX1" fmla="*/ 707367 w 2315768"/>
+              <a:gd name="connsiteY1" fmla="*/ 1247955 h 1928520"/>
+              <a:gd name="connsiteX2" fmla="*/ 2168106 w 2315768"/>
+              <a:gd name="connsiteY2" fmla="*/ 1869057 h 1928520"/>
+              <a:gd name="connsiteX3" fmla="*/ 2265872 w 2315768"/>
+              <a:gd name="connsiteY3" fmla="*/ 1903562 h 1928520"/>
+              <a:gd name="connsiteX4" fmla="*/ 2265872 w 2315768"/>
+              <a:gd name="connsiteY4" fmla="*/ 1903562 h 1928520"/>
+              <a:gd name="connsiteX0" fmla="*/ 0 w 2315768"/>
+              <a:gd name="connsiteY0" fmla="*/ 0 h 1928520"/>
+              <a:gd name="connsiteX1" fmla="*/ 707367 w 2315768"/>
+              <a:gd name="connsiteY1" fmla="*/ 1247955 h 1928520"/>
+              <a:gd name="connsiteX2" fmla="*/ 2168106 w 2315768"/>
+              <a:gd name="connsiteY2" fmla="*/ 1869057 h 1928520"/>
+              <a:gd name="connsiteX3" fmla="*/ 2265872 w 2315768"/>
+              <a:gd name="connsiteY3" fmla="*/ 1903562 h 1928520"/>
+              <a:gd name="connsiteX4" fmla="*/ 2248620 w 2315768"/>
+              <a:gd name="connsiteY4" fmla="*/ 1857555 h 1928520"/>
+              <a:gd name="connsiteX0" fmla="*/ 0 w 2315768"/>
+              <a:gd name="connsiteY0" fmla="*/ 0 h 1928520"/>
+              <a:gd name="connsiteX1" fmla="*/ 707367 w 2315768"/>
+              <a:gd name="connsiteY1" fmla="*/ 1247955 h 1928520"/>
+              <a:gd name="connsiteX2" fmla="*/ 2168106 w 2315768"/>
+              <a:gd name="connsiteY2" fmla="*/ 1869057 h 1928520"/>
+              <a:gd name="connsiteX3" fmla="*/ 2265872 w 2315768"/>
+              <a:gd name="connsiteY3" fmla="*/ 1903562 h 1928520"/>
+              <a:gd name="connsiteX0" fmla="*/ 0 w 2265872"/>
+              <a:gd name="connsiteY0" fmla="*/ 0 h 1903562"/>
+              <a:gd name="connsiteX1" fmla="*/ 707367 w 2265872"/>
+              <a:gd name="connsiteY1" fmla="*/ 1247955 h 1903562"/>
+              <a:gd name="connsiteX2" fmla="*/ 2265872 w 2265872"/>
+              <a:gd name="connsiteY2" fmla="*/ 1903562 h 1903562"/>
+              <a:gd name="connsiteX0" fmla="*/ 0 w 2116347"/>
+              <a:gd name="connsiteY0" fmla="*/ 0 h 1800045"/>
+              <a:gd name="connsiteX1" fmla="*/ 707367 w 2116347"/>
+              <a:gd name="connsiteY1" fmla="*/ 1247955 h 1800045"/>
+              <a:gd name="connsiteX2" fmla="*/ 2116347 w 2116347"/>
+              <a:gd name="connsiteY2" fmla="*/ 1800045 h 1800045"/>
+              <a:gd name="connsiteX0" fmla="*/ 0 w 2116347"/>
+              <a:gd name="connsiteY0" fmla="*/ 0 h 1800045"/>
+              <a:gd name="connsiteX1" fmla="*/ 707367 w 2116347"/>
+              <a:gd name="connsiteY1" fmla="*/ 1247955 h 1800045"/>
+              <a:gd name="connsiteX2" fmla="*/ 2116347 w 2116347"/>
+              <a:gd name="connsiteY2" fmla="*/ 1800045 h 1800045"/>
+              <a:gd name="connsiteX0" fmla="*/ 0 w 2150853"/>
+              <a:gd name="connsiteY0" fmla="*/ 0 h 1311215"/>
+              <a:gd name="connsiteX1" fmla="*/ 741873 w 2150853"/>
+              <a:gd name="connsiteY1" fmla="*/ 759125 h 1311215"/>
+              <a:gd name="connsiteX2" fmla="*/ 2150853 w 2150853"/>
+              <a:gd name="connsiteY2" fmla="*/ 1311215 h 1311215"/>
+              <a:gd name="connsiteX0" fmla="*/ 0 w 2150853"/>
+              <a:gd name="connsiteY0" fmla="*/ 0 h 1311215"/>
+              <a:gd name="connsiteX1" fmla="*/ 632606 w 2150853"/>
+              <a:gd name="connsiteY1" fmla="*/ 960408 h 1311215"/>
+              <a:gd name="connsiteX2" fmla="*/ 2150853 w 2150853"/>
+              <a:gd name="connsiteY2" fmla="*/ 1311215 h 1311215"/>
+              <a:gd name="connsiteX0" fmla="*/ 0 w 2104845"/>
+              <a:gd name="connsiteY0" fmla="*/ 0 h 1046672"/>
+              <a:gd name="connsiteX1" fmla="*/ 586598 w 2104845"/>
+              <a:gd name="connsiteY1" fmla="*/ 695865 h 1046672"/>
+              <a:gd name="connsiteX2" fmla="*/ 2104845 w 2104845"/>
+              <a:gd name="connsiteY2" fmla="*/ 1046672 h 1046672"/>
+              <a:gd name="connsiteX0" fmla="*/ 0 w 2104845"/>
+              <a:gd name="connsiteY0" fmla="*/ 0 h 1046672"/>
+              <a:gd name="connsiteX1" fmla="*/ 845391 w 2104845"/>
+              <a:gd name="connsiteY1" fmla="*/ 770628 h 1046672"/>
+              <a:gd name="connsiteX2" fmla="*/ 2104845 w 2104845"/>
+              <a:gd name="connsiteY2" fmla="*/ 1046672 h 1046672"/>
+              <a:gd name="connsiteX0" fmla="*/ 0 w 2104845"/>
+              <a:gd name="connsiteY0" fmla="*/ 0 h 1046672"/>
+              <a:gd name="connsiteX1" fmla="*/ 816636 w 2104845"/>
+              <a:gd name="connsiteY1" fmla="*/ 856892 h 1046672"/>
+              <a:gd name="connsiteX2" fmla="*/ 2104845 w 2104845"/>
+              <a:gd name="connsiteY2" fmla="*/ 1046672 h 1046672"/>
+              <a:gd name="connsiteX0" fmla="*/ 0 w 2104845"/>
+              <a:gd name="connsiteY0" fmla="*/ 0 h 1046672"/>
+              <a:gd name="connsiteX1" fmla="*/ 816636 w 2104845"/>
+              <a:gd name="connsiteY1" fmla="*/ 856892 h 1046672"/>
+              <a:gd name="connsiteX2" fmla="*/ 2104845 w 2104845"/>
+              <a:gd name="connsiteY2" fmla="*/ 1046672 h 1046672"/>
+              <a:gd name="connsiteX0" fmla="*/ 0 w 2104845"/>
+              <a:gd name="connsiteY0" fmla="*/ 0 h 1051651"/>
+              <a:gd name="connsiteX1" fmla="*/ 816636 w 2104845"/>
+              <a:gd name="connsiteY1" fmla="*/ 856892 h 1051651"/>
+              <a:gd name="connsiteX2" fmla="*/ 2104845 w 2104845"/>
+              <a:gd name="connsiteY2" fmla="*/ 1046672 h 1051651"/>
+            </a:gdLst>
+            <a:ahLst/>
+            <a:cxnLst>
+              <a:cxn ang="0">
+                <a:pos x="connsiteX0" y="connsiteY0"/>
+              </a:cxn>
+              <a:cxn ang="0">
+                <a:pos x="connsiteX1" y="connsiteY1"/>
+              </a:cxn>
+              <a:cxn ang="0">
+                <a:pos x="connsiteX2" y="connsiteY2"/>
+              </a:cxn>
+            </a:cxnLst>
+            <a:rect l="l" t="t" r="r" b="b"/>
+            <a:pathLst>
+              <a:path w="2104845" h="1051651">
+                <a:moveTo>
+                  <a:pt x="0" y="0"/>
+                </a:moveTo>
+                <a:cubicBezTo>
+                  <a:pt x="101121" y="522857"/>
+                  <a:pt x="396818" y="567429"/>
+                  <a:pt x="816636" y="856892"/>
+                </a:cubicBezTo>
+                <a:cubicBezTo>
+                  <a:pt x="1236454" y="1146355"/>
+                  <a:pt x="1360338" y="1019355"/>
+                  <a:pt x="2104845" y="1046672"/>
+                </a:cubicBezTo>
+              </a:path>
+            </a:pathLst>
+          </a:custGeom>
+          <a:ln>
+            <a:solidFill>
+              <a:schemeClr val="tx1"/>
+            </a:solidFill>
+          </a:ln>
+        </p:spPr>
+        <p:style>
+          <a:lnRef idx="3">
+            <a:schemeClr val="dk1"/>
+          </a:lnRef>
+          <a:fillRef idx="0">
+            <a:schemeClr val="dk1"/>
+          </a:fillRef>
+          <a:effectRef idx="2">
+            <a:schemeClr val="dk1"/>
+          </a:effectRef>
+          <a:fontRef idx="minor">
+            <a:schemeClr val="tx1"/>
+          </a:fontRef>
+        </p:style>
+        <p:txBody>
+          <a:bodyPr rtlCol="0" anchor="ctr"/>
+          <a:lstStyle/>
+          <a:p>
+            <a:pPr algn="ctr"/>
+            <a:endParaRPr lang="en-US"/>
+          </a:p>
+        </p:txBody>
+      </p:sp>
+      <p:cxnSp>
+        <p:nvCxnSpPr>
+          <p:cNvPr id="18" name="Straight Connector 17">
+            <a:extLst>
+              <a:ext uri="{FF2B5EF4-FFF2-40B4-BE49-F238E27FC236}">
+                <a16:creationId xmlns:a16="http://schemas.microsoft.com/office/drawing/2014/main" id="{43B717FA-F349-4D4C-8C3B-C51B187BE993}"/>
+              </a:ext>
+            </a:extLst>
+          </p:cNvPr>
+          <p:cNvCxnSpPr>
+            <a:cxnSpLocks/>
+          </p:cNvCxnSpPr>
+          <p:nvPr/>
+        </p:nvCxnSpPr>
+        <p:spPr>
+          <a:xfrm flipH="1">
+            <a:off x="5285116" y="4994259"/>
+            <a:ext cx="2875" cy="1970133"/>
+          </a:xfrm>
+          <a:prstGeom prst="line">
+            <a:avLst/>
+          </a:prstGeom>
+          <a:ln>
+            <a:solidFill>
+              <a:schemeClr val="tx1"/>
+            </a:solidFill>
+          </a:ln>
+        </p:spPr>
+        <p:style>
+          <a:lnRef idx="3">
+            <a:schemeClr val="dk1"/>
+          </a:lnRef>
+          <a:fillRef idx="0">
+            <a:schemeClr val="dk1"/>
+          </a:fillRef>
+          <a:effectRef idx="2">
+            <a:schemeClr val="dk1"/>
+          </a:effectRef>
+          <a:fontRef idx="minor">
+            <a:schemeClr val="tx1"/>
+          </a:fontRef>
+        </p:style>
+      </p:cxnSp>
+      <p:pic>
+        <p:nvPicPr>
+          <p:cNvPr id="21" name="Graphic 20" descr="Car">
+            <a:extLst>
+              <a:ext uri="{FF2B5EF4-FFF2-40B4-BE49-F238E27FC236}">
+                <a16:creationId xmlns:a16="http://schemas.microsoft.com/office/drawing/2014/main" id="{1C3E8451-544E-4E04-9D1E-325FE10E170C}"/>
+              </a:ext>
+            </a:extLst>
+          </p:cNvPr>
+          <p:cNvPicPr>
+            <a:picLocks noChangeAspect="1"/>
+          </p:cNvPicPr>
+          <p:nvPr/>
+        </p:nvPicPr>
+        <p:blipFill>
+          <a:blip r:embed="rId2">
+            <a:extLst>
+              <a:ext uri="{96DAC541-7B7A-43D3-8B79-37D633B846F1}">
+                <asvg:svgBlip xmlns:asvg="http://schemas.microsoft.com/office/drawing/2016/SVG/main" r:embed="rId3"/>
+              </a:ext>
+            </a:extLst>
+          </a:blip>
+          <a:stretch>
+            <a:fillRect/>
+          </a:stretch>
+        </p:blipFill>
+        <p:spPr>
+          <a:xfrm rot="1302889" flipH="1">
+            <a:off x="5811328" y="4951562"/>
+            <a:ext cx="911521" cy="914400"/>
+          </a:xfrm>
+          <a:prstGeom prst="rect">
+            <a:avLst/>
+          </a:prstGeom>
+        </p:spPr>
+      </p:pic>
+      <p:grpSp>
+        <p:nvGrpSpPr>
+          <p:cNvPr id="24" name="Group 23">
+            <a:extLst>
+              <a:ext uri="{FF2B5EF4-FFF2-40B4-BE49-F238E27FC236}">
+                <a16:creationId xmlns:a16="http://schemas.microsoft.com/office/drawing/2014/main" id="{995B398D-A07D-42D8-9C2E-0F1B462A34FF}"/>
+              </a:ext>
+            </a:extLst>
+          </p:cNvPr>
+          <p:cNvGrpSpPr/>
+          <p:nvPr/>
+        </p:nvGrpSpPr>
+        <p:grpSpPr>
+          <a:xfrm>
+            <a:off x="4497238" y="2087132"/>
+            <a:ext cx="718867" cy="1015663"/>
+            <a:chOff x="4497238" y="2087132"/>
+            <a:chExt cx="718867" cy="1015663"/>
+          </a:xfrm>
+        </p:grpSpPr>
+        <p:sp>
+          <p:nvSpPr>
+            <p:cNvPr id="22" name="Rectangle 21">
+              <a:extLst>
+                <a:ext uri="{FF2B5EF4-FFF2-40B4-BE49-F238E27FC236}">
+                  <a16:creationId xmlns:a16="http://schemas.microsoft.com/office/drawing/2014/main" id="{6A7044A2-96F9-4607-B5F3-085D855D6342}"/>
+                </a:ext>
+              </a:extLst>
+            </p:cNvPr>
+            <p:cNvSpPr/>
+            <p:nvPr/>
+          </p:nvSpPr>
+          <p:spPr>
+            <a:xfrm>
+              <a:off x="4497238" y="2097087"/>
+              <a:ext cx="718867" cy="976791"/>
+            </a:xfrm>
+            <a:prstGeom prst="rect">
+              <a:avLst/>
+            </a:prstGeom>
+            <a:solidFill>
+              <a:schemeClr val="tx1"/>
+            </a:solidFill>
+            <a:ln>
+              <a:solidFill>
+                <a:schemeClr val="bg1"/>
+              </a:solidFill>
+            </a:ln>
+          </p:spPr>
+          <p:style>
+            <a:lnRef idx="2">
+              <a:schemeClr val="accent1">
+                <a:shade val="50000"/>
+              </a:schemeClr>
+            </a:lnRef>
+            <a:fillRef idx="1">
+              <a:schemeClr val="accent1"/>
+            </a:fillRef>
+            <a:effectRef idx="0">
+              <a:schemeClr val="accent1"/>
+            </a:effectRef>
+            <a:fontRef idx="minor">
+              <a:schemeClr val="lt1"/>
+            </a:fontRef>
+          </p:style>
+          <p:txBody>
+            <a:bodyPr rtlCol="0" anchor="ctr"/>
+            <a:lstStyle/>
+            <a:p>
+              <a:pPr algn="ctr"/>
+              <a:endParaRPr lang="en-US"/>
+            </a:p>
+          </p:txBody>
+        </p:sp>
+        <p:sp>
+          <p:nvSpPr>
+            <p:cNvPr id="23" name="TextBox 22">
+              <a:extLst>
+                <a:ext uri="{FF2B5EF4-FFF2-40B4-BE49-F238E27FC236}">
+                  <a16:creationId xmlns:a16="http://schemas.microsoft.com/office/drawing/2014/main" id="{00D51EBE-4722-4063-BD3E-C14D0BB513F8}"/>
+                </a:ext>
+              </a:extLst>
+            </p:cNvPr>
+            <p:cNvSpPr txBox="1"/>
+            <p:nvPr/>
+          </p:nvSpPr>
+          <p:spPr>
+            <a:xfrm>
+              <a:off x="4531744" y="2087132"/>
+              <a:ext cx="667108" cy="1015663"/>
+            </a:xfrm>
+            <a:prstGeom prst="rect">
+              <a:avLst/>
+            </a:prstGeom>
+            <a:noFill/>
+          </p:spPr>
+          <p:txBody>
+            <a:bodyPr wrap="square" rtlCol="0">
+              <a:spAutoFit/>
+            </a:bodyPr>
+            <a:lstStyle/>
+            <a:p>
+              <a:pPr algn="ctr"/>
+              <a:r>
+                <a:rPr lang="en-US" sz="1200" b="1" dirty="0">
+                  <a:solidFill>
+                    <a:schemeClr val="bg1"/>
+                  </a:solidFill>
+                  <a:latin typeface="Arial Narrow" panose="020B0606020202030204" pitchFamily="34" charset="0"/>
+                </a:rPr>
+                <a:t>SPEED</a:t>
+              </a:r>
+            </a:p>
+            <a:p>
+              <a:pPr algn="ctr"/>
+              <a:r>
+                <a:rPr lang="en-US" sz="1200" b="1" dirty="0">
+                  <a:solidFill>
+                    <a:schemeClr val="bg1"/>
+                  </a:solidFill>
+                  <a:latin typeface="Arial Narrow" panose="020B0606020202030204" pitchFamily="34" charset="0"/>
+                </a:rPr>
+                <a:t>LIMIT</a:t>
+              </a:r>
+            </a:p>
+            <a:p>
+              <a:pPr algn="ctr"/>
+              <a:r>
+                <a:rPr lang="en-US" sz="3600" b="1" dirty="0">
+                  <a:solidFill>
+                    <a:schemeClr val="bg1"/>
+                  </a:solidFill>
+                  <a:latin typeface="Arial Narrow" panose="020B0606020202030204" pitchFamily="34" charset="0"/>
+                </a:rPr>
+                <a:t>70</a:t>
+              </a:r>
+              <a:endParaRPr lang="en-US" sz="900" b="1" dirty="0">
+                <a:solidFill>
+                  <a:schemeClr val="bg1"/>
+                </a:solidFill>
+                <a:latin typeface="Arial Narrow" panose="020B0606020202030204" pitchFamily="34" charset="0"/>
+              </a:endParaRPr>
+            </a:p>
+          </p:txBody>
+        </p:sp>
+      </p:grpSp>
+    </p:spTree>
+    <p:extLst>
+      <p:ext uri="{BB962C8B-B14F-4D97-AF65-F5344CB8AC3E}">
+        <p14:creationId xmlns:p14="http://schemas.microsoft.com/office/powerpoint/2010/main" val="2372624803"/>
+      </p:ext>
+    </p:extLst>
+  </p:cSld>
+  <p:clrMapOvr>
+    <a:masterClrMapping/>
+  </p:clrMapOvr>
+  <p:timing>
+    <p:tnLst>
+      <p:par>
+        <p:cTn id="1" dur="indefinite" restart="never" nodeType="tmRoot">
+          <p:childTnLst>
+            <p:seq concurrent="1" nextAc="seek">
+              <p:cTn id="2" dur="indefinite" nodeType="mainSeq">
+                <p:childTnLst>
+                  <p:par>
+                    <p:cTn id="3" fill="hold">
+                      <p:stCondLst>
+                        <p:cond delay="indefinite"/>
+                      </p:stCondLst>
+                      <p:childTnLst>
+                        <p:par>
+                          <p:cTn id="4" fill="hold">
+                            <p:stCondLst>
+                              <p:cond delay="0"/>
+                            </p:stCondLst>
+                            <p:childTnLst>
+                              <p:par>
+                                <p:cTn id="5" presetID="10" presetClass="entr" presetSubtype="0" fill="hold" nodeType="clickEffect">
+                                  <p:stCondLst>
+                                    <p:cond delay="0"/>
+                                  </p:stCondLst>
+                                  <p:childTnLst>
+                                    <p:set>
+                                      <p:cBhvr>
+                                        <p:cTn id="6" dur="1" fill="hold">
+                                          <p:stCondLst>
+                                            <p:cond delay="0"/>
+                                          </p:stCondLst>
+                                        </p:cTn>
+                                        <p:tgtEl>
+                                          <p:spTgt spid="24"/>
+                                        </p:tgtEl>
+                                        <p:attrNameLst>
+                                          <p:attrName>style.visibility</p:attrName>
+                                        </p:attrNameLst>
+                                      </p:cBhvr>
+                                      <p:to>
+                                        <p:strVal val="visible"/>
+                                      </p:to>
+                                    </p:set>
+                                    <p:animEffect transition="in" filter="fade">
+                                      <p:cBhvr>
+                                        <p:cTn id="7" dur="500"/>
+                                        <p:tgtEl>
+                                          <p:spTgt spid="24"/>
+                                        </p:tgtEl>
+                                      </p:cBhvr>
+                                    </p:animEffect>
+                                  </p:childTnLst>
+                                </p:cTn>
+                              </p:par>
+                            </p:childTnLst>
+                          </p:cTn>
+                        </p:par>
+                      </p:childTnLst>
+                    </p:cTn>
+                  </p:par>
+                  <p:par>
+                    <p:cTn id="8" fill="hold">
+                      <p:stCondLst>
+                        <p:cond delay="indefinite"/>
+                      </p:stCondLst>
+                      <p:childTnLst>
+                        <p:par>
+                          <p:cTn id="9" fill="hold">
+                            <p:stCondLst>
+                              <p:cond delay="0"/>
+                            </p:stCondLst>
+                            <p:childTnLst>
+                              <p:par>
+                                <p:cTn id="10" presetID="1" presetClass="entr" presetSubtype="0" fill="hold" nodeType="clickEffect">
+                                  <p:stCondLst>
+                                    <p:cond delay="0"/>
+                                  </p:stCondLst>
+                                  <p:childTnLst>
+                                    <p:set>
+                                      <p:cBhvr>
+                                        <p:cTn id="11" dur="1" fill="hold">
+                                          <p:stCondLst>
+                                            <p:cond delay="0"/>
+                                          </p:stCondLst>
+                                        </p:cTn>
+                                        <p:tgtEl>
+                                          <p:spTgt spid="21"/>
+                                        </p:tgtEl>
+                                        <p:attrNameLst>
+                                          <p:attrName>style.visibility</p:attrName>
+                                        </p:attrNameLst>
+                                      </p:cBhvr>
+                                      <p:to>
+                                        <p:strVal val="visible"/>
+                                      </p:to>
+                                    </p:set>
+                                  </p:childTnLst>
+                                </p:cTn>
+                              </p:par>
+                            </p:childTnLst>
+                          </p:cTn>
+                        </p:par>
+                      </p:childTnLst>
+                    </p:cTn>
+                  </p:par>
+                </p:childTnLst>
+              </p:cTn>
+              <p:prevCondLst>
+                <p:cond evt="onPrev" delay="0">
+                  <p:tgtEl>
+                    <p:sldTgt/>
+                  </p:tgtEl>
+                </p:cond>
+              </p:prevCondLst>
+              <p:nextCondLst>
+                <p:cond evt="onNext" delay="0">
+                  <p:tgtEl>
+                    <p:sldTgt/>
+                  </p:tgtEl>
+                </p:cond>
+              </p:nextCondLst>
+            </p:seq>
+          </p:childTnLst>
+        </p:cTn>
+      </p:par>
+    </p:tnLst>
+  </p:timing>
+</p:sld>
+</file>
+
+<file path=ppt/slides/slide3.xml><?xml version="1.0" encoding="utf-8"?>
 <p:sld xmlns:a="http://schemas.openxmlformats.org/drawingml/2006/main" xmlns:r="http://schemas.openxmlformats.org/officeDocument/2006/relationships" xmlns:p="http://schemas.openxmlformats.org/presentationml/2006/main">
   <p:cSld>
     <p:spTree>
@@ -18253,7 +19667,7 @@
 </p:sld>
 </file>
 
-<file path=ppt/slides/slide3.xml><?xml version="1.0" encoding="utf-8"?>
+<file path=ppt/slides/slide4.xml><?xml version="1.0" encoding="utf-8"?>
 <p:sld xmlns:a="http://schemas.openxmlformats.org/drawingml/2006/main" xmlns:r="http://schemas.openxmlformats.org/officeDocument/2006/relationships" xmlns:p="http://schemas.openxmlformats.org/presentationml/2006/main">
   <p:cSld>
     <p:spTree>
@@ -18341,7 +19755,7 @@
 </p:sld>
 </file>
 
-<file path=ppt/slides/slide4.xml><?xml version="1.0" encoding="utf-8"?>
+<file path=ppt/slides/slide5.xml><?xml version="1.0" encoding="utf-8"?>
 <p:sld xmlns:a="http://schemas.openxmlformats.org/drawingml/2006/main" xmlns:r="http://schemas.openxmlformats.org/officeDocument/2006/relationships" xmlns:p="http://schemas.openxmlformats.org/presentationml/2006/main">
   <p:cSld>
     <p:spTree>
@@ -19134,7 +20548,7 @@
 </p:sld>
 </file>
 
-<file path=ppt/slides/slide5.xml><?xml version="1.0" encoding="utf-8"?>
+<file path=ppt/slides/slide6.xml><?xml version="1.0" encoding="utf-8"?>
 <p:sld xmlns:a="http://schemas.openxmlformats.org/drawingml/2006/main" xmlns:r="http://schemas.openxmlformats.org/officeDocument/2006/relationships" xmlns:p="http://schemas.openxmlformats.org/presentationml/2006/main">
   <p:cSld>
     <p:spTree>
@@ -19558,7 +20972,7 @@
 </p:sld>
 </file>
 
-<file path=ppt/slides/slide6.xml><?xml version="1.0" encoding="utf-8"?>
+<file path=ppt/slides/slide7.xml><?xml version="1.0" encoding="utf-8"?>
 <p:sld xmlns:a="http://schemas.openxmlformats.org/drawingml/2006/main" xmlns:r="http://schemas.openxmlformats.org/officeDocument/2006/relationships" xmlns:p="http://schemas.openxmlformats.org/presentationml/2006/main">
   <p:cSld>
     <p:spTree>
@@ -20011,7 +21425,7 @@
 </p:sld>
 </file>
 
-<file path=ppt/slides/slide7.xml><?xml version="1.0" encoding="utf-8"?>
+<file path=ppt/slides/slide8.xml><?xml version="1.0" encoding="utf-8"?>
 <p:sld xmlns:a="http://schemas.openxmlformats.org/drawingml/2006/main" xmlns:r="http://schemas.openxmlformats.org/officeDocument/2006/relationships" xmlns:p="http://schemas.openxmlformats.org/presentationml/2006/main">
   <p:cSld>
     <p:spTree>
@@ -20107,7 +21521,7 @@
 </p:sld>
 </file>
 
-<file path=ppt/slides/slide8.xml><?xml version="1.0" encoding="utf-8"?>
+<file path=ppt/slides/slide9.xml><?xml version="1.0" encoding="utf-8"?>
 <p:sld xmlns:a="http://schemas.openxmlformats.org/drawingml/2006/main" xmlns:r="http://schemas.openxmlformats.org/officeDocument/2006/relationships" xmlns:p="http://schemas.openxmlformats.org/presentationml/2006/main">
   <p:cSld>
     <p:spTree>
@@ -20470,320 +21884,6 @@
                                           <p:spTgt spid="3">
                                             <p:txEl>
                                               <p:pRg st="3" end="3"/>
-                                            </p:txEl>
-                                          </p:spTgt>
-                                        </p:tgtEl>
-                                      </p:cBhvr>
-                                    </p:animEffect>
-                                  </p:childTnLst>
-                                </p:cTn>
-                              </p:par>
-                            </p:childTnLst>
-                          </p:cTn>
-                        </p:par>
-                      </p:childTnLst>
-                    </p:cTn>
-                  </p:par>
-                </p:childTnLst>
-              </p:cTn>
-              <p:prevCondLst>
-                <p:cond evt="onPrev" delay="0">
-                  <p:tgtEl>
-                    <p:sldTgt/>
-                  </p:tgtEl>
-                </p:cond>
-              </p:prevCondLst>
-              <p:nextCondLst>
-                <p:cond evt="onNext" delay="0">
-                  <p:tgtEl>
-                    <p:sldTgt/>
-                  </p:tgtEl>
-                </p:cond>
-              </p:nextCondLst>
-            </p:seq>
-          </p:childTnLst>
-        </p:cTn>
-      </p:par>
-    </p:tnLst>
-    <p:bldLst>
-      <p:bldP spid="3" grpId="0" build="p"/>
-    </p:bldLst>
-  </p:timing>
-</p:sld>
-</file>
-
-<file path=ppt/slides/slide9.xml><?xml version="1.0" encoding="utf-8"?>
-<p:sld xmlns:a="http://schemas.openxmlformats.org/drawingml/2006/main" xmlns:r="http://schemas.openxmlformats.org/officeDocument/2006/relationships" xmlns:p="http://schemas.openxmlformats.org/presentationml/2006/main">
-  <p:cSld>
-    <p:spTree>
-      <p:nvGrpSpPr>
-        <p:cNvPr id="1" name=""/>
-        <p:cNvGrpSpPr/>
-        <p:nvPr/>
-      </p:nvGrpSpPr>
-      <p:grpSpPr>
-        <a:xfrm>
-          <a:off x="0" y="0"/>
-          <a:ext cx="0" cy="0"/>
-          <a:chOff x="0" y="0"/>
-          <a:chExt cx="0" cy="0"/>
-        </a:xfrm>
-      </p:grpSpPr>
-      <p:sp>
-        <p:nvSpPr>
-          <p:cNvPr id="2" name="Title 1">
-            <a:extLst>
-              <a:ext uri="{FF2B5EF4-FFF2-40B4-BE49-F238E27FC236}">
-                <a16:creationId xmlns:a16="http://schemas.microsoft.com/office/drawing/2014/main" id="{ECC4DD92-4AD6-4DCE-A988-0EF85B061957}"/>
-              </a:ext>
-            </a:extLst>
-          </p:cNvPr>
-          <p:cNvSpPr>
-            <a:spLocks noGrp="1"/>
-          </p:cNvSpPr>
-          <p:nvPr>
-            <p:ph type="title"/>
-          </p:nvPr>
-        </p:nvSpPr>
-        <p:spPr/>
-        <p:txBody>
-          <a:bodyPr/>
-          <a:lstStyle/>
-          <a:p>
-            <a:r>
-              <a:rPr lang="en-US" dirty="0"/>
-              <a:t>Other Linux Considerations</a:t>
-            </a:r>
-          </a:p>
-        </p:txBody>
-      </p:sp>
-      <p:sp>
-        <p:nvSpPr>
-          <p:cNvPr id="3" name="Content Placeholder 2">
-            <a:extLst>
-              <a:ext uri="{FF2B5EF4-FFF2-40B4-BE49-F238E27FC236}">
-                <a16:creationId xmlns:a16="http://schemas.microsoft.com/office/drawing/2014/main" id="{1F5798DF-13D1-4C39-85E3-9B8E66A09287}"/>
-              </a:ext>
-            </a:extLst>
-          </p:cNvPr>
-          <p:cNvSpPr>
-            <a:spLocks noGrp="1"/>
-          </p:cNvSpPr>
-          <p:nvPr>
-            <p:ph idx="1"/>
-          </p:nvPr>
-        </p:nvSpPr>
-        <p:spPr/>
-        <p:txBody>
-          <a:bodyPr/>
-          <a:lstStyle/>
-          <a:p>
-            <a:r>
-              <a:rPr lang="en-US" dirty="0"/>
-              <a:t>Don’t install components from the SSH console.</a:t>
-            </a:r>
-          </a:p>
-          <a:p>
-            <a:r>
-              <a:rPr lang="en-US" dirty="0"/>
-              <a:t>Don’t implement SSL support into your app.</a:t>
-            </a:r>
-          </a:p>
-          <a:p>
-            <a:r>
-              <a:rPr lang="en-US" dirty="0"/>
-              <a:t>App Settings are injected into the container as environment variables.</a:t>
-            </a:r>
-          </a:p>
-        </p:txBody>
-      </p:sp>
-    </p:spTree>
-    <p:extLst>
-      <p:ext uri="{BB962C8B-B14F-4D97-AF65-F5344CB8AC3E}">
-        <p14:creationId xmlns:p14="http://schemas.microsoft.com/office/powerpoint/2010/main" val="1427398466"/>
-      </p:ext>
-    </p:extLst>
-  </p:cSld>
-  <p:clrMapOvr>
-    <a:masterClrMapping/>
-  </p:clrMapOvr>
-  <p:timing>
-    <p:tnLst>
-      <p:par>
-        <p:cTn id="1" dur="indefinite" restart="never" nodeType="tmRoot">
-          <p:childTnLst>
-            <p:seq concurrent="1" nextAc="seek">
-              <p:cTn id="2" dur="indefinite" nodeType="mainSeq">
-                <p:childTnLst>
-                  <p:par>
-                    <p:cTn id="3" fill="hold">
-                      <p:stCondLst>
-                        <p:cond delay="indefinite"/>
-                      </p:stCondLst>
-                      <p:childTnLst>
-                        <p:par>
-                          <p:cTn id="4" fill="hold">
-                            <p:stCondLst>
-                              <p:cond delay="0"/>
-                            </p:stCondLst>
-                            <p:childTnLst>
-                              <p:par>
-                                <p:cTn id="5" presetID="10" presetClass="entr" presetSubtype="0" fill="hold" grpId="0" nodeType="clickEffect">
-                                  <p:stCondLst>
-                                    <p:cond delay="0"/>
-                                  </p:stCondLst>
-                                  <p:childTnLst>
-                                    <p:set>
-                                      <p:cBhvr>
-                                        <p:cTn id="6" dur="1" fill="hold">
-                                          <p:stCondLst>
-                                            <p:cond delay="0"/>
-                                          </p:stCondLst>
-                                        </p:cTn>
-                                        <p:tgtEl>
-                                          <p:spTgt spid="3">
-                                            <p:txEl>
-                                              <p:pRg st="0" end="0"/>
-                                            </p:txEl>
-                                          </p:spTgt>
-                                        </p:tgtEl>
-                                        <p:attrNameLst>
-                                          <p:attrName>style.visibility</p:attrName>
-                                        </p:attrNameLst>
-                                      </p:cBhvr>
-                                      <p:to>
-                                        <p:strVal val="visible"/>
-                                      </p:to>
-                                    </p:set>
-                                    <p:animEffect transition="in" filter="fade">
-                                      <p:cBhvr>
-                                        <p:cTn id="7" dur="500"/>
-                                        <p:tgtEl>
-                                          <p:spTgt spid="3">
-                                            <p:txEl>
-                                              <p:pRg st="0" end="0"/>
-                                            </p:txEl>
-                                          </p:spTgt>
-                                        </p:tgtEl>
-                                      </p:cBhvr>
-                                    </p:animEffect>
-                                  </p:childTnLst>
-                                </p:cTn>
-                              </p:par>
-                            </p:childTnLst>
-                          </p:cTn>
-                        </p:par>
-                      </p:childTnLst>
-                    </p:cTn>
-                  </p:par>
-                  <p:par>
-                    <p:cTn id="8" fill="hold">
-                      <p:stCondLst>
-                        <p:cond delay="indefinite"/>
-                      </p:stCondLst>
-                      <p:childTnLst>
-                        <p:par>
-                          <p:cTn id="9" fill="hold">
-                            <p:stCondLst>
-                              <p:cond delay="0"/>
-                            </p:stCondLst>
-                            <p:childTnLst>
-                              <p:par>
-                                <p:cTn id="10" presetID="10" presetClass="entr" presetSubtype="0" fill="hold" grpId="0" nodeType="clickEffect">
-                                  <p:stCondLst>
-                                    <p:cond delay="0"/>
-                                  </p:stCondLst>
-                                  <p:childTnLst>
-                                    <p:set>
-                                      <p:cBhvr>
-                                        <p:cTn id="11" dur="1" fill="hold">
-                                          <p:stCondLst>
-                                            <p:cond delay="0"/>
-                                          </p:stCondLst>
-                                        </p:cTn>
-                                        <p:tgtEl>
-                                          <p:spTgt spid="3">
-                                            <p:txEl>
-                                              <p:pRg st="1" end="1"/>
-                                            </p:txEl>
-                                          </p:spTgt>
-                                        </p:tgtEl>
-                                        <p:attrNameLst>
-                                          <p:attrName>style.visibility</p:attrName>
-                                        </p:attrNameLst>
-                                      </p:cBhvr>
-                                      <p:to>
-                                        <p:strVal val="visible"/>
-                                      </p:to>
-                                    </p:set>
-                                    <p:animEffect transition="in" filter="fade">
-                                      <p:cBhvr>
-                                        <p:cTn id="12" dur="500"/>
-                                        <p:tgtEl>
-                                          <p:spTgt spid="3">
-                                            <p:txEl>
-                                              <p:pRg st="1" end="1"/>
-                                            </p:txEl>
-                                          </p:spTgt>
-                                        </p:tgtEl>
-                                      </p:cBhvr>
-                                    </p:animEffect>
-                                  </p:childTnLst>
-                                </p:cTn>
-                              </p:par>
-                            </p:childTnLst>
-                          </p:cTn>
-                        </p:par>
-                      </p:childTnLst>
-                    </p:cTn>
-                  </p:par>
-                  <p:par>
-                    <p:cTn id="13" fill="hold">
-                      <p:stCondLst>
-                        <p:cond delay="indefinite"/>
-                      </p:stCondLst>
-                      <p:childTnLst>
-                        <p:par>
-                          <p:cTn id="14" fill="hold">
-                            <p:stCondLst>
-                              <p:cond delay="0"/>
-                            </p:stCondLst>
-                            <p:childTnLst>
-                              <p:par>
-                                <p:cTn id="15" presetID="10" presetClass="entr" presetSubtype="0" fill="hold" grpId="0" nodeType="clickEffect">
-                                  <p:stCondLst>
-                                    <p:cond delay="0"/>
-                                  </p:stCondLst>
-                                  <p:childTnLst>
-                                    <p:set>
-                                      <p:cBhvr>
-                                        <p:cTn id="16" dur="1" fill="hold">
-                                          <p:stCondLst>
-                                            <p:cond delay="0"/>
-                                          </p:stCondLst>
-                                        </p:cTn>
-                                        <p:tgtEl>
-                                          <p:spTgt spid="3">
-                                            <p:txEl>
-                                              <p:pRg st="2" end="2"/>
-                                            </p:txEl>
-                                          </p:spTgt>
-                                        </p:tgtEl>
-                                        <p:attrNameLst>
-                                          <p:attrName>style.visibility</p:attrName>
-                                        </p:attrNameLst>
-                                      </p:cBhvr>
-                                      <p:to>
-                                        <p:strVal val="visible"/>
-                                      </p:to>
-                                    </p:set>
-                                    <p:animEffect transition="in" filter="fade">
-                                      <p:cBhvr>
-                                        <p:cTn id="17" dur="500"/>
-                                        <p:tgtEl>
-                                          <p:spTgt spid="3">
-                                            <p:txEl>
-                                              <p:pRg st="2" end="2"/>
                                             </p:txEl>
                                           </p:spTgt>
                                         </p:tgtEl>

--- a/Modules/Module 5 - Linux and App Service/Module 5 - Linux and App Service.pptx
+++ b/Modules/Module 5 - Linux and App Service/Module 5 - Linux and App Service.pptx
@@ -5,26 +5,25 @@
     <p:sldMasterId id="2147483648" r:id="rId1"/>
   </p:sldMasterIdLst>
   <p:notesMasterIdLst>
-    <p:notesMasterId r:id="rId19"/>
+    <p:notesMasterId r:id="rId18"/>
   </p:notesMasterIdLst>
   <p:sldIdLst>
     <p:sldId id="256" r:id="rId2"/>
-    <p:sldId id="272" r:id="rId3"/>
-    <p:sldId id="257" r:id="rId4"/>
-    <p:sldId id="270" r:id="rId5"/>
-    <p:sldId id="258" r:id="rId6"/>
-    <p:sldId id="259" r:id="rId7"/>
-    <p:sldId id="260" r:id="rId8"/>
-    <p:sldId id="261" r:id="rId9"/>
-    <p:sldId id="262" r:id="rId10"/>
-    <p:sldId id="263" r:id="rId11"/>
-    <p:sldId id="264" r:id="rId12"/>
+    <p:sldId id="257" r:id="rId3"/>
+    <p:sldId id="270" r:id="rId4"/>
+    <p:sldId id="258" r:id="rId5"/>
+    <p:sldId id="259" r:id="rId6"/>
+    <p:sldId id="260" r:id="rId7"/>
+    <p:sldId id="261" r:id="rId8"/>
+    <p:sldId id="262" r:id="rId9"/>
+    <p:sldId id="263" r:id="rId10"/>
+    <p:sldId id="264" r:id="rId11"/>
+    <p:sldId id="272" r:id="rId12"/>
     <p:sldId id="265" r:id="rId13"/>
     <p:sldId id="266" r:id="rId14"/>
     <p:sldId id="267" r:id="rId15"/>
     <p:sldId id="268" r:id="rId16"/>
-    <p:sldId id="269" r:id="rId17"/>
-    <p:sldId id="271" r:id="rId18"/>
+    <p:sldId id="271" r:id="rId17"/>
   </p:sldIdLst>
   <p:sldSz cx="12192000" cy="6858000"/>
   <p:notesSz cx="6858000" cy="9144000"/>
@@ -778,7 +777,7 @@
           <a:p>
             <a:fld id="{80FF0CA7-26A7-4D26-9109-B54D7F6EC4FB}" type="datetimeFigureOut">
               <a:rPr lang="en-US" smtClean="0"/>
-              <a:t>8/16/2018</a:t>
+              <a:t>9/5/18</a:t>
             </a:fld>
             <a:endParaRPr lang="en-US"/>
           </a:p>
@@ -1161,7 +1160,7 @@
           <a:p>
             <a:fld id="{6BBFEA70-3AEC-4936-BD12-87368F5CCD03}" type="slidenum">
               <a:rPr lang="en-US" smtClean="0"/>
-              <a:t>4</a:t>
+              <a:t>3</a:t>
             </a:fld>
             <a:endParaRPr lang="en-US"/>
           </a:p>
@@ -1226,8 +1225,11 @@
           <a:p>
             <a:r>
               <a:rPr lang="en-US" dirty="0"/>
-              <a:t>Recommend that you demo Kudu here.</a:t>
-            </a:r>
+              <a:t>Do an instructor walkthrough here using the steps outline in https://aka.ms/ThingsYouShouldKnow/AppServiceSSH.</a:t>
+            </a:r>
+          </a:p>
+          <a:p>
+            <a:endParaRPr lang="en-US" dirty="0"/>
           </a:p>
         </p:txBody>
       </p:sp>
@@ -1249,96 +1251,6 @@
             <a:fld id="{6BBFEA70-3AEC-4936-BD12-87368F5CCD03}" type="slidenum">
               <a:rPr lang="en-US" smtClean="0"/>
               <a:t>16</a:t>
-            </a:fld>
-            <a:endParaRPr lang="en-US"/>
-          </a:p>
-        </p:txBody>
-      </p:sp>
-    </p:spTree>
-    <p:extLst>
-      <p:ext uri="{BB962C8B-B14F-4D97-AF65-F5344CB8AC3E}">
-        <p14:creationId xmlns:p14="http://schemas.microsoft.com/office/powerpoint/2010/main" val="3312629028"/>
-      </p:ext>
-    </p:extLst>
-  </p:cSld>
-  <p:clrMapOvr>
-    <a:masterClrMapping/>
-  </p:clrMapOvr>
-</p:notes>
-</file>
-
-<file path=ppt/notesSlides/notesSlide11.xml><?xml version="1.0" encoding="utf-8"?>
-<p:notes xmlns:a="http://schemas.openxmlformats.org/drawingml/2006/main" xmlns:r="http://schemas.openxmlformats.org/officeDocument/2006/relationships" xmlns:p="http://schemas.openxmlformats.org/presentationml/2006/main">
-  <p:cSld>
-    <p:spTree>
-      <p:nvGrpSpPr>
-        <p:cNvPr id="1" name=""/>
-        <p:cNvGrpSpPr/>
-        <p:nvPr/>
-      </p:nvGrpSpPr>
-      <p:grpSpPr>
-        <a:xfrm>
-          <a:off x="0" y="0"/>
-          <a:ext cx="0" cy="0"/>
-          <a:chOff x="0" y="0"/>
-          <a:chExt cx="0" cy="0"/>
-        </a:xfrm>
-      </p:grpSpPr>
-      <p:sp>
-        <p:nvSpPr>
-          <p:cNvPr id="2" name="Slide Image Placeholder 1"/>
-          <p:cNvSpPr>
-            <a:spLocks noGrp="1" noRot="1" noChangeAspect="1"/>
-          </p:cNvSpPr>
-          <p:nvPr>
-            <p:ph type="sldImg"/>
-          </p:nvPr>
-        </p:nvSpPr>
-        <p:spPr/>
-      </p:sp>
-      <p:sp>
-        <p:nvSpPr>
-          <p:cNvPr id="3" name="Notes Placeholder 2"/>
-          <p:cNvSpPr>
-            <a:spLocks noGrp="1"/>
-          </p:cNvSpPr>
-          <p:nvPr>
-            <p:ph type="body" idx="1"/>
-          </p:nvPr>
-        </p:nvSpPr>
-        <p:spPr/>
-        <p:txBody>
-          <a:bodyPr/>
-          <a:lstStyle/>
-          <a:p>
-            <a:r>
-              <a:rPr lang="en-US" dirty="0"/>
-              <a:t>Do an instructor walkthrough here using the steps outline in https://aka.ms/ThingsYouShouldKnow/AppServiceSSH.</a:t>
-            </a:r>
-          </a:p>
-          <a:p>
-            <a:endParaRPr lang="en-US" dirty="0"/>
-          </a:p>
-        </p:txBody>
-      </p:sp>
-      <p:sp>
-        <p:nvSpPr>
-          <p:cNvPr id="4" name="Slide Number Placeholder 3"/>
-          <p:cNvSpPr>
-            <a:spLocks noGrp="1"/>
-          </p:cNvSpPr>
-          <p:nvPr>
-            <p:ph type="sldNum" sz="quarter" idx="10"/>
-          </p:nvPr>
-        </p:nvSpPr>
-        <p:spPr/>
-        <p:txBody>
-          <a:bodyPr/>
-          <a:lstStyle/>
-          <a:p>
-            <a:fld id="{6BBFEA70-3AEC-4936-BD12-87368F5CCD03}" type="slidenum">
-              <a:rPr lang="en-US" smtClean="0"/>
-              <a:t>17</a:t>
             </a:fld>
             <a:endParaRPr lang="en-US"/>
           </a:p>
@@ -1428,7 +1340,7 @@
           <a:p>
             <a:fld id="{6BBFEA70-3AEC-4936-BD12-87368F5CCD03}" type="slidenum">
               <a:rPr lang="en-US" smtClean="0"/>
-              <a:t>5</a:t>
+              <a:t>4</a:t>
             </a:fld>
             <a:endParaRPr lang="en-US"/>
           </a:p>
@@ -1515,7 +1427,7 @@
           <a:p>
             <a:fld id="{6BBFEA70-3AEC-4936-BD12-87368F5CCD03}" type="slidenum">
               <a:rPr lang="en-US" smtClean="0"/>
-              <a:t>6</a:t>
+              <a:t>5</a:t>
             </a:fld>
             <a:endParaRPr lang="en-US"/>
           </a:p>
@@ -1617,7 +1529,7 @@
           <a:p>
             <a:fld id="{6BBFEA70-3AEC-4936-BD12-87368F5CCD03}" type="slidenum">
               <a:rPr lang="en-US" smtClean="0"/>
-              <a:t>7</a:t>
+              <a:t>6</a:t>
             </a:fld>
             <a:endParaRPr lang="en-US"/>
           </a:p>
@@ -1704,7 +1616,7 @@
           <a:p>
             <a:fld id="{6BBFEA70-3AEC-4936-BD12-87368F5CCD03}" type="slidenum">
               <a:rPr lang="en-US" smtClean="0"/>
-              <a:t>8</a:t>
+              <a:t>7</a:t>
             </a:fld>
             <a:endParaRPr lang="en-US"/>
           </a:p>
@@ -1794,7 +1706,7 @@
           <a:p>
             <a:fld id="{6BBFEA70-3AEC-4936-BD12-87368F5CCD03}" type="slidenum">
               <a:rPr lang="en-US" smtClean="0"/>
-              <a:t>9</a:t>
+              <a:t>8</a:t>
             </a:fld>
             <a:endParaRPr lang="en-US"/>
           </a:p>
@@ -1881,7 +1793,7 @@
           <a:p>
             <a:fld id="{6BBFEA70-3AEC-4936-BD12-87368F5CCD03}" type="slidenum">
               <a:rPr lang="en-US" smtClean="0"/>
-              <a:t>10</a:t>
+              <a:t>9</a:t>
             </a:fld>
             <a:endParaRPr lang="en-US"/>
           </a:p>
@@ -2221,7 +2133,7 @@
           <a:noFill/>
           <a:extLst>
             <a:ext uri="{909E8E84-426E-40dd-AFC4-6F175D3DCCD1}">
-              <a14:hiddenFill xmlns="" xmlns:a14="http://schemas.microsoft.com/office/drawing/2010/main">
+              <a14:hiddenFill xmlns:a14="http://schemas.microsoft.com/office/drawing/2010/main" xmlns="">
                 <a:solidFill>
                   <a:srgbClr val="FFFFFF"/>
                 </a:solidFill>
@@ -2280,7 +2192,7 @@
             </a:ln>
             <a:extLst>
               <a:ext uri="{91240B29-F687-4f45-9708-019B960494DF}">
-                <a14:hiddenLine xmlns="" xmlns:a14="http://schemas.microsoft.com/office/drawing/2010/main" w="9525">
+                <a14:hiddenLine xmlns:a14="http://schemas.microsoft.com/office/drawing/2010/main" xmlns="" w="9525">
                   <a:solidFill>
                     <a:srgbClr val="000000"/>
                   </a:solidFill>
@@ -2370,7 +2282,7 @@
             </a:ln>
             <a:extLst>
               <a:ext uri="{91240B29-F687-4f45-9708-019B960494DF}">
-                <a14:hiddenLine xmlns="" xmlns:a14="http://schemas.microsoft.com/office/drawing/2010/main" w="9525">
+                <a14:hiddenLine xmlns:a14="http://schemas.microsoft.com/office/drawing/2010/main" xmlns="" w="9525">
                   <a:solidFill>
                     <a:srgbClr val="000000"/>
                   </a:solidFill>
@@ -2460,7 +2372,7 @@
             </a:ln>
             <a:extLst>
               <a:ext uri="{91240B29-F687-4f45-9708-019B960494DF}">
-                <a14:hiddenLine xmlns="" xmlns:a14="http://schemas.microsoft.com/office/drawing/2010/main" w="9525">
+                <a14:hiddenLine xmlns:a14="http://schemas.microsoft.com/office/drawing/2010/main" xmlns="" w="9525">
                   <a:solidFill>
                     <a:srgbClr val="000000"/>
                   </a:solidFill>
@@ -2494,7 +2406,7 @@
             </a:ln>
             <a:extLst>
               <a:ext uri="{91240B29-F687-4f45-9708-019B960494DF}">
-                <a14:hiddenLine xmlns="" xmlns:a14="http://schemas.microsoft.com/office/drawing/2010/main" w="9525">
+                <a14:hiddenLine xmlns:a14="http://schemas.microsoft.com/office/drawing/2010/main" xmlns="" w="9525">
                   <a:solidFill>
                     <a:srgbClr val="000000"/>
                   </a:solidFill>
@@ -2584,7 +2496,7 @@
             </a:ln>
             <a:extLst>
               <a:ext uri="{91240B29-F687-4f45-9708-019B960494DF}">
-                <a14:hiddenLine xmlns="" xmlns:a14="http://schemas.microsoft.com/office/drawing/2010/main" w="9525">
+                <a14:hiddenLine xmlns:a14="http://schemas.microsoft.com/office/drawing/2010/main" xmlns="" w="9525">
                   <a:solidFill>
                     <a:srgbClr val="000000"/>
                   </a:solidFill>
@@ -2646,7 +2558,7 @@
             </a:ln>
             <a:extLst>
               <a:ext uri="{91240B29-F687-4f45-9708-019B960494DF}">
-                <a14:hiddenLine xmlns="" xmlns:a14="http://schemas.microsoft.com/office/drawing/2010/main" w="9525">
+                <a14:hiddenLine xmlns:a14="http://schemas.microsoft.com/office/drawing/2010/main" xmlns="" w="9525">
                   <a:solidFill>
                     <a:srgbClr val="000000"/>
                   </a:solidFill>
@@ -2708,7 +2620,7 @@
             </a:ln>
             <a:extLst>
               <a:ext uri="{91240B29-F687-4f45-9708-019B960494DF}">
-                <a14:hiddenLine xmlns="" xmlns:a14="http://schemas.microsoft.com/office/drawing/2010/main" w="9525">
+                <a14:hiddenLine xmlns:a14="http://schemas.microsoft.com/office/drawing/2010/main" xmlns="" w="9525">
                   <a:solidFill>
                     <a:srgbClr val="000000"/>
                   </a:solidFill>
@@ -2798,7 +2710,7 @@
             </a:ln>
             <a:extLst>
               <a:ext uri="{91240B29-F687-4f45-9708-019B960494DF}">
-                <a14:hiddenLine xmlns="" xmlns:a14="http://schemas.microsoft.com/office/drawing/2010/main" w="9525">
+                <a14:hiddenLine xmlns:a14="http://schemas.microsoft.com/office/drawing/2010/main" xmlns="" w="9525">
                   <a:solidFill>
                     <a:srgbClr val="000000"/>
                   </a:solidFill>
@@ -2860,7 +2772,7 @@
             </a:ln>
             <a:extLst>
               <a:ext uri="{91240B29-F687-4f45-9708-019B960494DF}">
-                <a14:hiddenLine xmlns="" xmlns:a14="http://schemas.microsoft.com/office/drawing/2010/main" w="9525">
+                <a14:hiddenLine xmlns:a14="http://schemas.microsoft.com/office/drawing/2010/main" xmlns="" w="9525">
                   <a:solidFill>
                     <a:srgbClr val="000000"/>
                   </a:solidFill>
@@ -2922,7 +2834,7 @@
             </a:ln>
             <a:extLst>
               <a:ext uri="{91240B29-F687-4f45-9708-019B960494DF}">
-                <a14:hiddenLine xmlns="" xmlns:a14="http://schemas.microsoft.com/office/drawing/2010/main" w="9525">
+                <a14:hiddenLine xmlns:a14="http://schemas.microsoft.com/office/drawing/2010/main" xmlns="" w="9525">
                   <a:solidFill>
                     <a:srgbClr val="000000"/>
                   </a:solidFill>
@@ -3012,7 +2924,7 @@
             </a:ln>
             <a:extLst>
               <a:ext uri="{91240B29-F687-4f45-9708-019B960494DF}">
-                <a14:hiddenLine xmlns="" xmlns:a14="http://schemas.microsoft.com/office/drawing/2010/main" w="9525">
+                <a14:hiddenLine xmlns:a14="http://schemas.microsoft.com/office/drawing/2010/main" xmlns="" w="9525">
                   <a:solidFill>
                     <a:srgbClr val="000000"/>
                   </a:solidFill>
@@ -3102,7 +3014,7 @@
             </a:ln>
             <a:extLst>
               <a:ext uri="{91240B29-F687-4f45-9708-019B960494DF}">
-                <a14:hiddenLine xmlns="" xmlns:a14="http://schemas.microsoft.com/office/drawing/2010/main" w="9525">
+                <a14:hiddenLine xmlns:a14="http://schemas.microsoft.com/office/drawing/2010/main" xmlns="" w="9525">
                   <a:solidFill>
                     <a:srgbClr val="000000"/>
                   </a:solidFill>
@@ -3164,7 +3076,7 @@
             </a:ln>
             <a:extLst>
               <a:ext uri="{91240B29-F687-4f45-9708-019B960494DF}">
-                <a14:hiddenLine xmlns="" xmlns:a14="http://schemas.microsoft.com/office/drawing/2010/main" w="9525">
+                <a14:hiddenLine xmlns:a14="http://schemas.microsoft.com/office/drawing/2010/main" xmlns="" w="9525">
                   <a:solidFill>
                     <a:srgbClr val="000000"/>
                   </a:solidFill>
@@ -3274,7 +3186,7 @@
             </a:ln>
             <a:extLst>
               <a:ext uri="{91240B29-F687-4f45-9708-019B960494DF}">
-                <a14:hiddenLine xmlns="" xmlns:a14="http://schemas.microsoft.com/office/drawing/2010/main" w="9525">
+                <a14:hiddenLine xmlns:a14="http://schemas.microsoft.com/office/drawing/2010/main" xmlns="" w="9525">
                   <a:solidFill>
                     <a:srgbClr val="000000"/>
                   </a:solidFill>
@@ -3336,7 +3248,7 @@
             </a:ln>
             <a:extLst>
               <a:ext uri="{91240B29-F687-4f45-9708-019B960494DF}">
-                <a14:hiddenLine xmlns="" xmlns:a14="http://schemas.microsoft.com/office/drawing/2010/main" w="9525">
+                <a14:hiddenLine xmlns:a14="http://schemas.microsoft.com/office/drawing/2010/main" xmlns="" w="9525">
                   <a:solidFill>
                     <a:srgbClr val="000000"/>
                   </a:solidFill>
@@ -3426,7 +3338,7 @@
             </a:ln>
             <a:extLst>
               <a:ext uri="{91240B29-F687-4f45-9708-019B960494DF}">
-                <a14:hiddenLine xmlns="" xmlns:a14="http://schemas.microsoft.com/office/drawing/2010/main" w="9525">
+                <a14:hiddenLine xmlns:a14="http://schemas.microsoft.com/office/drawing/2010/main" xmlns="" w="9525">
                   <a:solidFill>
                     <a:srgbClr val="000000"/>
                   </a:solidFill>
@@ -3516,7 +3428,7 @@
             </a:ln>
             <a:extLst>
               <a:ext uri="{91240B29-F687-4f45-9708-019B960494DF}">
-                <a14:hiddenLine xmlns="" xmlns:a14="http://schemas.microsoft.com/office/drawing/2010/main" w="9525">
+                <a14:hiddenLine xmlns:a14="http://schemas.microsoft.com/office/drawing/2010/main" xmlns="" w="9525">
                   <a:solidFill>
                     <a:srgbClr val="000000"/>
                   </a:solidFill>
@@ -3578,7 +3490,7 @@
             </a:ln>
             <a:extLst>
               <a:ext uri="{91240B29-F687-4f45-9708-019B960494DF}">
-                <a14:hiddenLine xmlns="" xmlns:a14="http://schemas.microsoft.com/office/drawing/2010/main" w="9525">
+                <a14:hiddenLine xmlns:a14="http://schemas.microsoft.com/office/drawing/2010/main" xmlns="" w="9525">
                   <a:solidFill>
                     <a:srgbClr val="000000"/>
                   </a:solidFill>
@@ -3668,7 +3580,7 @@
             </a:ln>
             <a:extLst>
               <a:ext uri="{91240B29-F687-4f45-9708-019B960494DF}">
-                <a14:hiddenLine xmlns="" xmlns:a14="http://schemas.microsoft.com/office/drawing/2010/main" w="9525">
+                <a14:hiddenLine xmlns:a14="http://schemas.microsoft.com/office/drawing/2010/main" xmlns="" w="9525">
                   <a:solidFill>
                     <a:srgbClr val="000000"/>
                   </a:solidFill>
@@ -3758,7 +3670,7 @@
             </a:ln>
             <a:extLst>
               <a:ext uri="{91240B29-F687-4f45-9708-019B960494DF}">
-                <a14:hiddenLine xmlns="" xmlns:a14="http://schemas.microsoft.com/office/drawing/2010/main" w="9525">
+                <a14:hiddenLine xmlns:a14="http://schemas.microsoft.com/office/drawing/2010/main" xmlns="" w="9525">
                   <a:solidFill>
                     <a:srgbClr val="000000"/>
                   </a:solidFill>
@@ -3814,7 +3726,7 @@
             </a:ln>
             <a:extLst>
               <a:ext uri="{91240B29-F687-4f45-9708-019B960494DF}">
-                <a14:hiddenLine xmlns="" xmlns:a14="http://schemas.microsoft.com/office/drawing/2010/main" w="9525">
+                <a14:hiddenLine xmlns:a14="http://schemas.microsoft.com/office/drawing/2010/main" xmlns="" w="9525">
                   <a:solidFill>
                     <a:srgbClr val="000000"/>
                   </a:solidFill>
@@ -3904,7 +3816,7 @@
             </a:ln>
             <a:extLst>
               <a:ext uri="{91240B29-F687-4f45-9708-019B960494DF}">
-                <a14:hiddenLine xmlns="" xmlns:a14="http://schemas.microsoft.com/office/drawing/2010/main" w="9525">
+                <a14:hiddenLine xmlns:a14="http://schemas.microsoft.com/office/drawing/2010/main" xmlns="" w="9525">
                   <a:solidFill>
                     <a:srgbClr val="000000"/>
                   </a:solidFill>
@@ -3960,7 +3872,7 @@
             </a:ln>
             <a:extLst>
               <a:ext uri="{91240B29-F687-4f45-9708-019B960494DF}">
-                <a14:hiddenLine xmlns="" xmlns:a14="http://schemas.microsoft.com/office/drawing/2010/main" w="9525">
+                <a14:hiddenLine xmlns:a14="http://schemas.microsoft.com/office/drawing/2010/main" xmlns="" w="9525">
                   <a:solidFill>
                     <a:srgbClr val="000000"/>
                   </a:solidFill>
@@ -4050,7 +3962,7 @@
             </a:ln>
             <a:extLst>
               <a:ext uri="{91240B29-F687-4f45-9708-019B960494DF}">
-                <a14:hiddenLine xmlns="" xmlns:a14="http://schemas.microsoft.com/office/drawing/2010/main" w="9525">
+                <a14:hiddenLine xmlns:a14="http://schemas.microsoft.com/office/drawing/2010/main" xmlns="" w="9525">
                   <a:solidFill>
                     <a:srgbClr val="000000"/>
                   </a:solidFill>
@@ -4118,7 +4030,7 @@
             </a:ln>
             <a:extLst>
               <a:ext uri="{91240B29-F687-4f45-9708-019B960494DF}">
-                <a14:hiddenLine xmlns="" xmlns:a14="http://schemas.microsoft.com/office/drawing/2010/main" w="9525">
+                <a14:hiddenLine xmlns:a14="http://schemas.microsoft.com/office/drawing/2010/main" xmlns="" w="9525">
                   <a:solidFill>
                     <a:srgbClr val="000000"/>
                   </a:solidFill>
@@ -4208,7 +4120,7 @@
             </a:ln>
             <a:extLst>
               <a:ext uri="{91240B29-F687-4f45-9708-019B960494DF}">
-                <a14:hiddenLine xmlns="" xmlns:a14="http://schemas.microsoft.com/office/drawing/2010/main" w="9525">
+                <a14:hiddenLine xmlns:a14="http://schemas.microsoft.com/office/drawing/2010/main" xmlns="" w="9525">
                   <a:solidFill>
                     <a:srgbClr val="000000"/>
                   </a:solidFill>
@@ -4276,7 +4188,7 @@
             </a:ln>
             <a:extLst>
               <a:ext uri="{91240B29-F687-4f45-9708-019B960494DF}">
-                <a14:hiddenLine xmlns="" xmlns:a14="http://schemas.microsoft.com/office/drawing/2010/main" w="9525">
+                <a14:hiddenLine xmlns:a14="http://schemas.microsoft.com/office/drawing/2010/main" xmlns="" w="9525">
                   <a:solidFill>
                     <a:srgbClr val="000000"/>
                   </a:solidFill>
@@ -4366,7 +4278,7 @@
             </a:ln>
             <a:extLst>
               <a:ext uri="{91240B29-F687-4f45-9708-019B960494DF}">
-                <a14:hiddenLine xmlns="" xmlns:a14="http://schemas.microsoft.com/office/drawing/2010/main" w="9525">
+                <a14:hiddenLine xmlns:a14="http://schemas.microsoft.com/office/drawing/2010/main" xmlns="" w="9525">
                   <a:solidFill>
                     <a:srgbClr val="000000"/>
                   </a:solidFill>
@@ -4400,7 +4312,7 @@
             </a:ln>
             <a:extLst>
               <a:ext uri="{91240B29-F687-4f45-9708-019B960494DF}">
-                <a14:hiddenLine xmlns="" xmlns:a14="http://schemas.microsoft.com/office/drawing/2010/main" w="9525">
+                <a14:hiddenLine xmlns:a14="http://schemas.microsoft.com/office/drawing/2010/main" xmlns="" w="9525">
                   <a:solidFill>
                     <a:srgbClr val="000000"/>
                   </a:solidFill>
@@ -4490,7 +4402,7 @@
             </a:ln>
             <a:extLst>
               <a:ext uri="{91240B29-F687-4f45-9708-019B960494DF}">
-                <a14:hiddenLine xmlns="" xmlns:a14="http://schemas.microsoft.com/office/drawing/2010/main" w="9525">
+                <a14:hiddenLine xmlns:a14="http://schemas.microsoft.com/office/drawing/2010/main" xmlns="" w="9525">
                   <a:solidFill>
                     <a:srgbClr val="000000"/>
                   </a:solidFill>
@@ -4552,7 +4464,7 @@
             </a:ln>
             <a:extLst>
               <a:ext uri="{91240B29-F687-4f45-9708-019B960494DF}">
-                <a14:hiddenLine xmlns="" xmlns:a14="http://schemas.microsoft.com/office/drawing/2010/main" w="9525">
+                <a14:hiddenLine xmlns:a14="http://schemas.microsoft.com/office/drawing/2010/main" xmlns="" w="9525">
                   <a:solidFill>
                     <a:srgbClr val="000000"/>
                   </a:solidFill>
@@ -4614,7 +4526,7 @@
             </a:ln>
             <a:extLst>
               <a:ext uri="{91240B29-F687-4f45-9708-019B960494DF}">
-                <a14:hiddenLine xmlns="" xmlns:a14="http://schemas.microsoft.com/office/drawing/2010/main" w="9525">
+                <a14:hiddenLine xmlns:a14="http://schemas.microsoft.com/office/drawing/2010/main" xmlns="" w="9525">
                   <a:solidFill>
                     <a:srgbClr val="000000"/>
                   </a:solidFill>
@@ -4704,7 +4616,7 @@
             </a:ln>
             <a:extLst>
               <a:ext uri="{91240B29-F687-4f45-9708-019B960494DF}">
-                <a14:hiddenLine xmlns="" xmlns:a14="http://schemas.microsoft.com/office/drawing/2010/main" w="9525">
+                <a14:hiddenLine xmlns:a14="http://schemas.microsoft.com/office/drawing/2010/main" xmlns="" w="9525">
                   <a:solidFill>
                     <a:srgbClr val="000000"/>
                   </a:solidFill>
@@ -4772,7 +4684,7 @@
             </a:ln>
             <a:extLst>
               <a:ext uri="{91240B29-F687-4f45-9708-019B960494DF}">
-                <a14:hiddenLine xmlns="" xmlns:a14="http://schemas.microsoft.com/office/drawing/2010/main" w="9525">
+                <a14:hiddenLine xmlns:a14="http://schemas.microsoft.com/office/drawing/2010/main" xmlns="" w="9525">
                   <a:solidFill>
                     <a:srgbClr val="000000"/>
                   </a:solidFill>
@@ -4834,7 +4746,7 @@
             </a:ln>
             <a:extLst>
               <a:ext uri="{91240B29-F687-4f45-9708-019B960494DF}">
-                <a14:hiddenLine xmlns="" xmlns:a14="http://schemas.microsoft.com/office/drawing/2010/main" w="9525">
+                <a14:hiddenLine xmlns:a14="http://schemas.microsoft.com/office/drawing/2010/main" xmlns="" w="9525">
                   <a:solidFill>
                     <a:srgbClr val="000000"/>
                   </a:solidFill>
@@ -4924,7 +4836,7 @@
             </a:ln>
             <a:extLst>
               <a:ext uri="{91240B29-F687-4f45-9708-019B960494DF}">
-                <a14:hiddenLine xmlns="" xmlns:a14="http://schemas.microsoft.com/office/drawing/2010/main" w="9525">
+                <a14:hiddenLine xmlns:a14="http://schemas.microsoft.com/office/drawing/2010/main" xmlns="" w="9525">
                   <a:solidFill>
                     <a:srgbClr val="000000"/>
                   </a:solidFill>
@@ -4986,7 +4898,7 @@
             </a:ln>
             <a:extLst>
               <a:ext uri="{91240B29-F687-4f45-9708-019B960494DF}">
-                <a14:hiddenLine xmlns="" xmlns:a14="http://schemas.microsoft.com/office/drawing/2010/main" w="9525">
+                <a14:hiddenLine xmlns:a14="http://schemas.microsoft.com/office/drawing/2010/main" xmlns="" w="9525">
                   <a:solidFill>
                     <a:srgbClr val="000000"/>
                   </a:solidFill>
@@ -5076,7 +4988,7 @@
             </a:ln>
             <a:extLst>
               <a:ext uri="{91240B29-F687-4f45-9708-019B960494DF}">
-                <a14:hiddenLine xmlns="" xmlns:a14="http://schemas.microsoft.com/office/drawing/2010/main" w="9525">
+                <a14:hiddenLine xmlns:a14="http://schemas.microsoft.com/office/drawing/2010/main" xmlns="" w="9525">
                   <a:solidFill>
                     <a:srgbClr val="000000"/>
                   </a:solidFill>
@@ -5138,7 +5050,7 @@
             </a:ln>
             <a:extLst>
               <a:ext uri="{91240B29-F687-4f45-9708-019B960494DF}">
-                <a14:hiddenLine xmlns="" xmlns:a14="http://schemas.microsoft.com/office/drawing/2010/main" w="9525">
+                <a14:hiddenLine xmlns:a14="http://schemas.microsoft.com/office/drawing/2010/main" xmlns="" w="9525">
                   <a:solidFill>
                     <a:srgbClr val="000000"/>
                   </a:solidFill>
@@ -5228,7 +5140,7 @@
             </a:ln>
             <a:extLst>
               <a:ext uri="{91240B29-F687-4f45-9708-019B960494DF}">
-                <a14:hiddenLine xmlns="" xmlns:a14="http://schemas.microsoft.com/office/drawing/2010/main" w="9525">
+                <a14:hiddenLine xmlns:a14="http://schemas.microsoft.com/office/drawing/2010/main" xmlns="" w="9525">
                   <a:solidFill>
                     <a:srgbClr val="000000"/>
                   </a:solidFill>
@@ -5262,7 +5174,7 @@
             </a:ln>
             <a:extLst>
               <a:ext uri="{91240B29-F687-4f45-9708-019B960494DF}">
-                <a14:hiddenLine xmlns="" xmlns:a14="http://schemas.microsoft.com/office/drawing/2010/main" w="9525">
+                <a14:hiddenLine xmlns:a14="http://schemas.microsoft.com/office/drawing/2010/main" xmlns="" w="9525">
                   <a:solidFill>
                     <a:srgbClr val="000000"/>
                   </a:solidFill>
@@ -5327,7 +5239,7 @@
             </a:ln>
             <a:extLst>
               <a:ext uri="{91240B29-F687-4f45-9708-019B960494DF}">
-                <a14:hiddenLine xmlns="" xmlns:a14="http://schemas.microsoft.com/office/drawing/2010/main" w="9525">
+                <a14:hiddenLine xmlns:a14="http://schemas.microsoft.com/office/drawing/2010/main" xmlns="" w="9525">
                   <a:solidFill>
                     <a:srgbClr val="000000"/>
                   </a:solidFill>
@@ -5417,7 +5329,7 @@
             </a:ln>
             <a:extLst>
               <a:ext uri="{91240B29-F687-4f45-9708-019B960494DF}">
-                <a14:hiddenLine xmlns="" xmlns:a14="http://schemas.microsoft.com/office/drawing/2010/main" w="9525">
+                <a14:hiddenLine xmlns:a14="http://schemas.microsoft.com/office/drawing/2010/main" xmlns="" w="9525">
                   <a:solidFill>
                     <a:srgbClr val="000000"/>
                   </a:solidFill>
@@ -5479,7 +5391,7 @@
             </a:ln>
             <a:extLst>
               <a:ext uri="{91240B29-F687-4f45-9708-019B960494DF}">
-                <a14:hiddenLine xmlns="" xmlns:a14="http://schemas.microsoft.com/office/drawing/2010/main" w="9525">
+                <a14:hiddenLine xmlns:a14="http://schemas.microsoft.com/office/drawing/2010/main" xmlns="" w="9525">
                   <a:solidFill>
                     <a:srgbClr val="000000"/>
                   </a:solidFill>
@@ -5569,7 +5481,7 @@
             </a:ln>
             <a:extLst>
               <a:ext uri="{91240B29-F687-4f45-9708-019B960494DF}">
-                <a14:hiddenLine xmlns="" xmlns:a14="http://schemas.microsoft.com/office/drawing/2010/main" w="9525">
+                <a14:hiddenLine xmlns:a14="http://schemas.microsoft.com/office/drawing/2010/main" xmlns="" w="9525">
                   <a:solidFill>
                     <a:srgbClr val="000000"/>
                   </a:solidFill>
@@ -5659,7 +5571,7 @@
             </a:ln>
             <a:extLst>
               <a:ext uri="{91240B29-F687-4f45-9708-019B960494DF}">
-                <a14:hiddenLine xmlns="" xmlns:a14="http://schemas.microsoft.com/office/drawing/2010/main" w="9525">
+                <a14:hiddenLine xmlns:a14="http://schemas.microsoft.com/office/drawing/2010/main" xmlns="" w="9525">
                   <a:solidFill>
                     <a:srgbClr val="000000"/>
                   </a:solidFill>
@@ -5724,7 +5636,7 @@
             </a:ln>
             <a:extLst>
               <a:ext uri="{91240B29-F687-4f45-9708-019B960494DF}">
-                <a14:hiddenLine xmlns="" xmlns:a14="http://schemas.microsoft.com/office/drawing/2010/main" w="9525">
+                <a14:hiddenLine xmlns:a14="http://schemas.microsoft.com/office/drawing/2010/main" xmlns="" w="9525">
                   <a:solidFill>
                     <a:srgbClr val="000000"/>
                   </a:solidFill>
@@ -5786,7 +5698,7 @@
             </a:ln>
             <a:extLst>
               <a:ext uri="{91240B29-F687-4f45-9708-019B960494DF}">
-                <a14:hiddenLine xmlns="" xmlns:a14="http://schemas.microsoft.com/office/drawing/2010/main" w="9525">
+                <a14:hiddenLine xmlns:a14="http://schemas.microsoft.com/office/drawing/2010/main" xmlns="" w="9525">
                   <a:solidFill>
                     <a:srgbClr val="000000"/>
                   </a:solidFill>
@@ -5876,7 +5788,7 @@
             </a:ln>
             <a:extLst>
               <a:ext uri="{91240B29-F687-4f45-9708-019B960494DF}">
-                <a14:hiddenLine xmlns="" xmlns:a14="http://schemas.microsoft.com/office/drawing/2010/main" w="9525">
+                <a14:hiddenLine xmlns:a14="http://schemas.microsoft.com/office/drawing/2010/main" xmlns="" w="9525">
                   <a:solidFill>
                     <a:srgbClr val="000000"/>
                   </a:solidFill>
@@ -5966,7 +5878,7 @@
             </a:ln>
             <a:extLst>
               <a:ext uri="{91240B29-F687-4f45-9708-019B960494DF}">
-                <a14:hiddenLine xmlns="" xmlns:a14="http://schemas.microsoft.com/office/drawing/2010/main" w="9525">
+                <a14:hiddenLine xmlns:a14="http://schemas.microsoft.com/office/drawing/2010/main" xmlns="" w="9525">
                   <a:solidFill>
                     <a:srgbClr val="000000"/>
                   </a:solidFill>
@@ -6028,7 +5940,7 @@
             </a:ln>
             <a:extLst>
               <a:ext uri="{91240B29-F687-4f45-9708-019B960494DF}">
-                <a14:hiddenLine xmlns="" xmlns:a14="http://schemas.microsoft.com/office/drawing/2010/main" w="9525">
+                <a14:hiddenLine xmlns:a14="http://schemas.microsoft.com/office/drawing/2010/main" xmlns="" w="9525">
                   <a:solidFill>
                     <a:srgbClr val="000000"/>
                   </a:solidFill>
@@ -6148,7 +6060,7 @@
             </a:ln>
             <a:extLst>
               <a:ext uri="{91240B29-F687-4f45-9708-019B960494DF}">
-                <a14:hiddenLine xmlns="" xmlns:a14="http://schemas.microsoft.com/office/drawing/2010/main" w="9525">
+                <a14:hiddenLine xmlns:a14="http://schemas.microsoft.com/office/drawing/2010/main" xmlns="" w="9525">
                   <a:solidFill>
                     <a:srgbClr val="000000"/>
                   </a:solidFill>
@@ -6216,7 +6128,7 @@
             </a:ln>
             <a:extLst>
               <a:ext uri="{91240B29-F687-4f45-9708-019B960494DF}">
-                <a14:hiddenLine xmlns="" xmlns:a14="http://schemas.microsoft.com/office/drawing/2010/main" w="9525">
+                <a14:hiddenLine xmlns:a14="http://schemas.microsoft.com/office/drawing/2010/main" xmlns="" w="9525">
                   <a:solidFill>
                     <a:srgbClr val="000000"/>
                   </a:solidFill>
@@ -6306,7 +6218,7 @@
             </a:ln>
             <a:extLst>
               <a:ext uri="{91240B29-F687-4f45-9708-019B960494DF}">
-                <a14:hiddenLine xmlns="" xmlns:a14="http://schemas.microsoft.com/office/drawing/2010/main" w="9525">
+                <a14:hiddenLine xmlns:a14="http://schemas.microsoft.com/office/drawing/2010/main" xmlns="" w="9525">
                   <a:solidFill>
                     <a:srgbClr val="000000"/>
                   </a:solidFill>
@@ -6446,7 +6358,7 @@
           <a:p>
             <a:fld id="{48A87A34-81AB-432B-8DAE-1953F412C126}" type="datetimeFigureOut">
               <a:rPr lang="en-US" dirty="0"/>
-              <a:t>8/16/2018</a:t>
+              <a:t>9/5/18</a:t>
             </a:fld>
             <a:endParaRPr lang="en-US" dirty="0"/>
           </a:p>
@@ -6708,7 +6620,7 @@
           <a:p>
             <a:fld id="{48A87A34-81AB-432B-8DAE-1953F412C126}" type="datetimeFigureOut">
               <a:rPr lang="en-US" dirty="0"/>
-              <a:t>8/16/2018</a:t>
+              <a:t>9/5/18</a:t>
             </a:fld>
             <a:endParaRPr lang="en-US" dirty="0"/>
           </a:p>
@@ -6899,7 +6811,7 @@
           <a:p>
             <a:fld id="{48A87A34-81AB-432B-8DAE-1953F412C126}" type="datetimeFigureOut">
               <a:rPr lang="en-US" dirty="0"/>
-              <a:t>8/16/2018</a:t>
+              <a:t>9/5/18</a:t>
             </a:fld>
             <a:endParaRPr lang="en-US" dirty="0"/>
           </a:p>
@@ -7157,7 +7069,7 @@
           <a:p>
             <a:fld id="{48A87A34-81AB-432B-8DAE-1953F412C126}" type="datetimeFigureOut">
               <a:rPr lang="en-US" dirty="0"/>
-              <a:t>8/16/2018</a:t>
+              <a:t>9/5/18</a:t>
             </a:fld>
             <a:endParaRPr lang="en-US" dirty="0"/>
           </a:p>
@@ -7586,7 +7498,7 @@
           <a:p>
             <a:fld id="{48A87A34-81AB-432B-8DAE-1953F412C126}" type="datetimeFigureOut">
               <a:rPr lang="en-US" dirty="0"/>
-              <a:t>8/16/2018</a:t>
+              <a:t>9/5/18</a:t>
             </a:fld>
             <a:endParaRPr lang="en-US" dirty="0"/>
           </a:p>
@@ -8127,7 +8039,7 @@
           <a:p>
             <a:fld id="{48A87A34-81AB-432B-8DAE-1953F412C126}" type="datetimeFigureOut">
               <a:rPr lang="en-US" dirty="0"/>
-              <a:t>8/16/2018</a:t>
+              <a:t>9/5/18</a:t>
             </a:fld>
             <a:endParaRPr lang="en-US" dirty="0"/>
           </a:p>
@@ -8842,7 +8754,7 @@
           <a:p>
             <a:fld id="{48A87A34-81AB-432B-8DAE-1953F412C126}" type="datetimeFigureOut">
               <a:rPr lang="en-US" dirty="0"/>
-              <a:t>8/16/2018</a:t>
+              <a:t>9/5/18</a:t>
             </a:fld>
             <a:endParaRPr lang="en-US" dirty="0"/>
           </a:p>
@@ -9007,7 +8919,7 @@
           <a:p>
             <a:fld id="{48A87A34-81AB-432B-8DAE-1953F412C126}" type="datetimeFigureOut">
               <a:rPr lang="en-US" dirty="0"/>
-              <a:t>8/16/2018</a:t>
+              <a:t>9/5/18</a:t>
             </a:fld>
             <a:endParaRPr lang="en-US" dirty="0"/>
           </a:p>
@@ -9182,7 +9094,7 @@
           <a:p>
             <a:fld id="{48A87A34-81AB-432B-8DAE-1953F412C126}" type="datetimeFigureOut">
               <a:rPr lang="en-US" dirty="0"/>
-              <a:t>8/16/2018</a:t>
+              <a:t>9/5/18</a:t>
             </a:fld>
             <a:endParaRPr lang="en-US" dirty="0"/>
           </a:p>
@@ -9347,7 +9259,7 @@
           <a:p>
             <a:fld id="{48A87A34-81AB-432B-8DAE-1953F412C126}" type="datetimeFigureOut">
               <a:rPr lang="en-US" dirty="0"/>
-              <a:t>8/16/2018</a:t>
+              <a:t>9/5/18</a:t>
             </a:fld>
             <a:endParaRPr lang="en-US" dirty="0"/>
           </a:p>
@@ -9592,7 +9504,7 @@
           <a:p>
             <a:fld id="{48A87A34-81AB-432B-8DAE-1953F412C126}" type="datetimeFigureOut">
               <a:rPr lang="en-US" dirty="0"/>
-              <a:t>8/16/2018</a:t>
+              <a:t>9/5/18</a:t>
             </a:fld>
             <a:endParaRPr lang="en-US" dirty="0"/>
           </a:p>
@@ -9819,7 +9731,7 @@
           <a:p>
             <a:fld id="{48A87A34-81AB-432B-8DAE-1953F412C126}" type="datetimeFigureOut">
               <a:rPr lang="en-US" dirty="0"/>
-              <a:t>8/16/2018</a:t>
+              <a:t>9/5/18</a:t>
             </a:fld>
             <a:endParaRPr lang="en-US" dirty="0"/>
           </a:p>
@@ -10195,7 +10107,7 @@
           <a:p>
             <a:fld id="{48A87A34-81AB-432B-8DAE-1953F412C126}" type="datetimeFigureOut">
               <a:rPr lang="en-US" dirty="0"/>
-              <a:t>8/16/2018</a:t>
+              <a:t>9/5/18</a:t>
             </a:fld>
             <a:endParaRPr lang="en-US" dirty="0"/>
           </a:p>
@@ -10308,7 +10220,7 @@
           <a:p>
             <a:fld id="{48A87A34-81AB-432B-8DAE-1953F412C126}" type="datetimeFigureOut">
               <a:rPr lang="en-US" dirty="0"/>
-              <a:t>8/16/2018</a:t>
+              <a:t>9/5/18</a:t>
             </a:fld>
             <a:endParaRPr lang="en-US" dirty="0"/>
           </a:p>
@@ -10398,7 +10310,7 @@
           <a:p>
             <a:fld id="{48A87A34-81AB-432B-8DAE-1953F412C126}" type="datetimeFigureOut">
               <a:rPr lang="en-US" dirty="0"/>
-              <a:t>8/16/2018</a:t>
+              <a:t>9/5/18</a:t>
             </a:fld>
             <a:endParaRPr lang="en-US" dirty="0"/>
           </a:p>
@@ -10642,7 +10554,7 @@
           <a:p>
             <a:fld id="{48A87A34-81AB-432B-8DAE-1953F412C126}" type="datetimeFigureOut">
               <a:rPr lang="en-US" dirty="0"/>
-              <a:t>8/16/2018</a:t>
+              <a:t>9/5/18</a:t>
             </a:fld>
             <a:endParaRPr lang="en-US" dirty="0"/>
           </a:p>
@@ -10917,7 +10829,7 @@
           <a:p>
             <a:fld id="{48A87A34-81AB-432B-8DAE-1953F412C126}" type="datetimeFigureOut">
               <a:rPr lang="en-US" dirty="0"/>
-              <a:t>8/16/2018</a:t>
+              <a:t>9/5/18</a:t>
             </a:fld>
             <a:endParaRPr lang="en-US" dirty="0"/>
           </a:p>
@@ -11035,7 +10947,7 @@
           <a:noFill/>
           <a:extLst>
             <a:ext uri="{909E8E84-426E-40dd-AFC4-6F175D3DCCD1}">
-              <a14:hiddenFill xmlns="" xmlns:a14="http://schemas.microsoft.com/office/drawing/2010/main">
+              <a14:hiddenFill xmlns:a14="http://schemas.microsoft.com/office/drawing/2010/main" xmlns="">
                 <a:solidFill>
                   <a:srgbClr val="FFFFFF"/>
                 </a:solidFill>
@@ -11109,7 +11021,7 @@
               </a:ln>
               <a:extLst>
                 <a:ext uri="{91240B29-F687-4f45-9708-019B960494DF}">
-                  <a14:hiddenLine xmlns="" xmlns:a14="http://schemas.microsoft.com/office/drawing/2010/main" w="9525">
+                  <a14:hiddenLine xmlns:a14="http://schemas.microsoft.com/office/drawing/2010/main" xmlns="" w="9525">
                     <a:solidFill>
                       <a:srgbClr val="000000"/>
                     </a:solidFill>
@@ -11199,7 +11111,7 @@
               </a:ln>
               <a:extLst>
                 <a:ext uri="{91240B29-F687-4f45-9708-019B960494DF}">
-                  <a14:hiddenLine xmlns="" xmlns:a14="http://schemas.microsoft.com/office/drawing/2010/main" w="9525">
+                  <a14:hiddenLine xmlns:a14="http://schemas.microsoft.com/office/drawing/2010/main" xmlns="" w="9525">
                     <a:solidFill>
                       <a:srgbClr val="000000"/>
                     </a:solidFill>
@@ -11289,7 +11201,7 @@
               </a:ln>
               <a:extLst>
                 <a:ext uri="{91240B29-F687-4f45-9708-019B960494DF}">
-                  <a14:hiddenLine xmlns="" xmlns:a14="http://schemas.microsoft.com/office/drawing/2010/main" w="9525">
+                  <a14:hiddenLine xmlns:a14="http://schemas.microsoft.com/office/drawing/2010/main" xmlns="" w="9525">
                     <a:solidFill>
                       <a:srgbClr val="000000"/>
                     </a:solidFill>
@@ -11351,7 +11263,7 @@
               </a:ln>
               <a:extLst>
                 <a:ext uri="{91240B29-F687-4f45-9708-019B960494DF}">
-                  <a14:hiddenLine xmlns="" xmlns:a14="http://schemas.microsoft.com/office/drawing/2010/main" w="9525">
+                  <a14:hiddenLine xmlns:a14="http://schemas.microsoft.com/office/drawing/2010/main" xmlns="" w="9525">
                     <a:solidFill>
                       <a:srgbClr val="000000"/>
                     </a:solidFill>
@@ -11441,7 +11353,7 @@
               </a:ln>
               <a:extLst>
                 <a:ext uri="{91240B29-F687-4f45-9708-019B960494DF}">
-                  <a14:hiddenLine xmlns="" xmlns:a14="http://schemas.microsoft.com/office/drawing/2010/main" w="9525">
+                  <a14:hiddenLine xmlns:a14="http://schemas.microsoft.com/office/drawing/2010/main" xmlns="" w="9525">
                     <a:solidFill>
                       <a:srgbClr val="000000"/>
                     </a:solidFill>
@@ -11503,7 +11415,7 @@
               </a:ln>
               <a:extLst>
                 <a:ext uri="{91240B29-F687-4f45-9708-019B960494DF}">
-                  <a14:hiddenLine xmlns="" xmlns:a14="http://schemas.microsoft.com/office/drawing/2010/main" w="9525">
+                  <a14:hiddenLine xmlns:a14="http://schemas.microsoft.com/office/drawing/2010/main" xmlns="" w="9525">
                     <a:solidFill>
                       <a:srgbClr val="000000"/>
                     </a:solidFill>
@@ -11565,7 +11477,7 @@
               </a:ln>
               <a:extLst>
                 <a:ext uri="{91240B29-F687-4f45-9708-019B960494DF}">
-                  <a14:hiddenLine xmlns="" xmlns:a14="http://schemas.microsoft.com/office/drawing/2010/main" w="9525">
+                  <a14:hiddenLine xmlns:a14="http://schemas.microsoft.com/office/drawing/2010/main" xmlns="" w="9525">
                     <a:solidFill>
                       <a:srgbClr val="000000"/>
                     </a:solidFill>
@@ -11655,7 +11567,7 @@
               </a:ln>
               <a:extLst>
                 <a:ext uri="{91240B29-F687-4f45-9708-019B960494DF}">
-                  <a14:hiddenLine xmlns="" xmlns:a14="http://schemas.microsoft.com/office/drawing/2010/main" w="9525">
+                  <a14:hiddenLine xmlns:a14="http://schemas.microsoft.com/office/drawing/2010/main" xmlns="" w="9525">
                     <a:solidFill>
                       <a:srgbClr val="000000"/>
                     </a:solidFill>
@@ -11745,7 +11657,7 @@
               </a:ln>
               <a:extLst>
                 <a:ext uri="{91240B29-F687-4f45-9708-019B960494DF}">
-                  <a14:hiddenLine xmlns="" xmlns:a14="http://schemas.microsoft.com/office/drawing/2010/main" w="9525">
+                  <a14:hiddenLine xmlns:a14="http://schemas.microsoft.com/office/drawing/2010/main" xmlns="" w="9525">
                     <a:solidFill>
                       <a:srgbClr val="000000"/>
                     </a:solidFill>
@@ -11807,7 +11719,7 @@
               </a:ln>
               <a:extLst>
                 <a:ext uri="{91240B29-F687-4f45-9708-019B960494DF}">
-                  <a14:hiddenLine xmlns="" xmlns:a14="http://schemas.microsoft.com/office/drawing/2010/main" w="9525">
+                  <a14:hiddenLine xmlns:a14="http://schemas.microsoft.com/office/drawing/2010/main" xmlns="" w="9525">
                     <a:solidFill>
                       <a:srgbClr val="000000"/>
                     </a:solidFill>
@@ -11917,7 +11829,7 @@
               </a:ln>
               <a:extLst>
                 <a:ext uri="{91240B29-F687-4f45-9708-019B960494DF}">
-                  <a14:hiddenLine xmlns="" xmlns:a14="http://schemas.microsoft.com/office/drawing/2010/main" w="9525">
+                  <a14:hiddenLine xmlns:a14="http://schemas.microsoft.com/office/drawing/2010/main" xmlns="" w="9525">
                     <a:solidFill>
                       <a:srgbClr val="000000"/>
                     </a:solidFill>
@@ -12001,7 +11913,7 @@
               </a:ln>
               <a:extLst>
                 <a:ext uri="{91240B29-F687-4f45-9708-019B960494DF}">
-                  <a14:hiddenLine xmlns="" xmlns:a14="http://schemas.microsoft.com/office/drawing/2010/main" w="9525">
+                  <a14:hiddenLine xmlns:a14="http://schemas.microsoft.com/office/drawing/2010/main" xmlns="" w="9525">
                     <a:solidFill>
                       <a:srgbClr val="000000"/>
                     </a:solidFill>
@@ -12063,7 +11975,7 @@
               </a:ln>
               <a:extLst>
                 <a:ext uri="{91240B29-F687-4f45-9708-019B960494DF}">
-                  <a14:hiddenLine xmlns="" xmlns:a14="http://schemas.microsoft.com/office/drawing/2010/main" w="9525">
+                  <a14:hiddenLine xmlns:a14="http://schemas.microsoft.com/office/drawing/2010/main" xmlns="" w="9525">
                     <a:solidFill>
                       <a:srgbClr val="000000"/>
                     </a:solidFill>
@@ -12125,7 +12037,7 @@
               </a:ln>
               <a:extLst>
                 <a:ext uri="{91240B29-F687-4f45-9708-019B960494DF}">
-                  <a14:hiddenLine xmlns="" xmlns:a14="http://schemas.microsoft.com/office/drawing/2010/main" w="9525">
+                  <a14:hiddenLine xmlns:a14="http://schemas.microsoft.com/office/drawing/2010/main" xmlns="" w="9525">
                     <a:solidFill>
                       <a:srgbClr val="000000"/>
                     </a:solidFill>
@@ -12215,7 +12127,7 @@
               </a:ln>
               <a:extLst>
                 <a:ext uri="{91240B29-F687-4f45-9708-019B960494DF}">
-                  <a14:hiddenLine xmlns="" xmlns:a14="http://schemas.microsoft.com/office/drawing/2010/main" w="9525">
+                  <a14:hiddenLine xmlns:a14="http://schemas.microsoft.com/office/drawing/2010/main" xmlns="" w="9525">
                     <a:solidFill>
                       <a:srgbClr val="000000"/>
                     </a:solidFill>
@@ -12249,7 +12161,7 @@
               </a:ln>
               <a:extLst>
                 <a:ext uri="{91240B29-F687-4f45-9708-019B960494DF}">
-                  <a14:hiddenLine xmlns="" xmlns:a14="http://schemas.microsoft.com/office/drawing/2010/main" w="9525">
+                  <a14:hiddenLine xmlns:a14="http://schemas.microsoft.com/office/drawing/2010/main" xmlns="" w="9525">
                     <a:solidFill>
                       <a:srgbClr val="000000"/>
                     </a:solidFill>
@@ -12314,7 +12226,7 @@
               </a:ln>
               <a:extLst>
                 <a:ext uri="{91240B29-F687-4f45-9708-019B960494DF}">
-                  <a14:hiddenLine xmlns="" xmlns:a14="http://schemas.microsoft.com/office/drawing/2010/main" w="9525">
+                  <a14:hiddenLine xmlns:a14="http://schemas.microsoft.com/office/drawing/2010/main" xmlns="" w="9525">
                     <a:solidFill>
                       <a:srgbClr val="000000"/>
                     </a:solidFill>
@@ -12404,7 +12316,7 @@
               </a:ln>
               <a:extLst>
                 <a:ext uri="{91240B29-F687-4f45-9708-019B960494DF}">
-                  <a14:hiddenLine xmlns="" xmlns:a14="http://schemas.microsoft.com/office/drawing/2010/main" w="9525">
+                  <a14:hiddenLine xmlns:a14="http://schemas.microsoft.com/office/drawing/2010/main" xmlns="" w="9525">
                     <a:solidFill>
                       <a:srgbClr val="000000"/>
                     </a:solidFill>
@@ -12466,7 +12378,7 @@
               </a:ln>
               <a:extLst>
                 <a:ext uri="{91240B29-F687-4f45-9708-019B960494DF}">
-                  <a14:hiddenLine xmlns="" xmlns:a14="http://schemas.microsoft.com/office/drawing/2010/main" w="9525">
+                  <a14:hiddenLine xmlns:a14="http://schemas.microsoft.com/office/drawing/2010/main" xmlns="" w="9525">
                     <a:solidFill>
                       <a:srgbClr val="000000"/>
                     </a:solidFill>
@@ -12556,7 +12468,7 @@
               </a:ln>
               <a:extLst>
                 <a:ext uri="{91240B29-F687-4f45-9708-019B960494DF}">
-                  <a14:hiddenLine xmlns="" xmlns:a14="http://schemas.microsoft.com/office/drawing/2010/main" w="9525">
+                  <a14:hiddenLine xmlns:a14="http://schemas.microsoft.com/office/drawing/2010/main" xmlns="" w="9525">
                     <a:solidFill>
                       <a:srgbClr val="000000"/>
                     </a:solidFill>
@@ -12621,7 +12533,7 @@
               </a:ln>
               <a:extLst>
                 <a:ext uri="{91240B29-F687-4f45-9708-019B960494DF}">
-                  <a14:hiddenLine xmlns="" xmlns:a14="http://schemas.microsoft.com/office/drawing/2010/main" w="9525">
+                  <a14:hiddenLine xmlns:a14="http://schemas.microsoft.com/office/drawing/2010/main" xmlns="" w="9525">
                     <a:solidFill>
                       <a:srgbClr val="000000"/>
                     </a:solidFill>
@@ -12683,7 +12595,7 @@
               </a:ln>
               <a:extLst>
                 <a:ext uri="{91240B29-F687-4f45-9708-019B960494DF}">
-                  <a14:hiddenLine xmlns="" xmlns:a14="http://schemas.microsoft.com/office/drawing/2010/main" w="9525">
+                  <a14:hiddenLine xmlns:a14="http://schemas.microsoft.com/office/drawing/2010/main" xmlns="" w="9525">
                     <a:solidFill>
                       <a:srgbClr val="000000"/>
                     </a:solidFill>
@@ -12773,7 +12685,7 @@
               </a:ln>
               <a:extLst>
                 <a:ext uri="{91240B29-F687-4f45-9708-019B960494DF}">
-                  <a14:hiddenLine xmlns="" xmlns:a14="http://schemas.microsoft.com/office/drawing/2010/main" w="9525">
+                  <a14:hiddenLine xmlns:a14="http://schemas.microsoft.com/office/drawing/2010/main" xmlns="" w="9525">
                     <a:solidFill>
                       <a:srgbClr val="000000"/>
                     </a:solidFill>
@@ -12863,7 +12775,7 @@
               </a:ln>
               <a:extLst>
                 <a:ext uri="{91240B29-F687-4f45-9708-019B960494DF}">
-                  <a14:hiddenLine xmlns="" xmlns:a14="http://schemas.microsoft.com/office/drawing/2010/main" w="9525">
+                  <a14:hiddenLine xmlns:a14="http://schemas.microsoft.com/office/drawing/2010/main" xmlns="" w="9525">
                     <a:solidFill>
                       <a:srgbClr val="000000"/>
                     </a:solidFill>
@@ -12928,7 +12840,7 @@
               </a:ln>
               <a:extLst>
                 <a:ext uri="{91240B29-F687-4f45-9708-019B960494DF}">
-                  <a14:hiddenLine xmlns="" xmlns:a14="http://schemas.microsoft.com/office/drawing/2010/main" w="9525">
+                  <a14:hiddenLine xmlns:a14="http://schemas.microsoft.com/office/drawing/2010/main" xmlns="" w="9525">
                     <a:solidFill>
                       <a:srgbClr val="000000"/>
                     </a:solidFill>
@@ -13048,7 +12960,7 @@
               </a:ln>
               <a:extLst>
                 <a:ext uri="{91240B29-F687-4f45-9708-019B960494DF}">
-                  <a14:hiddenLine xmlns="" xmlns:a14="http://schemas.microsoft.com/office/drawing/2010/main" w="9525">
+                  <a14:hiddenLine xmlns:a14="http://schemas.microsoft.com/office/drawing/2010/main" xmlns="" w="9525">
                     <a:solidFill>
                       <a:srgbClr val="000000"/>
                     </a:solidFill>
@@ -13129,7 +13041,7 @@
               </a:ln>
               <a:extLst>
                 <a:ext uri="{91240B29-F687-4f45-9708-019B960494DF}">
-                  <a14:hiddenLine xmlns="" xmlns:a14="http://schemas.microsoft.com/office/drawing/2010/main" w="9525">
+                  <a14:hiddenLine xmlns:a14="http://schemas.microsoft.com/office/drawing/2010/main" xmlns="" w="9525">
                     <a:solidFill>
                       <a:srgbClr val="000000"/>
                     </a:solidFill>
@@ -13244,7 +13156,7 @@
               </a:ln>
               <a:extLst>
                 <a:ext uri="{91240B29-F687-4f45-9708-019B960494DF}">
-                  <a14:hiddenLine xmlns="" xmlns:a14="http://schemas.microsoft.com/office/drawing/2010/main" w="9525">
+                  <a14:hiddenLine xmlns:a14="http://schemas.microsoft.com/office/drawing/2010/main" xmlns="" w="9525">
                     <a:solidFill>
                       <a:srgbClr val="000000"/>
                     </a:solidFill>
@@ -13334,7 +13246,7 @@
               </a:ln>
               <a:extLst>
                 <a:ext uri="{91240B29-F687-4f45-9708-019B960494DF}">
-                  <a14:hiddenLine xmlns="" xmlns:a14="http://schemas.microsoft.com/office/drawing/2010/main" w="9525">
+                  <a14:hiddenLine xmlns:a14="http://schemas.microsoft.com/office/drawing/2010/main" xmlns="" w="9525">
                     <a:solidFill>
                       <a:srgbClr val="000000"/>
                     </a:solidFill>
@@ -13399,7 +13311,7 @@
               </a:ln>
               <a:extLst>
                 <a:ext uri="{91240B29-F687-4f45-9708-019B960494DF}">
-                  <a14:hiddenLine xmlns="" xmlns:a14="http://schemas.microsoft.com/office/drawing/2010/main" w="9525">
+                  <a14:hiddenLine xmlns:a14="http://schemas.microsoft.com/office/drawing/2010/main" xmlns="" w="9525">
                     <a:solidFill>
                       <a:srgbClr val="000000"/>
                     </a:solidFill>
@@ -13489,7 +13401,7 @@
               </a:ln>
               <a:extLst>
                 <a:ext uri="{91240B29-F687-4f45-9708-019B960494DF}">
-                  <a14:hiddenLine xmlns="" xmlns:a14="http://schemas.microsoft.com/office/drawing/2010/main" w="9525">
+                  <a14:hiddenLine xmlns:a14="http://schemas.microsoft.com/office/drawing/2010/main" xmlns="" w="9525">
                     <a:solidFill>
                       <a:srgbClr val="000000"/>
                     </a:solidFill>
@@ -13557,7 +13469,7 @@
               </a:ln>
               <a:extLst>
                 <a:ext uri="{91240B29-F687-4f45-9708-019B960494DF}">
-                  <a14:hiddenLine xmlns="" xmlns:a14="http://schemas.microsoft.com/office/drawing/2010/main" w="9525">
+                  <a14:hiddenLine xmlns:a14="http://schemas.microsoft.com/office/drawing/2010/main" xmlns="" w="9525">
                     <a:solidFill>
                       <a:srgbClr val="000000"/>
                     </a:solidFill>
@@ -13647,7 +13559,7 @@
               </a:ln>
               <a:extLst>
                 <a:ext uri="{91240B29-F687-4f45-9708-019B960494DF}">
-                  <a14:hiddenLine xmlns="" xmlns:a14="http://schemas.microsoft.com/office/drawing/2010/main" w="9525">
+                  <a14:hiddenLine xmlns:a14="http://schemas.microsoft.com/office/drawing/2010/main" xmlns="" w="9525">
                     <a:solidFill>
                       <a:srgbClr val="000000"/>
                     </a:solidFill>
@@ -13715,7 +13627,7 @@
               </a:ln>
               <a:extLst>
                 <a:ext uri="{91240B29-F687-4f45-9708-019B960494DF}">
-                  <a14:hiddenLine xmlns="" xmlns:a14="http://schemas.microsoft.com/office/drawing/2010/main" w="9525">
+                  <a14:hiddenLine xmlns:a14="http://schemas.microsoft.com/office/drawing/2010/main" xmlns="" w="9525">
                     <a:solidFill>
                       <a:srgbClr val="000000"/>
                     </a:solidFill>
@@ -13805,7 +13717,7 @@
               </a:ln>
               <a:extLst>
                 <a:ext uri="{91240B29-F687-4f45-9708-019B960494DF}">
-                  <a14:hiddenLine xmlns="" xmlns:a14="http://schemas.microsoft.com/office/drawing/2010/main" w="9525">
+                  <a14:hiddenLine xmlns:a14="http://schemas.microsoft.com/office/drawing/2010/main" xmlns="" w="9525">
                     <a:solidFill>
                       <a:srgbClr val="000000"/>
                     </a:solidFill>
@@ -13839,7 +13751,7 @@
               </a:ln>
               <a:extLst>
                 <a:ext uri="{91240B29-F687-4f45-9708-019B960494DF}">
-                  <a14:hiddenLine xmlns="" xmlns:a14="http://schemas.microsoft.com/office/drawing/2010/main" w="9525">
+                  <a14:hiddenLine xmlns:a14="http://schemas.microsoft.com/office/drawing/2010/main" xmlns="" w="9525">
                     <a:solidFill>
                       <a:srgbClr val="000000"/>
                     </a:solidFill>
@@ -13980,7 +13892,7 @@
             <a:fld id="{48A87A34-81AB-432B-8DAE-1953F412C126}" type="datetimeFigureOut">
               <a:rPr lang="en-US" dirty="0"/>
               <a:pPr/>
-              <a:t>8/16/2018</a:t>
+              <a:t>9/5/18</a:t>
             </a:fld>
             <a:endParaRPr lang="en-US" dirty="0"/>
           </a:p>
@@ -14499,320 +14411,6 @@
           <p:cNvPr id="2" name="Title 1">
             <a:extLst>
               <a:ext uri="{FF2B5EF4-FFF2-40B4-BE49-F238E27FC236}">
-                <a16:creationId xmlns:a16="http://schemas.microsoft.com/office/drawing/2014/main" id="{ECC4DD92-4AD6-4DCE-A988-0EF85B061957}"/>
-              </a:ext>
-            </a:extLst>
-          </p:cNvPr>
-          <p:cNvSpPr>
-            <a:spLocks noGrp="1"/>
-          </p:cNvSpPr>
-          <p:nvPr>
-            <p:ph type="title"/>
-          </p:nvPr>
-        </p:nvSpPr>
-        <p:spPr/>
-        <p:txBody>
-          <a:bodyPr/>
-          <a:lstStyle/>
-          <a:p>
-            <a:r>
-              <a:rPr lang="en-US" dirty="0"/>
-              <a:t>Other Linux Considerations</a:t>
-            </a:r>
-          </a:p>
-        </p:txBody>
-      </p:sp>
-      <p:sp>
-        <p:nvSpPr>
-          <p:cNvPr id="3" name="Content Placeholder 2">
-            <a:extLst>
-              <a:ext uri="{FF2B5EF4-FFF2-40B4-BE49-F238E27FC236}">
-                <a16:creationId xmlns:a16="http://schemas.microsoft.com/office/drawing/2014/main" id="{1F5798DF-13D1-4C39-85E3-9B8E66A09287}"/>
-              </a:ext>
-            </a:extLst>
-          </p:cNvPr>
-          <p:cNvSpPr>
-            <a:spLocks noGrp="1"/>
-          </p:cNvSpPr>
-          <p:nvPr>
-            <p:ph idx="1"/>
-          </p:nvPr>
-        </p:nvSpPr>
-        <p:spPr/>
-        <p:txBody>
-          <a:bodyPr/>
-          <a:lstStyle/>
-          <a:p>
-            <a:r>
-              <a:rPr lang="en-US" dirty="0"/>
-              <a:t>Don’t install components from the SSH console.</a:t>
-            </a:r>
-          </a:p>
-          <a:p>
-            <a:r>
-              <a:rPr lang="en-US" dirty="0"/>
-              <a:t>Don’t implement SSL support into your app.</a:t>
-            </a:r>
-          </a:p>
-          <a:p>
-            <a:r>
-              <a:rPr lang="en-US" dirty="0"/>
-              <a:t>App Settings are injected into the container as environment variables.</a:t>
-            </a:r>
-          </a:p>
-        </p:txBody>
-      </p:sp>
-    </p:spTree>
-    <p:extLst>
-      <p:ext uri="{BB962C8B-B14F-4D97-AF65-F5344CB8AC3E}">
-        <p14:creationId xmlns:p14="http://schemas.microsoft.com/office/powerpoint/2010/main" val="1427398466"/>
-      </p:ext>
-    </p:extLst>
-  </p:cSld>
-  <p:clrMapOvr>
-    <a:masterClrMapping/>
-  </p:clrMapOvr>
-  <p:timing>
-    <p:tnLst>
-      <p:par>
-        <p:cTn id="1" dur="indefinite" restart="never" nodeType="tmRoot">
-          <p:childTnLst>
-            <p:seq concurrent="1" nextAc="seek">
-              <p:cTn id="2" dur="indefinite" nodeType="mainSeq">
-                <p:childTnLst>
-                  <p:par>
-                    <p:cTn id="3" fill="hold">
-                      <p:stCondLst>
-                        <p:cond delay="indefinite"/>
-                      </p:stCondLst>
-                      <p:childTnLst>
-                        <p:par>
-                          <p:cTn id="4" fill="hold">
-                            <p:stCondLst>
-                              <p:cond delay="0"/>
-                            </p:stCondLst>
-                            <p:childTnLst>
-                              <p:par>
-                                <p:cTn id="5" presetID="10" presetClass="entr" presetSubtype="0" fill="hold" grpId="0" nodeType="clickEffect">
-                                  <p:stCondLst>
-                                    <p:cond delay="0"/>
-                                  </p:stCondLst>
-                                  <p:childTnLst>
-                                    <p:set>
-                                      <p:cBhvr>
-                                        <p:cTn id="6" dur="1" fill="hold">
-                                          <p:stCondLst>
-                                            <p:cond delay="0"/>
-                                          </p:stCondLst>
-                                        </p:cTn>
-                                        <p:tgtEl>
-                                          <p:spTgt spid="3">
-                                            <p:txEl>
-                                              <p:pRg st="0" end="0"/>
-                                            </p:txEl>
-                                          </p:spTgt>
-                                        </p:tgtEl>
-                                        <p:attrNameLst>
-                                          <p:attrName>style.visibility</p:attrName>
-                                        </p:attrNameLst>
-                                      </p:cBhvr>
-                                      <p:to>
-                                        <p:strVal val="visible"/>
-                                      </p:to>
-                                    </p:set>
-                                    <p:animEffect transition="in" filter="fade">
-                                      <p:cBhvr>
-                                        <p:cTn id="7" dur="500"/>
-                                        <p:tgtEl>
-                                          <p:spTgt spid="3">
-                                            <p:txEl>
-                                              <p:pRg st="0" end="0"/>
-                                            </p:txEl>
-                                          </p:spTgt>
-                                        </p:tgtEl>
-                                      </p:cBhvr>
-                                    </p:animEffect>
-                                  </p:childTnLst>
-                                </p:cTn>
-                              </p:par>
-                            </p:childTnLst>
-                          </p:cTn>
-                        </p:par>
-                      </p:childTnLst>
-                    </p:cTn>
-                  </p:par>
-                  <p:par>
-                    <p:cTn id="8" fill="hold">
-                      <p:stCondLst>
-                        <p:cond delay="indefinite"/>
-                      </p:stCondLst>
-                      <p:childTnLst>
-                        <p:par>
-                          <p:cTn id="9" fill="hold">
-                            <p:stCondLst>
-                              <p:cond delay="0"/>
-                            </p:stCondLst>
-                            <p:childTnLst>
-                              <p:par>
-                                <p:cTn id="10" presetID="10" presetClass="entr" presetSubtype="0" fill="hold" grpId="0" nodeType="clickEffect">
-                                  <p:stCondLst>
-                                    <p:cond delay="0"/>
-                                  </p:stCondLst>
-                                  <p:childTnLst>
-                                    <p:set>
-                                      <p:cBhvr>
-                                        <p:cTn id="11" dur="1" fill="hold">
-                                          <p:stCondLst>
-                                            <p:cond delay="0"/>
-                                          </p:stCondLst>
-                                        </p:cTn>
-                                        <p:tgtEl>
-                                          <p:spTgt spid="3">
-                                            <p:txEl>
-                                              <p:pRg st="1" end="1"/>
-                                            </p:txEl>
-                                          </p:spTgt>
-                                        </p:tgtEl>
-                                        <p:attrNameLst>
-                                          <p:attrName>style.visibility</p:attrName>
-                                        </p:attrNameLst>
-                                      </p:cBhvr>
-                                      <p:to>
-                                        <p:strVal val="visible"/>
-                                      </p:to>
-                                    </p:set>
-                                    <p:animEffect transition="in" filter="fade">
-                                      <p:cBhvr>
-                                        <p:cTn id="12" dur="500"/>
-                                        <p:tgtEl>
-                                          <p:spTgt spid="3">
-                                            <p:txEl>
-                                              <p:pRg st="1" end="1"/>
-                                            </p:txEl>
-                                          </p:spTgt>
-                                        </p:tgtEl>
-                                      </p:cBhvr>
-                                    </p:animEffect>
-                                  </p:childTnLst>
-                                </p:cTn>
-                              </p:par>
-                            </p:childTnLst>
-                          </p:cTn>
-                        </p:par>
-                      </p:childTnLst>
-                    </p:cTn>
-                  </p:par>
-                  <p:par>
-                    <p:cTn id="13" fill="hold">
-                      <p:stCondLst>
-                        <p:cond delay="indefinite"/>
-                      </p:stCondLst>
-                      <p:childTnLst>
-                        <p:par>
-                          <p:cTn id="14" fill="hold">
-                            <p:stCondLst>
-                              <p:cond delay="0"/>
-                            </p:stCondLst>
-                            <p:childTnLst>
-                              <p:par>
-                                <p:cTn id="15" presetID="10" presetClass="entr" presetSubtype="0" fill="hold" grpId="0" nodeType="clickEffect">
-                                  <p:stCondLst>
-                                    <p:cond delay="0"/>
-                                  </p:stCondLst>
-                                  <p:childTnLst>
-                                    <p:set>
-                                      <p:cBhvr>
-                                        <p:cTn id="16" dur="1" fill="hold">
-                                          <p:stCondLst>
-                                            <p:cond delay="0"/>
-                                          </p:stCondLst>
-                                        </p:cTn>
-                                        <p:tgtEl>
-                                          <p:spTgt spid="3">
-                                            <p:txEl>
-                                              <p:pRg st="2" end="2"/>
-                                            </p:txEl>
-                                          </p:spTgt>
-                                        </p:tgtEl>
-                                        <p:attrNameLst>
-                                          <p:attrName>style.visibility</p:attrName>
-                                        </p:attrNameLst>
-                                      </p:cBhvr>
-                                      <p:to>
-                                        <p:strVal val="visible"/>
-                                      </p:to>
-                                    </p:set>
-                                    <p:animEffect transition="in" filter="fade">
-                                      <p:cBhvr>
-                                        <p:cTn id="17" dur="500"/>
-                                        <p:tgtEl>
-                                          <p:spTgt spid="3">
-                                            <p:txEl>
-                                              <p:pRg st="2" end="2"/>
-                                            </p:txEl>
-                                          </p:spTgt>
-                                        </p:tgtEl>
-                                      </p:cBhvr>
-                                    </p:animEffect>
-                                  </p:childTnLst>
-                                </p:cTn>
-                              </p:par>
-                            </p:childTnLst>
-                          </p:cTn>
-                        </p:par>
-                      </p:childTnLst>
-                    </p:cTn>
-                  </p:par>
-                </p:childTnLst>
-              </p:cTn>
-              <p:prevCondLst>
-                <p:cond evt="onPrev" delay="0">
-                  <p:tgtEl>
-                    <p:sldTgt/>
-                  </p:tgtEl>
-                </p:cond>
-              </p:prevCondLst>
-              <p:nextCondLst>
-                <p:cond evt="onNext" delay="0">
-                  <p:tgtEl>
-                    <p:sldTgt/>
-                  </p:tgtEl>
-                </p:cond>
-              </p:nextCondLst>
-            </p:seq>
-          </p:childTnLst>
-        </p:cTn>
-      </p:par>
-    </p:tnLst>
-    <p:bldLst>
-      <p:bldP spid="3" grpId="0" build="p"/>
-    </p:bldLst>
-  </p:timing>
-</p:sld>
-</file>
-
-<file path=ppt/slides/slide11.xml><?xml version="1.0" encoding="utf-8"?>
-<p:sld xmlns:a="http://schemas.openxmlformats.org/drawingml/2006/main" xmlns:r="http://schemas.openxmlformats.org/officeDocument/2006/relationships" xmlns:p="http://schemas.openxmlformats.org/presentationml/2006/main">
-  <p:cSld>
-    <p:spTree>
-      <p:nvGrpSpPr>
-        <p:cNvPr id="1" name=""/>
-        <p:cNvGrpSpPr/>
-        <p:nvPr/>
-      </p:nvGrpSpPr>
-      <p:grpSpPr>
-        <a:xfrm>
-          <a:off x="0" y="0"/>
-          <a:ext cx="0" cy="0"/>
-          <a:chOff x="0" y="0"/>
-          <a:chExt cx="0" cy="0"/>
-        </a:xfrm>
-      </p:grpSpPr>
-      <p:sp>
-        <p:nvSpPr>
-          <p:cNvPr id="2" name="Title 1">
-            <a:extLst>
-              <a:ext uri="{FF2B5EF4-FFF2-40B4-BE49-F238E27FC236}">
                 <a16:creationId xmlns:a16="http://schemas.microsoft.com/office/drawing/2014/main" id="{32983251-82FC-49D3-A6E0-DD1EE00C67A5}"/>
               </a:ext>
             </a:extLst>
@@ -14908,7 +14506,7 @@
             </a:pPr>
             <a:r>
               <a:rPr lang="en-US" dirty="0" err="1"/>
-              <a:t>Image:tag</a:t>
+              <a:t>image:tag</a:t>
             </a:r>
             <a:r>
               <a:rPr lang="en-US" dirty="0"/>
@@ -15237,6 +14835,124 @@
 </p:sld>
 </file>
 
+<file path=ppt/slides/slide11.xml><?xml version="1.0" encoding="utf-8"?>
+<p:sld xmlns:a="http://schemas.openxmlformats.org/drawingml/2006/main" xmlns:r="http://schemas.openxmlformats.org/officeDocument/2006/relationships" xmlns:p="http://schemas.openxmlformats.org/presentationml/2006/main">
+  <p:cSld>
+    <p:spTree>
+      <p:nvGrpSpPr>
+        <p:cNvPr id="1" name=""/>
+        <p:cNvGrpSpPr/>
+        <p:nvPr/>
+      </p:nvGrpSpPr>
+      <p:grpSpPr>
+        <a:xfrm>
+          <a:off x="0" y="0"/>
+          <a:ext cx="0" cy="0"/>
+          <a:chOff x="0" y="0"/>
+          <a:chExt cx="0" cy="0"/>
+        </a:xfrm>
+      </p:grpSpPr>
+      <p:sp>
+        <p:nvSpPr>
+          <p:cNvPr id="2" name="Title 1">
+            <a:extLst>
+              <a:ext uri="{FF2B5EF4-FFF2-40B4-BE49-F238E27FC236}">
+                <a16:creationId xmlns:a16="http://schemas.microsoft.com/office/drawing/2014/main" id="{F95CB09A-A5CD-DC49-BABB-E111885A6A23}"/>
+              </a:ext>
+            </a:extLst>
+          </p:cNvPr>
+          <p:cNvSpPr>
+            <a:spLocks noGrp="1"/>
+          </p:cNvSpPr>
+          <p:nvPr>
+            <p:ph type="title"/>
+          </p:nvPr>
+        </p:nvSpPr>
+        <p:spPr/>
+        <p:txBody>
+          <a:bodyPr/>
+          <a:lstStyle/>
+          <a:p>
+            <a:r>
+              <a:rPr lang="en-US" dirty="0"/>
+              <a:t>Multi-Containers</a:t>
+            </a:r>
+          </a:p>
+        </p:txBody>
+      </p:sp>
+      <p:sp>
+        <p:nvSpPr>
+          <p:cNvPr id="3" name="Content Placeholder 2">
+            <a:extLst>
+              <a:ext uri="{FF2B5EF4-FFF2-40B4-BE49-F238E27FC236}">
+                <a16:creationId xmlns:a16="http://schemas.microsoft.com/office/drawing/2014/main" id="{A18736E7-FFC3-C649-BCCB-FD4E2C1B2A33}"/>
+              </a:ext>
+            </a:extLst>
+          </p:cNvPr>
+          <p:cNvSpPr>
+            <a:spLocks noGrp="1"/>
+          </p:cNvSpPr>
+          <p:nvPr>
+            <p:ph idx="1"/>
+          </p:nvPr>
+        </p:nvSpPr>
+        <p:spPr/>
+        <p:txBody>
+          <a:bodyPr/>
+          <a:lstStyle/>
+          <a:p>
+            <a:r>
+              <a:rPr lang="en-US" dirty="0"/>
+              <a:t>Makes it easy to create an app based on more than one Docker image.</a:t>
+            </a:r>
+          </a:p>
+          <a:p>
+            <a:r>
+              <a:rPr lang="en-US" dirty="0"/>
+              <a:t>Example:</a:t>
+            </a:r>
+          </a:p>
+          <a:p>
+            <a:pPr lvl="1"/>
+            <a:r>
+              <a:rPr lang="en-US" dirty="0"/>
+              <a:t>One image that runs PHP for a WordPress app.</a:t>
+            </a:r>
+          </a:p>
+          <a:p>
+            <a:pPr lvl="1"/>
+            <a:r>
+              <a:rPr lang="en-US" dirty="0"/>
+              <a:t>Another image that runs a caching component.</a:t>
+            </a:r>
+          </a:p>
+          <a:p>
+            <a:r>
+              <a:rPr lang="en-US" dirty="0"/>
+              <a:t>Created using a YAML-formatted config file pasted into the portal.</a:t>
+            </a:r>
+          </a:p>
+          <a:p>
+            <a:r>
+              <a:rPr lang="en-US" dirty="0"/>
+              <a:t>Each container shares a network and storage volumes. </a:t>
+            </a:r>
+          </a:p>
+        </p:txBody>
+      </p:sp>
+    </p:spTree>
+    <p:extLst>
+      <p:ext uri="{BB962C8B-B14F-4D97-AF65-F5344CB8AC3E}">
+        <p14:creationId xmlns:p14="http://schemas.microsoft.com/office/powerpoint/2010/main" val="354872526"/>
+      </p:ext>
+    </p:extLst>
+  </p:cSld>
+  <p:clrMapOvr>
+    <a:masterClrMapping/>
+  </p:clrMapOvr>
+</p:sld>
+</file>
+
 <file path=ppt/slides/slide12.xml><?xml version="1.0" encoding="utf-8"?>
 <p:sld xmlns:a="http://schemas.openxmlformats.org/drawingml/2006/main" xmlns:r="http://schemas.openxmlformats.org/officeDocument/2006/relationships" xmlns:p="http://schemas.openxmlformats.org/presentationml/2006/main">
   <p:cSld>
@@ -15277,7 +14993,7 @@
           <a:p>
             <a:r>
               <a:rPr lang="en-US" dirty="0"/>
-              <a:t>Multi-Containers</a:t>
+              <a:t>Multi-Containers - Requirements</a:t>
             </a:r>
           </a:p>
         </p:txBody>
@@ -16248,8 +15964,8 @@
         </p:nvSpPr>
         <p:spPr>
           <a:xfrm>
-            <a:off x="6262255" y="1969813"/>
-            <a:ext cx="4488872" cy="3693319"/>
+            <a:off x="6262254" y="1969813"/>
+            <a:ext cx="5302133" cy="3693319"/>
           </a:xfrm>
           <a:prstGeom prst="rect">
             <a:avLst/>
@@ -16268,6 +15984,12 @@
           <a:lstStyle/>
           <a:p>
             <a:r>
+              <a:rPr lang="en-US" dirty="0">
+                <a:latin typeface="Consolas" panose="020B0609020204030204" pitchFamily="49" charset="0"/>
+              </a:rPr>
+              <a:t>  </a:t>
+            </a:r>
+            <a:r>
               <a:rPr lang="en-US" dirty="0" err="1">
                 <a:latin typeface="Consolas" panose="020B0609020204030204" pitchFamily="49" charset="0"/>
               </a:rPr>
@@ -16372,6 +16094,11 @@
             </a:endParaRPr>
           </a:p>
           <a:p>
+            <a:endParaRPr lang="en-US" dirty="0">
+              <a:latin typeface="Consolas" panose="020B0609020204030204" pitchFamily="49" charset="0"/>
+            </a:endParaRPr>
+          </a:p>
+          <a:p>
             <a:r>
               <a:rPr lang="en-US" dirty="0">
                 <a:latin typeface="Consolas" panose="020B0609020204030204" pitchFamily="49" charset="0"/>
@@ -16398,6 +16125,8 @@
               </a:rPr>
               <a:t>:</a:t>
             </a:r>
+          </a:p>
+          <a:p>
             <a:endParaRPr lang="en-US" dirty="0"/>
           </a:p>
         </p:txBody>
@@ -17141,8 +16870,8 @@
         </p:nvSpPr>
         <p:spPr>
           <a:xfrm>
-            <a:off x="624436" y="1969814"/>
-            <a:ext cx="4607040" cy="4116640"/>
+            <a:off x="993212" y="1765275"/>
+            <a:ext cx="5028993" cy="4498283"/>
           </a:xfrm>
           <a:prstGeom prst="rect">
             <a:avLst/>
@@ -17354,8 +17083,27 @@
                 <a:ea typeface="Calibri" panose="020F0502020204030204" pitchFamily="34" charset="0"/>
                 <a:cs typeface="Times New Roman" panose="02020603050405020304" pitchFamily="18" charset="0"/>
               </a:rPr>
-              <a:t>   - image: redis:3-alpine</a:t>
-            </a:r>
+              <a:t>    - name: </a:t>
+            </a:r>
+            <a:r>
+              <a:rPr lang="en-US" dirty="0" err="1">
+                <a:solidFill>
+                  <a:srgbClr val="FFFFFF"/>
+                </a:solidFill>
+                <a:latin typeface="Consolas" panose="020B0609020204030204" pitchFamily="49" charset="0"/>
+                <a:ea typeface="Calibri" panose="020F0502020204030204" pitchFamily="34" charset="0"/>
+                <a:cs typeface="Times New Roman" panose="02020603050405020304" pitchFamily="18" charset="0"/>
+              </a:rPr>
+              <a:t>redis</a:t>
+            </a:r>
+            <a:endParaRPr lang="en-US" dirty="0">
+              <a:solidFill>
+                <a:srgbClr val="FFFFFF"/>
+              </a:solidFill>
+              <a:latin typeface="Consolas" panose="020B0609020204030204" pitchFamily="49" charset="0"/>
+              <a:ea typeface="Calibri" panose="020F0502020204030204" pitchFamily="34" charset="0"/>
+              <a:cs typeface="Times New Roman" panose="02020603050405020304" pitchFamily="18" charset="0"/>
+            </a:endParaRPr>
           </a:p>
           <a:p>
             <a:pPr>
@@ -17378,27 +17126,8 @@
                 <a:ea typeface="Calibri" panose="020F0502020204030204" pitchFamily="34" charset="0"/>
                 <a:cs typeface="Times New Roman" panose="02020603050405020304" pitchFamily="18" charset="0"/>
               </a:rPr>
-              <a:t>     name: </a:t>
-            </a:r>
-            <a:r>
-              <a:rPr lang="en-US" dirty="0" err="1">
-                <a:solidFill>
-                  <a:srgbClr val="FFFFFF"/>
-                </a:solidFill>
-                <a:latin typeface="Consolas" panose="020B0609020204030204" pitchFamily="49" charset="0"/>
-                <a:ea typeface="Calibri" panose="020F0502020204030204" pitchFamily="34" charset="0"/>
-                <a:cs typeface="Times New Roman" panose="02020603050405020304" pitchFamily="18" charset="0"/>
-              </a:rPr>
-              <a:t>redis</a:t>
-            </a:r>
-            <a:endParaRPr lang="en-US" dirty="0">
-              <a:solidFill>
-                <a:srgbClr val="FFFFFF"/>
-              </a:solidFill>
-              <a:latin typeface="Consolas" panose="020B0609020204030204" pitchFamily="49" charset="0"/>
-              <a:ea typeface="Calibri" panose="020F0502020204030204" pitchFamily="34" charset="0"/>
-              <a:cs typeface="Times New Roman" panose="02020603050405020304" pitchFamily="18" charset="0"/>
-            </a:endParaRPr>
+              <a:t>      image: redis:3-alpine</a:t>
+            </a:r>
           </a:p>
           <a:p>
             <a:pPr>
@@ -17421,7 +17150,7 @@
                 <a:ea typeface="Calibri" panose="020F0502020204030204" pitchFamily="34" charset="0"/>
                 <a:cs typeface="Times New Roman" panose="02020603050405020304" pitchFamily="18" charset="0"/>
               </a:rPr>
-              <a:t>   - image: </a:t>
+              <a:t>    - name: </a:t>
             </a:r>
             <a:r>
               <a:rPr lang="en-US" dirty="0" err="1">
@@ -17432,7 +17161,7 @@
                 <a:ea typeface="Calibri" panose="020F0502020204030204" pitchFamily="34" charset="0"/>
                 <a:cs typeface="Times New Roman" panose="02020603050405020304" pitchFamily="18" charset="0"/>
               </a:rPr>
-              <a:t>microsoft</a:t>
+              <a:t>wordpress</a:t>
             </a:r>
             <a:r>
               <a:rPr lang="en-US" dirty="0">
@@ -17443,27 +17172,8 @@
                 <a:ea typeface="Calibri" panose="020F0502020204030204" pitchFamily="34" charset="0"/>
                 <a:cs typeface="Times New Roman" panose="02020603050405020304" pitchFamily="18" charset="0"/>
               </a:rPr>
-              <a:t>/</a:t>
-            </a:r>
-            <a:r>
-              <a:rPr lang="en-US" dirty="0" err="1">
-                <a:solidFill>
-                  <a:srgbClr val="FFFFFF"/>
-                </a:solidFill>
-                <a:latin typeface="Consolas" panose="020B0609020204030204" pitchFamily="49" charset="0"/>
-                <a:ea typeface="Calibri" panose="020F0502020204030204" pitchFamily="34" charset="0"/>
-                <a:cs typeface="Times New Roman" panose="02020603050405020304" pitchFamily="18" charset="0"/>
-              </a:rPr>
-              <a:t>multicontainerwordpress</a:t>
-            </a:r>
-            <a:endParaRPr lang="en-US" dirty="0">
-              <a:solidFill>
-                <a:srgbClr val="FFFFFF"/>
-              </a:solidFill>
-              <a:latin typeface="Consolas" panose="020B0609020204030204" pitchFamily="49" charset="0"/>
-              <a:ea typeface="Calibri" panose="020F0502020204030204" pitchFamily="34" charset="0"/>
-              <a:cs typeface="Times New Roman" panose="02020603050405020304" pitchFamily="18" charset="0"/>
-            </a:endParaRPr>
+              <a:t> </a:t>
+            </a:r>
           </a:p>
           <a:p>
             <a:pPr>
@@ -17486,7 +17196,7 @@
                 <a:ea typeface="Calibri" panose="020F0502020204030204" pitchFamily="34" charset="0"/>
                 <a:cs typeface="Times New Roman" panose="02020603050405020304" pitchFamily="18" charset="0"/>
               </a:rPr>
-              <a:t>     name: </a:t>
+              <a:t>      image: </a:t>
             </a:r>
             <a:r>
               <a:rPr lang="en-US" dirty="0" err="1">
@@ -17497,7 +17207,29 @@
                 <a:ea typeface="Calibri" panose="020F0502020204030204" pitchFamily="34" charset="0"/>
                 <a:cs typeface="Times New Roman" panose="02020603050405020304" pitchFamily="18" charset="0"/>
               </a:rPr>
-              <a:t>wordpress</a:t>
+              <a:t>microsoft</a:t>
+            </a:r>
+            <a:r>
+              <a:rPr lang="en-US" dirty="0">
+                <a:solidFill>
+                  <a:srgbClr val="FFFFFF"/>
+                </a:solidFill>
+                <a:latin typeface="Consolas" panose="020B0609020204030204" pitchFamily="49" charset="0"/>
+                <a:ea typeface="Calibri" panose="020F0502020204030204" pitchFamily="34" charset="0"/>
+                <a:cs typeface="Times New Roman" panose="02020603050405020304" pitchFamily="18" charset="0"/>
+              </a:rPr>
+              <a:t>/</a:t>
+            </a:r>
+            <a:r>
+              <a:rPr lang="en-US" dirty="0" err="1">
+                <a:solidFill>
+                  <a:srgbClr val="FFFFFF"/>
+                </a:solidFill>
+                <a:latin typeface="Consolas" panose="020B0609020204030204" pitchFamily="49" charset="0"/>
+                <a:ea typeface="Calibri" panose="020F0502020204030204" pitchFamily="34" charset="0"/>
+                <a:cs typeface="Times New Roman" panose="02020603050405020304" pitchFamily="18" charset="0"/>
+              </a:rPr>
+              <a:t>multiwordpress</a:t>
             </a:r>
             <a:endParaRPr lang="en-US" dirty="0">
               <a:solidFill>
@@ -17507,6 +17239,76 @@
               <a:ea typeface="Calibri" panose="020F0502020204030204" pitchFamily="34" charset="0"/>
               <a:cs typeface="Times New Roman" panose="02020603050405020304" pitchFamily="18" charset="0"/>
             </a:endParaRPr>
+          </a:p>
+          <a:p>
+            <a:pPr>
+              <a:lnSpc>
+                <a:spcPct val="110000"/>
+              </a:lnSpc>
+              <a:spcAft>
+                <a:spcPts val="300"/>
+              </a:spcAft>
+              <a:tabLst>
+                <a:tab pos="228600" algn="l"/>
+              </a:tabLst>
+            </a:pPr>
+            <a:r>
+              <a:rPr lang="en-US" dirty="0">
+                <a:solidFill>
+                  <a:srgbClr val="FFFFFF"/>
+                </a:solidFill>
+                <a:latin typeface="Consolas" panose="020B0609020204030204" pitchFamily="49" charset="0"/>
+                <a:ea typeface="Calibri" panose="020F0502020204030204" pitchFamily="34" charset="0"/>
+                <a:cs typeface="Times New Roman" panose="02020603050405020304" pitchFamily="18" charset="0"/>
+              </a:rPr>
+              <a:t>      ports: </a:t>
+            </a:r>
+          </a:p>
+          <a:p>
+            <a:pPr>
+              <a:lnSpc>
+                <a:spcPct val="110000"/>
+              </a:lnSpc>
+              <a:spcAft>
+                <a:spcPts val="300"/>
+              </a:spcAft>
+              <a:tabLst>
+                <a:tab pos="228600" algn="l"/>
+              </a:tabLst>
+            </a:pPr>
+            <a:r>
+              <a:rPr lang="en-US" dirty="0">
+                <a:solidFill>
+                  <a:srgbClr val="FFFFFF"/>
+                </a:solidFill>
+                <a:latin typeface="Consolas" panose="020B0609020204030204" pitchFamily="49" charset="0"/>
+                <a:ea typeface="Calibri" panose="020F0502020204030204" pitchFamily="34" charset="0"/>
+                <a:cs typeface="Times New Roman" panose="02020603050405020304" pitchFamily="18" charset="0"/>
+              </a:rPr>
+              <a:t>       - </a:t>
+            </a:r>
+            <a:r>
+              <a:rPr lang="en-US" dirty="0" err="1">
+                <a:solidFill>
+                  <a:srgbClr val="FFFFFF"/>
+                </a:solidFill>
+                <a:latin typeface="Consolas" panose="020B0609020204030204" pitchFamily="49" charset="0"/>
+                <a:ea typeface="Calibri" panose="020F0502020204030204" pitchFamily="34" charset="0"/>
+                <a:cs typeface="Times New Roman" panose="02020603050405020304" pitchFamily="18" charset="0"/>
+              </a:rPr>
+              <a:t>containerPort</a:t>
+            </a:r>
+            <a:r>
+              <a:rPr lang="en-US" dirty="0">
+                <a:solidFill>
+                  <a:srgbClr val="FFFFFF"/>
+                </a:solidFill>
+                <a:latin typeface="Consolas" panose="020B0609020204030204" pitchFamily="49" charset="0"/>
+                <a:ea typeface="Calibri" panose="020F0502020204030204" pitchFamily="34" charset="0"/>
+                <a:cs typeface="Times New Roman" panose="02020603050405020304" pitchFamily="18" charset="0"/>
+              </a:rPr>
+              <a:t>: 80</a:t>
+            </a:r>
           </a:p>
           <a:p>
             <a:pPr>
@@ -17548,8 +17350,8 @@
         </p:nvSpPr>
         <p:spPr>
           <a:xfrm>
-            <a:off x="5491941" y="1969814"/>
-            <a:ext cx="5275811" cy="2862322"/>
+            <a:off x="6147436" y="1765275"/>
+            <a:ext cx="5378815" cy="4524315"/>
           </a:xfrm>
           <a:prstGeom prst="rect">
             <a:avLst/>
@@ -17567,6 +17369,24 @@
           </a:bodyPr>
           <a:lstStyle/>
           <a:p>
+            <a:endParaRPr lang="en-US" dirty="0">
+              <a:solidFill>
+                <a:srgbClr val="FFFFFF"/>
+              </a:solidFill>
+              <a:latin typeface="Consolas" panose="020B0609020204030204" pitchFamily="49" charset="0"/>
+              <a:cs typeface="Times New Roman" panose="02020603050405020304" pitchFamily="18" charset="0"/>
+            </a:endParaRPr>
+          </a:p>
+          <a:p>
+            <a:endParaRPr lang="en-US" dirty="0">
+              <a:solidFill>
+                <a:srgbClr val="FFFFFF"/>
+              </a:solidFill>
+              <a:latin typeface="Consolas" panose="020B0609020204030204" pitchFamily="49" charset="0"/>
+              <a:cs typeface="Times New Roman" panose="02020603050405020304" pitchFamily="18" charset="0"/>
+            </a:endParaRPr>
+          </a:p>
+          <a:p>
             <a:r>
               <a:rPr lang="en-US" dirty="0">
                 <a:solidFill>
@@ -17575,7 +17395,61 @@
                 <a:latin typeface="Consolas" panose="020B0609020204030204" pitchFamily="49" charset="0"/>
                 <a:cs typeface="Times New Roman" panose="02020603050405020304" pitchFamily="18" charset="0"/>
               </a:rPr>
+              <a:t>   </a:t>
+            </a:r>
+            <a:r>
+              <a:rPr lang="en-US" dirty="0">
+                <a:solidFill>
+                  <a:schemeClr val="bg1">
+                    <a:lumMod val="65000"/>
+                    <a:lumOff val="35000"/>
+                  </a:schemeClr>
+                </a:solidFill>
+                <a:latin typeface="Consolas" panose="020B0609020204030204" pitchFamily="49" charset="0"/>
+                <a:cs typeface="Times New Roman" panose="02020603050405020304" pitchFamily="18" charset="0"/>
+              </a:rPr>
               <a:t>ports:</a:t>
+            </a:r>
+          </a:p>
+          <a:p>
+            <a:r>
+              <a:rPr lang="en-US" dirty="0">
+                <a:solidFill>
+                  <a:schemeClr val="bg1">
+                    <a:lumMod val="65000"/>
+                    <a:lumOff val="35000"/>
+                  </a:schemeClr>
+                </a:solidFill>
+                <a:latin typeface="Consolas" panose="020B0609020204030204" pitchFamily="49" charset="0"/>
+                <a:cs typeface="Times New Roman" panose="02020603050405020304" pitchFamily="18" charset="0"/>
+              </a:rPr>
+              <a:t>     -</a:t>
+            </a:r>
+            <a:r>
+              <a:rPr lang="en-US" dirty="0" err="1">
+                <a:solidFill>
+                  <a:schemeClr val="bg1">
+                    <a:lumMod val="65000"/>
+                    <a:lumOff val="35000"/>
+                  </a:schemeClr>
+                </a:solidFill>
+                <a:latin typeface="Consolas" panose="020B0609020204030204" pitchFamily="49" charset="0"/>
+                <a:cs typeface="Times New Roman" panose="02020603050405020304" pitchFamily="18" charset="0"/>
+              </a:rPr>
+              <a:t>containerPort</a:t>
+            </a:r>
+            <a:r>
+              <a:rPr lang="en-US" dirty="0">
+                <a:solidFill>
+                  <a:schemeClr val="bg1">
+                    <a:lumMod val="65000"/>
+                    <a:lumOff val="35000"/>
+                  </a:schemeClr>
+                </a:solidFill>
+                <a:latin typeface="Consolas" panose="020B0609020204030204" pitchFamily="49" charset="0"/>
+                <a:cs typeface="Times New Roman" panose="02020603050405020304" pitchFamily="18" charset="0"/>
+              </a:rPr>
+              <a:t>: 80   </a:t>
             </a:r>
           </a:p>
           <a:p>
@@ -17587,7 +17461,7 @@
                 <a:latin typeface="Consolas" panose="020B0609020204030204" pitchFamily="49" charset="0"/>
                 <a:cs typeface="Times New Roman" panose="02020603050405020304" pitchFamily="18" charset="0"/>
               </a:rPr>
-              <a:t>     - </a:t>
+              <a:t>   </a:t>
             </a:r>
             <a:r>
               <a:rPr lang="en-US" dirty="0" err="1">
@@ -17597,7 +17471,7 @@
                 <a:latin typeface="Consolas" panose="020B0609020204030204" pitchFamily="49" charset="0"/>
                 <a:cs typeface="Times New Roman" panose="02020603050405020304" pitchFamily="18" charset="0"/>
               </a:rPr>
-              <a:t>containerPort</a:t>
+              <a:t>volumeMounts</a:t>
             </a:r>
             <a:r>
               <a:rPr lang="en-US" dirty="0">
@@ -17607,7 +17481,164 @@
                 <a:latin typeface="Consolas" panose="020B0609020204030204" pitchFamily="49" charset="0"/>
                 <a:cs typeface="Times New Roman" panose="02020603050405020304" pitchFamily="18" charset="0"/>
               </a:rPr>
-              <a:t>: 80</a:t>
+              <a:t>:</a:t>
+            </a:r>
+          </a:p>
+          <a:p>
+            <a:r>
+              <a:rPr lang="en-US" dirty="0">
+                <a:solidFill>
+                  <a:srgbClr val="FFFFFF"/>
+                </a:solidFill>
+                <a:latin typeface="Consolas" panose="020B0609020204030204" pitchFamily="49" charset="0"/>
+                <a:cs typeface="Times New Roman" panose="02020603050405020304" pitchFamily="18" charset="0"/>
+              </a:rPr>
+              <a:t>     - name: </a:t>
+            </a:r>
+            <a:r>
+              <a:rPr lang="en-US" dirty="0" err="1">
+                <a:solidFill>
+                  <a:srgbClr val="FFFFFF"/>
+                </a:solidFill>
+                <a:latin typeface="Consolas" panose="020B0609020204030204" pitchFamily="49" charset="0"/>
+                <a:cs typeface="Times New Roman" panose="02020603050405020304" pitchFamily="18" charset="0"/>
+              </a:rPr>
+              <a:t>appservice</a:t>
+            </a:r>
+            <a:r>
+              <a:rPr lang="en-US" dirty="0">
+                <a:solidFill>
+                  <a:srgbClr val="FFFFFF"/>
+                </a:solidFill>
+                <a:latin typeface="Consolas" panose="020B0609020204030204" pitchFamily="49" charset="0"/>
+                <a:cs typeface="Times New Roman" panose="02020603050405020304" pitchFamily="18" charset="0"/>
+              </a:rPr>
+              <a:t>-storage</a:t>
+            </a:r>
+          </a:p>
+          <a:p>
+            <a:r>
+              <a:rPr lang="en-US" dirty="0">
+                <a:solidFill>
+                  <a:srgbClr val="FFFFFF"/>
+                </a:solidFill>
+                <a:latin typeface="Consolas" panose="020B0609020204030204" pitchFamily="49" charset="0"/>
+                <a:cs typeface="Times New Roman" panose="02020603050405020304" pitchFamily="18" charset="0"/>
+              </a:rPr>
+              <a:t>       </a:t>
+            </a:r>
+            <a:r>
+              <a:rPr lang="en-US" dirty="0" err="1">
+                <a:solidFill>
+                  <a:srgbClr val="FFFFFF"/>
+                </a:solidFill>
+                <a:latin typeface="Consolas" panose="020B0609020204030204" pitchFamily="49" charset="0"/>
+                <a:cs typeface="Times New Roman" panose="02020603050405020304" pitchFamily="18" charset="0"/>
+              </a:rPr>
+              <a:t>mountPath</a:t>
+            </a:r>
+            <a:r>
+              <a:rPr lang="en-US" dirty="0">
+                <a:solidFill>
+                  <a:srgbClr val="FFFFFF"/>
+                </a:solidFill>
+                <a:latin typeface="Consolas" panose="020B0609020204030204" pitchFamily="49" charset="0"/>
+                <a:cs typeface="Times New Roman" panose="02020603050405020304" pitchFamily="18" charset="0"/>
+              </a:rPr>
+              <a:t>: /var/www/html</a:t>
+            </a:r>
+          </a:p>
+          <a:p>
+            <a:r>
+              <a:rPr lang="en-US" dirty="0">
+                <a:solidFill>
+                  <a:srgbClr val="FFFFFF"/>
+                </a:solidFill>
+                <a:latin typeface="Consolas" panose="020B0609020204030204" pitchFamily="49" charset="0"/>
+                <a:cs typeface="Times New Roman" panose="02020603050405020304" pitchFamily="18" charset="0"/>
+              </a:rPr>
+              <a:t>       </a:t>
+            </a:r>
+            <a:r>
+              <a:rPr lang="en-US" dirty="0" err="1">
+                <a:solidFill>
+                  <a:srgbClr val="FFFFFF"/>
+                </a:solidFill>
+                <a:latin typeface="Consolas" panose="020B0609020204030204" pitchFamily="49" charset="0"/>
+                <a:cs typeface="Times New Roman" panose="02020603050405020304" pitchFamily="18" charset="0"/>
+              </a:rPr>
+              <a:t>subPath</a:t>
+            </a:r>
+            <a:r>
+              <a:rPr lang="en-US" dirty="0">
+                <a:solidFill>
+                  <a:srgbClr val="FFFFFF"/>
+                </a:solidFill>
+                <a:latin typeface="Consolas" panose="020B0609020204030204" pitchFamily="49" charset="0"/>
+                <a:cs typeface="Times New Roman" panose="02020603050405020304" pitchFamily="18" charset="0"/>
+              </a:rPr>
+              <a:t>: /site/</a:t>
+            </a:r>
+            <a:r>
+              <a:rPr lang="en-US" dirty="0" err="1">
+                <a:solidFill>
+                  <a:srgbClr val="FFFFFF"/>
+                </a:solidFill>
+                <a:latin typeface="Consolas" panose="020B0609020204030204" pitchFamily="49" charset="0"/>
+                <a:cs typeface="Times New Roman" panose="02020603050405020304" pitchFamily="18" charset="0"/>
+              </a:rPr>
+              <a:t>wwwroot</a:t>
+            </a:r>
+            <a:endParaRPr lang="en-US" dirty="0">
+              <a:solidFill>
+                <a:srgbClr val="FFFFFF"/>
+              </a:solidFill>
+              <a:latin typeface="Consolas" panose="020B0609020204030204" pitchFamily="49" charset="0"/>
+              <a:cs typeface="Times New Roman" panose="02020603050405020304" pitchFamily="18" charset="0"/>
+            </a:endParaRPr>
+          </a:p>
+          <a:p>
+            <a:r>
+              <a:rPr lang="en-US" dirty="0">
+                <a:solidFill>
+                  <a:srgbClr val="FFFFFF"/>
+                </a:solidFill>
+                <a:latin typeface="Consolas" panose="020B0609020204030204" pitchFamily="49" charset="0"/>
+                <a:cs typeface="Times New Roman" panose="02020603050405020304" pitchFamily="18" charset="0"/>
+              </a:rPr>
+              <a:t> volumes:</a:t>
+            </a:r>
+          </a:p>
+          <a:p>
+            <a:r>
+              <a:rPr lang="en-US" dirty="0">
+                <a:solidFill>
+                  <a:srgbClr val="FFFFFF"/>
+                </a:solidFill>
+                <a:latin typeface="Consolas" panose="020B0609020204030204" pitchFamily="49" charset="0"/>
+                <a:cs typeface="Times New Roman" panose="02020603050405020304" pitchFamily="18" charset="0"/>
+              </a:rPr>
+              <a:t>   - name: </a:t>
+            </a:r>
+            <a:r>
+              <a:rPr lang="en-US" dirty="0" err="1">
+                <a:solidFill>
+                  <a:srgbClr val="FFFFFF"/>
+                </a:solidFill>
+                <a:latin typeface="Consolas" panose="020B0609020204030204" pitchFamily="49" charset="0"/>
+                <a:cs typeface="Times New Roman" panose="02020603050405020304" pitchFamily="18" charset="0"/>
+              </a:rPr>
+              <a:t>appservice</a:t>
+            </a:r>
+            <a:r>
+              <a:rPr lang="en-US" dirty="0">
+                <a:solidFill>
+                  <a:srgbClr val="FFFFFF"/>
+                </a:solidFill>
+                <a:latin typeface="Consolas" panose="020B0609020204030204" pitchFamily="49" charset="0"/>
+                <a:cs typeface="Times New Roman" panose="02020603050405020304" pitchFamily="18" charset="0"/>
+              </a:rPr>
+              <a:t>-storage</a:t>
             </a:r>
           </a:p>
           <a:p>
@@ -17629,7 +17660,7 @@
                 <a:latin typeface="Consolas" panose="020B0609020204030204" pitchFamily="49" charset="0"/>
                 <a:cs typeface="Times New Roman" panose="02020603050405020304" pitchFamily="18" charset="0"/>
               </a:rPr>
-              <a:t>volumeMounts</a:t>
+              <a:t>hostConfig</a:t>
             </a:r>
             <a:r>
               <a:rPr lang="en-US" dirty="0">
@@ -17651,102 +17682,10 @@
                 <a:latin typeface="Consolas" panose="020B0609020204030204" pitchFamily="49" charset="0"/>
                 <a:cs typeface="Times New Roman" panose="02020603050405020304" pitchFamily="18" charset="0"/>
               </a:rPr>
-              <a:t>      - name: </a:t>
-            </a:r>
-            <a:r>
-              <a:rPr lang="en-US" dirty="0" err="1">
-                <a:solidFill>
-                  <a:srgbClr val="FFFFFF"/>
-                </a:solidFill>
-                <a:latin typeface="Consolas" panose="020B0609020204030204" pitchFamily="49" charset="0"/>
-                <a:cs typeface="Times New Roman" panose="02020603050405020304" pitchFamily="18" charset="0"/>
-              </a:rPr>
-              <a:t>appservice</a:t>
-            </a:r>
-            <a:r>
-              <a:rPr lang="en-US" dirty="0">
-                <a:solidFill>
-                  <a:srgbClr val="FFFFFF"/>
-                </a:solidFill>
-                <a:latin typeface="Consolas" panose="020B0609020204030204" pitchFamily="49" charset="0"/>
-                <a:cs typeface="Times New Roman" panose="02020603050405020304" pitchFamily="18" charset="0"/>
-              </a:rPr>
-              <a:t>-storage</a:t>
-            </a:r>
-          </a:p>
-          <a:p>
-            <a:r>
-              <a:rPr lang="en-US" dirty="0">
-                <a:solidFill>
-                  <a:srgbClr val="FFFFFF"/>
-                </a:solidFill>
-                <a:latin typeface="Consolas" panose="020B0609020204030204" pitchFamily="49" charset="0"/>
-                <a:cs typeface="Times New Roman" panose="02020603050405020304" pitchFamily="18" charset="0"/>
-              </a:rPr>
-              <a:t>        </a:t>
-            </a:r>
-            <a:r>
-              <a:rPr lang="en-US" dirty="0" err="1">
-                <a:solidFill>
-                  <a:srgbClr val="FFFFFF"/>
-                </a:solidFill>
-                <a:latin typeface="Consolas" panose="020B0609020204030204" pitchFamily="49" charset="0"/>
-                <a:cs typeface="Times New Roman" panose="02020603050405020304" pitchFamily="18" charset="0"/>
-              </a:rPr>
-              <a:t>mountPath</a:t>
-            </a:r>
-            <a:r>
-              <a:rPr lang="en-US" dirty="0">
-                <a:solidFill>
-                  <a:srgbClr val="FFFFFF"/>
-                </a:solidFill>
-                <a:latin typeface="Consolas" panose="020B0609020204030204" pitchFamily="49" charset="0"/>
-                <a:cs typeface="Times New Roman" panose="02020603050405020304" pitchFamily="18" charset="0"/>
-              </a:rPr>
-              <a:t>: /var/www/html</a:t>
-            </a:r>
-          </a:p>
-          <a:p>
-            <a:r>
-              <a:rPr lang="en-US" dirty="0">
-                <a:solidFill>
-                  <a:srgbClr val="FFFFFF"/>
-                </a:solidFill>
-                <a:latin typeface="Consolas" panose="020B0609020204030204" pitchFamily="49" charset="0"/>
-                <a:cs typeface="Times New Roman" panose="02020603050405020304" pitchFamily="18" charset="0"/>
-              </a:rPr>
-              <a:t>        </a:t>
-            </a:r>
-            <a:r>
-              <a:rPr lang="en-US" dirty="0" err="1">
-                <a:solidFill>
-                  <a:srgbClr val="FFFFFF"/>
-                </a:solidFill>
-                <a:latin typeface="Consolas" panose="020B0609020204030204" pitchFamily="49" charset="0"/>
-                <a:cs typeface="Times New Roman" panose="02020603050405020304" pitchFamily="18" charset="0"/>
-              </a:rPr>
-              <a:t>subPath</a:t>
-            </a:r>
-            <a:r>
-              <a:rPr lang="en-US" dirty="0">
-                <a:solidFill>
-                  <a:srgbClr val="FFFFFF"/>
-                </a:solidFill>
-                <a:latin typeface="Consolas" panose="020B0609020204030204" pitchFamily="49" charset="0"/>
-                <a:cs typeface="Times New Roman" panose="02020603050405020304" pitchFamily="18" charset="0"/>
-              </a:rPr>
-              <a:t>: /site/</a:t>
-            </a:r>
-            <a:r>
-              <a:rPr lang="en-US" dirty="0" err="1">
-                <a:solidFill>
-                  <a:srgbClr val="FFFFFF"/>
-                </a:solidFill>
-                <a:latin typeface="Consolas" panose="020B0609020204030204" pitchFamily="49" charset="0"/>
-                <a:cs typeface="Times New Roman" panose="02020603050405020304" pitchFamily="18" charset="0"/>
-              </a:rPr>
-              <a:t>wwwroot</a:t>
-            </a:r>
+              <a:t>       path: ${WEBAPP_STORAGE_HOME}</a:t>
+            </a:r>
+          </a:p>
+          <a:p>
             <a:endParaRPr lang="en-US" dirty="0">
               <a:solidFill>
                 <a:srgbClr val="FFFFFF"/>
@@ -17756,92 +17695,31 @@
             </a:endParaRPr>
           </a:p>
           <a:p>
-            <a:r>
-              <a:rPr lang="en-US" dirty="0">
-                <a:solidFill>
-                  <a:srgbClr val="FFFFFF"/>
-                </a:solidFill>
-                <a:latin typeface="Consolas" panose="020B0609020204030204" pitchFamily="49" charset="0"/>
-                <a:cs typeface="Times New Roman" panose="02020603050405020304" pitchFamily="18" charset="0"/>
-              </a:rPr>
-              <a:t>  volumes:</a:t>
-            </a:r>
-          </a:p>
-          <a:p>
-            <a:r>
-              <a:rPr lang="en-US" dirty="0">
-                <a:solidFill>
-                  <a:srgbClr val="FFFFFF"/>
-                </a:solidFill>
-                <a:latin typeface="Consolas" panose="020B0609020204030204" pitchFamily="49" charset="0"/>
-                <a:cs typeface="Times New Roman" panose="02020603050405020304" pitchFamily="18" charset="0"/>
-              </a:rPr>
-              <a:t>    - name: </a:t>
-            </a:r>
-            <a:r>
-              <a:rPr lang="en-US" dirty="0" err="1">
-                <a:solidFill>
-                  <a:srgbClr val="FFFFFF"/>
-                </a:solidFill>
-                <a:latin typeface="Consolas" panose="020B0609020204030204" pitchFamily="49" charset="0"/>
-                <a:cs typeface="Times New Roman" panose="02020603050405020304" pitchFamily="18" charset="0"/>
-              </a:rPr>
-              <a:t>appservice</a:t>
-            </a:r>
-            <a:r>
-              <a:rPr lang="en-US" dirty="0">
-                <a:solidFill>
-                  <a:srgbClr val="FFFFFF"/>
-                </a:solidFill>
-                <a:latin typeface="Consolas" panose="020B0609020204030204" pitchFamily="49" charset="0"/>
-                <a:cs typeface="Times New Roman" panose="02020603050405020304" pitchFamily="18" charset="0"/>
-              </a:rPr>
-              <a:t>-storage</a:t>
-            </a:r>
-          </a:p>
-          <a:p>
-            <a:r>
-              <a:rPr lang="en-US" dirty="0">
-                <a:solidFill>
-                  <a:srgbClr val="FFFFFF"/>
-                </a:solidFill>
-                <a:latin typeface="Consolas" panose="020B0609020204030204" pitchFamily="49" charset="0"/>
-                <a:cs typeface="Times New Roman" panose="02020603050405020304" pitchFamily="18" charset="0"/>
-              </a:rPr>
-              <a:t>      </a:t>
-            </a:r>
-            <a:r>
-              <a:rPr lang="en-US" dirty="0" err="1">
-                <a:solidFill>
-                  <a:srgbClr val="FFFFFF"/>
-                </a:solidFill>
-                <a:latin typeface="Consolas" panose="020B0609020204030204" pitchFamily="49" charset="0"/>
-                <a:cs typeface="Times New Roman" panose="02020603050405020304" pitchFamily="18" charset="0"/>
-              </a:rPr>
-              <a:t>hostConfig</a:t>
-            </a:r>
-            <a:r>
-              <a:rPr lang="en-US" dirty="0">
-                <a:solidFill>
-                  <a:srgbClr val="FFFFFF"/>
-                </a:solidFill>
-                <a:latin typeface="Consolas" panose="020B0609020204030204" pitchFamily="49" charset="0"/>
-                <a:cs typeface="Times New Roman" panose="02020603050405020304" pitchFamily="18" charset="0"/>
-              </a:rPr>
-              <a:t>:</a:t>
-            </a:r>
-          </a:p>
-          <a:p>
-            <a:r>
-              <a:rPr lang="en-US" dirty="0">
-                <a:solidFill>
-                  <a:srgbClr val="FFFFFF"/>
-                </a:solidFill>
-                <a:latin typeface="Consolas" panose="020B0609020204030204" pitchFamily="49" charset="0"/>
-                <a:cs typeface="Times New Roman" panose="02020603050405020304" pitchFamily="18" charset="0"/>
-              </a:rPr>
-              <a:t>        path: ${WEBAPP_STORAGE_HOME}</a:t>
-            </a:r>
+            <a:endParaRPr lang="en-US" dirty="0">
+              <a:solidFill>
+                <a:srgbClr val="FFFFFF"/>
+              </a:solidFill>
+              <a:latin typeface="Consolas" panose="020B0609020204030204" pitchFamily="49" charset="0"/>
+              <a:cs typeface="Times New Roman" panose="02020603050405020304" pitchFamily="18" charset="0"/>
+            </a:endParaRPr>
+          </a:p>
+          <a:p>
+            <a:endParaRPr lang="en-US" dirty="0">
+              <a:solidFill>
+                <a:srgbClr val="FFFFFF"/>
+              </a:solidFill>
+              <a:latin typeface="Consolas" panose="020B0609020204030204" pitchFamily="49" charset="0"/>
+              <a:cs typeface="Times New Roman" panose="02020603050405020304" pitchFamily="18" charset="0"/>
+            </a:endParaRPr>
+          </a:p>
+          <a:p>
+            <a:endParaRPr lang="en-US" dirty="0">
+              <a:solidFill>
+                <a:srgbClr val="FFFFFF"/>
+              </a:solidFill>
+              <a:latin typeface="Consolas" panose="020B0609020204030204" pitchFamily="49" charset="0"/>
+              <a:cs typeface="Times New Roman" panose="02020603050405020304" pitchFamily="18" charset="0"/>
+            </a:endParaRPr>
           </a:p>
         </p:txBody>
       </p:sp>
@@ -17859,7 +17737,7 @@
         </p:nvSpPr>
         <p:spPr>
           <a:xfrm>
-            <a:off x="4803474" y="1200409"/>
+            <a:off x="5537399" y="1068543"/>
             <a:ext cx="1701338" cy="902221"/>
           </a:xfrm>
           <a:prstGeom prst="curvedDownArrow">
@@ -17930,393 +17808,6 @@
           <p:cNvPr id="2" name="Title 1">
             <a:extLst>
               <a:ext uri="{FF2B5EF4-FFF2-40B4-BE49-F238E27FC236}">
-                <a16:creationId xmlns:a16="http://schemas.microsoft.com/office/drawing/2014/main" id="{2467FDB9-F9B7-4077-8D88-006AB068C8CB}"/>
-              </a:ext>
-            </a:extLst>
-          </p:cNvPr>
-          <p:cNvSpPr>
-            <a:spLocks noGrp="1"/>
-          </p:cNvSpPr>
-          <p:nvPr>
-            <p:ph type="title"/>
-          </p:nvPr>
-        </p:nvSpPr>
-        <p:spPr/>
-        <p:txBody>
-          <a:bodyPr/>
-          <a:lstStyle/>
-          <a:p>
-            <a:r>
-              <a:rPr lang="en-US" dirty="0"/>
-              <a:t>Kudu in Linux</a:t>
-            </a:r>
-          </a:p>
-        </p:txBody>
-      </p:sp>
-      <p:sp>
-        <p:nvSpPr>
-          <p:cNvPr id="3" name="Content Placeholder 2">
-            <a:extLst>
-              <a:ext uri="{FF2B5EF4-FFF2-40B4-BE49-F238E27FC236}">
-                <a16:creationId xmlns:a16="http://schemas.microsoft.com/office/drawing/2014/main" id="{A707C4C8-61AC-45C7-BB88-5C1DFB9ADF3E}"/>
-              </a:ext>
-            </a:extLst>
-          </p:cNvPr>
-          <p:cNvSpPr>
-            <a:spLocks noGrp="1"/>
-          </p:cNvSpPr>
-          <p:nvPr>
-            <p:ph idx="1"/>
-          </p:nvPr>
-        </p:nvSpPr>
-        <p:spPr/>
-        <p:txBody>
-          <a:bodyPr/>
-          <a:lstStyle/>
-          <a:p>
-            <a:r>
-              <a:rPr lang="en-US" dirty="0"/>
-              <a:t>Runs in a separate container.</a:t>
-            </a:r>
-          </a:p>
-          <a:p>
-            <a:r>
-              <a:rPr lang="en-US" dirty="0"/>
-              <a:t>Debug Console offers Bash and SSH</a:t>
-            </a:r>
-          </a:p>
-          <a:p>
-            <a:pPr lvl="1"/>
-            <a:r>
-              <a:rPr lang="en-US" dirty="0"/>
-              <a:t>Bash is in Kudu container</a:t>
-            </a:r>
-          </a:p>
-          <a:p>
-            <a:pPr lvl="1"/>
-            <a:r>
-              <a:rPr lang="en-US" dirty="0"/>
-              <a:t>SSH is app container</a:t>
-            </a:r>
-          </a:p>
-          <a:p>
-            <a:pPr lvl="1"/>
-            <a:endParaRPr lang="en-US" dirty="0"/>
-          </a:p>
-        </p:txBody>
-      </p:sp>
-    </p:spTree>
-    <p:extLst>
-      <p:ext uri="{BB962C8B-B14F-4D97-AF65-F5344CB8AC3E}">
-        <p14:creationId xmlns:p14="http://schemas.microsoft.com/office/powerpoint/2010/main" val="1209304810"/>
-      </p:ext>
-    </p:extLst>
-  </p:cSld>
-  <p:clrMapOvr>
-    <a:masterClrMapping/>
-  </p:clrMapOvr>
-  <p:timing>
-    <p:tnLst>
-      <p:par>
-        <p:cTn id="1" dur="indefinite" restart="never" nodeType="tmRoot">
-          <p:childTnLst>
-            <p:seq concurrent="1" nextAc="seek">
-              <p:cTn id="2" dur="indefinite" nodeType="mainSeq">
-                <p:childTnLst>
-                  <p:par>
-                    <p:cTn id="3" fill="hold">
-                      <p:stCondLst>
-                        <p:cond delay="indefinite"/>
-                      </p:stCondLst>
-                      <p:childTnLst>
-                        <p:par>
-                          <p:cTn id="4" fill="hold">
-                            <p:stCondLst>
-                              <p:cond delay="0"/>
-                            </p:stCondLst>
-                            <p:childTnLst>
-                              <p:par>
-                                <p:cTn id="5" presetID="10" presetClass="entr" presetSubtype="0" fill="hold" grpId="0" nodeType="clickEffect">
-                                  <p:stCondLst>
-                                    <p:cond delay="0"/>
-                                  </p:stCondLst>
-                                  <p:childTnLst>
-                                    <p:set>
-                                      <p:cBhvr>
-                                        <p:cTn id="6" dur="1" fill="hold">
-                                          <p:stCondLst>
-                                            <p:cond delay="0"/>
-                                          </p:stCondLst>
-                                        </p:cTn>
-                                        <p:tgtEl>
-                                          <p:spTgt spid="3">
-                                            <p:txEl>
-                                              <p:pRg st="0" end="0"/>
-                                            </p:txEl>
-                                          </p:spTgt>
-                                        </p:tgtEl>
-                                        <p:attrNameLst>
-                                          <p:attrName>style.visibility</p:attrName>
-                                        </p:attrNameLst>
-                                      </p:cBhvr>
-                                      <p:to>
-                                        <p:strVal val="visible"/>
-                                      </p:to>
-                                    </p:set>
-                                    <p:animEffect transition="in" filter="fade">
-                                      <p:cBhvr>
-                                        <p:cTn id="7" dur="500"/>
-                                        <p:tgtEl>
-                                          <p:spTgt spid="3">
-                                            <p:txEl>
-                                              <p:pRg st="0" end="0"/>
-                                            </p:txEl>
-                                          </p:spTgt>
-                                        </p:tgtEl>
-                                      </p:cBhvr>
-                                    </p:animEffect>
-                                  </p:childTnLst>
-                                </p:cTn>
-                              </p:par>
-                            </p:childTnLst>
-                          </p:cTn>
-                        </p:par>
-                      </p:childTnLst>
-                    </p:cTn>
-                  </p:par>
-                  <p:par>
-                    <p:cTn id="8" fill="hold">
-                      <p:stCondLst>
-                        <p:cond delay="indefinite"/>
-                      </p:stCondLst>
-                      <p:childTnLst>
-                        <p:par>
-                          <p:cTn id="9" fill="hold">
-                            <p:stCondLst>
-                              <p:cond delay="0"/>
-                            </p:stCondLst>
-                            <p:childTnLst>
-                              <p:par>
-                                <p:cTn id="10" presetID="10" presetClass="entr" presetSubtype="0" fill="hold" grpId="0" nodeType="clickEffect">
-                                  <p:stCondLst>
-                                    <p:cond delay="0"/>
-                                  </p:stCondLst>
-                                  <p:childTnLst>
-                                    <p:set>
-                                      <p:cBhvr>
-                                        <p:cTn id="11" dur="1" fill="hold">
-                                          <p:stCondLst>
-                                            <p:cond delay="0"/>
-                                          </p:stCondLst>
-                                        </p:cTn>
-                                        <p:tgtEl>
-                                          <p:spTgt spid="3">
-                                            <p:txEl>
-                                              <p:pRg st="1" end="1"/>
-                                            </p:txEl>
-                                          </p:spTgt>
-                                        </p:tgtEl>
-                                        <p:attrNameLst>
-                                          <p:attrName>style.visibility</p:attrName>
-                                        </p:attrNameLst>
-                                      </p:cBhvr>
-                                      <p:to>
-                                        <p:strVal val="visible"/>
-                                      </p:to>
-                                    </p:set>
-                                    <p:animEffect transition="in" filter="fade">
-                                      <p:cBhvr>
-                                        <p:cTn id="12" dur="500"/>
-                                        <p:tgtEl>
-                                          <p:spTgt spid="3">
-                                            <p:txEl>
-                                              <p:pRg st="1" end="1"/>
-                                            </p:txEl>
-                                          </p:spTgt>
-                                        </p:tgtEl>
-                                      </p:cBhvr>
-                                    </p:animEffect>
-                                  </p:childTnLst>
-                                </p:cTn>
-                              </p:par>
-                            </p:childTnLst>
-                          </p:cTn>
-                        </p:par>
-                      </p:childTnLst>
-                    </p:cTn>
-                  </p:par>
-                  <p:par>
-                    <p:cTn id="13" fill="hold">
-                      <p:stCondLst>
-                        <p:cond delay="indefinite"/>
-                      </p:stCondLst>
-                      <p:childTnLst>
-                        <p:par>
-                          <p:cTn id="14" fill="hold">
-                            <p:stCondLst>
-                              <p:cond delay="0"/>
-                            </p:stCondLst>
-                            <p:childTnLst>
-                              <p:par>
-                                <p:cTn id="15" presetID="10" presetClass="entr" presetSubtype="0" fill="hold" grpId="0" nodeType="clickEffect">
-                                  <p:stCondLst>
-                                    <p:cond delay="0"/>
-                                  </p:stCondLst>
-                                  <p:childTnLst>
-                                    <p:set>
-                                      <p:cBhvr>
-                                        <p:cTn id="16" dur="1" fill="hold">
-                                          <p:stCondLst>
-                                            <p:cond delay="0"/>
-                                          </p:stCondLst>
-                                        </p:cTn>
-                                        <p:tgtEl>
-                                          <p:spTgt spid="3">
-                                            <p:txEl>
-                                              <p:pRg st="2" end="2"/>
-                                            </p:txEl>
-                                          </p:spTgt>
-                                        </p:tgtEl>
-                                        <p:attrNameLst>
-                                          <p:attrName>style.visibility</p:attrName>
-                                        </p:attrNameLst>
-                                      </p:cBhvr>
-                                      <p:to>
-                                        <p:strVal val="visible"/>
-                                      </p:to>
-                                    </p:set>
-                                    <p:animEffect transition="in" filter="fade">
-                                      <p:cBhvr>
-                                        <p:cTn id="17" dur="500"/>
-                                        <p:tgtEl>
-                                          <p:spTgt spid="3">
-                                            <p:txEl>
-                                              <p:pRg st="2" end="2"/>
-                                            </p:txEl>
-                                          </p:spTgt>
-                                        </p:tgtEl>
-                                      </p:cBhvr>
-                                    </p:animEffect>
-                                  </p:childTnLst>
-                                </p:cTn>
-                              </p:par>
-                            </p:childTnLst>
-                          </p:cTn>
-                        </p:par>
-                      </p:childTnLst>
-                    </p:cTn>
-                  </p:par>
-                  <p:par>
-                    <p:cTn id="18" fill="hold">
-                      <p:stCondLst>
-                        <p:cond delay="indefinite"/>
-                      </p:stCondLst>
-                      <p:childTnLst>
-                        <p:par>
-                          <p:cTn id="19" fill="hold">
-                            <p:stCondLst>
-                              <p:cond delay="0"/>
-                            </p:stCondLst>
-                            <p:childTnLst>
-                              <p:par>
-                                <p:cTn id="20" presetID="10" presetClass="entr" presetSubtype="0" fill="hold" grpId="0" nodeType="clickEffect">
-                                  <p:stCondLst>
-                                    <p:cond delay="0"/>
-                                  </p:stCondLst>
-                                  <p:childTnLst>
-                                    <p:set>
-                                      <p:cBhvr>
-                                        <p:cTn id="21" dur="1" fill="hold">
-                                          <p:stCondLst>
-                                            <p:cond delay="0"/>
-                                          </p:stCondLst>
-                                        </p:cTn>
-                                        <p:tgtEl>
-                                          <p:spTgt spid="3">
-                                            <p:txEl>
-                                              <p:pRg st="3" end="3"/>
-                                            </p:txEl>
-                                          </p:spTgt>
-                                        </p:tgtEl>
-                                        <p:attrNameLst>
-                                          <p:attrName>style.visibility</p:attrName>
-                                        </p:attrNameLst>
-                                      </p:cBhvr>
-                                      <p:to>
-                                        <p:strVal val="visible"/>
-                                      </p:to>
-                                    </p:set>
-                                    <p:animEffect transition="in" filter="fade">
-                                      <p:cBhvr>
-                                        <p:cTn id="22" dur="500"/>
-                                        <p:tgtEl>
-                                          <p:spTgt spid="3">
-                                            <p:txEl>
-                                              <p:pRg st="3" end="3"/>
-                                            </p:txEl>
-                                          </p:spTgt>
-                                        </p:tgtEl>
-                                      </p:cBhvr>
-                                    </p:animEffect>
-                                  </p:childTnLst>
-                                </p:cTn>
-                              </p:par>
-                            </p:childTnLst>
-                          </p:cTn>
-                        </p:par>
-                      </p:childTnLst>
-                    </p:cTn>
-                  </p:par>
-                </p:childTnLst>
-              </p:cTn>
-              <p:prevCondLst>
-                <p:cond evt="onPrev" delay="0">
-                  <p:tgtEl>
-                    <p:sldTgt/>
-                  </p:tgtEl>
-                </p:cond>
-              </p:prevCondLst>
-              <p:nextCondLst>
-                <p:cond evt="onNext" delay="0">
-                  <p:tgtEl>
-                    <p:sldTgt/>
-                  </p:tgtEl>
-                </p:cond>
-              </p:nextCondLst>
-            </p:seq>
-          </p:childTnLst>
-        </p:cTn>
-      </p:par>
-    </p:tnLst>
-    <p:bldLst>
-      <p:bldP spid="3" grpId="0" build="p" bldLvl="2"/>
-    </p:bldLst>
-  </p:timing>
-</p:sld>
-</file>
-
-<file path=ppt/slides/slide17.xml><?xml version="1.0" encoding="utf-8"?>
-<p:sld xmlns:a="http://schemas.openxmlformats.org/drawingml/2006/main" xmlns:r="http://schemas.openxmlformats.org/officeDocument/2006/relationships" xmlns:p="http://schemas.openxmlformats.org/presentationml/2006/main">
-  <p:cSld>
-    <p:spTree>
-      <p:nvGrpSpPr>
-        <p:cNvPr id="1" name=""/>
-        <p:cNvGrpSpPr/>
-        <p:nvPr/>
-      </p:nvGrpSpPr>
-      <p:grpSpPr>
-        <a:xfrm>
-          <a:off x="0" y="0"/>
-          <a:ext cx="0" cy="0"/>
-          <a:chOff x="0" y="0"/>
-          <a:chExt cx="0" cy="0"/>
-        </a:xfrm>
-      </p:grpSpPr>
-      <p:sp>
-        <p:nvSpPr>
-          <p:cNvPr id="2" name="Title 1">
-            <a:extLst>
-              <a:ext uri="{FF2B5EF4-FFF2-40B4-BE49-F238E27FC236}">
                 <a16:creationId xmlns:a16="http://schemas.microsoft.com/office/drawing/2014/main" id="{6D0DC5B9-3022-4B39-9D53-9E4D764A5638}"/>
               </a:ext>
             </a:extLst>
@@ -18392,6 +17883,18 @@
               <a:t>SSH available in other clients via TCP tunnel.</a:t>
             </a:r>
           </a:p>
+          <a:p>
+            <a:endParaRPr lang="en-US" dirty="0"/>
+          </a:p>
+          <a:p>
+            <a:pPr marL="0" indent="0">
+              <a:buNone/>
+            </a:pPr>
+            <a:r>
+              <a:rPr lang="en-US" dirty="0"/>
+              <a:t>LAB: Create a custom image that uses SSH and create a TCP tunnel.</a:t>
+            </a:r>
+          </a:p>
         </p:txBody>
       </p:sp>
     </p:spTree>
@@ -18408,951 +17911,6 @@
 </file>
 
 <file path=ppt/slides/slide2.xml><?xml version="1.0" encoding="utf-8"?>
-<p:sld xmlns:a="http://schemas.openxmlformats.org/drawingml/2006/main" xmlns:r="http://schemas.openxmlformats.org/officeDocument/2006/relationships" xmlns:p="http://schemas.openxmlformats.org/presentationml/2006/main">
-  <p:cSld>
-    <p:spTree>
-      <p:nvGrpSpPr>
-        <p:cNvPr id="1" name=""/>
-        <p:cNvGrpSpPr/>
-        <p:nvPr/>
-      </p:nvGrpSpPr>
-      <p:grpSpPr>
-        <a:xfrm>
-          <a:off x="0" y="0"/>
-          <a:ext cx="0" cy="0"/>
-          <a:chOff x="0" y="0"/>
-          <a:chExt cx="0" cy="0"/>
-        </a:xfrm>
-      </p:grpSpPr>
-      <p:sp>
-        <p:nvSpPr>
-          <p:cNvPr id="2" name="Title 1">
-            <a:extLst>
-              <a:ext uri="{FF2B5EF4-FFF2-40B4-BE49-F238E27FC236}">
-                <a16:creationId xmlns:a16="http://schemas.microsoft.com/office/drawing/2014/main" id="{F9CC131C-A164-4D59-91B7-DC1417C55F8E}"/>
-              </a:ext>
-            </a:extLst>
-          </p:cNvPr>
-          <p:cNvSpPr>
-            <a:spLocks noGrp="1"/>
-          </p:cNvSpPr>
-          <p:nvPr>
-            <p:ph type="title"/>
-          </p:nvPr>
-        </p:nvSpPr>
-        <p:spPr/>
-        <p:txBody>
-          <a:bodyPr/>
-          <a:lstStyle/>
-          <a:p>
-            <a:r>
-              <a:rPr lang="en-US" dirty="0"/>
-              <a:t>Most Important Point of All</a:t>
-            </a:r>
-          </a:p>
-        </p:txBody>
-      </p:sp>
-      <p:cxnSp>
-        <p:nvCxnSpPr>
-          <p:cNvPr id="5" name="Straight Connector 4">
-            <a:extLst>
-              <a:ext uri="{FF2B5EF4-FFF2-40B4-BE49-F238E27FC236}">
-                <a16:creationId xmlns:a16="http://schemas.microsoft.com/office/drawing/2014/main" id="{E1A0322D-97EF-4FA4-8323-C4708E5A1D7A}"/>
-              </a:ext>
-            </a:extLst>
-          </p:cNvPr>
-          <p:cNvCxnSpPr>
-            <a:cxnSpLocks/>
-          </p:cNvCxnSpPr>
-          <p:nvPr/>
-        </p:nvCxnSpPr>
-        <p:spPr>
-          <a:xfrm>
-            <a:off x="2559170" y="2495909"/>
-            <a:ext cx="0" cy="4468483"/>
-          </a:xfrm>
-          <a:prstGeom prst="line">
-            <a:avLst/>
-          </a:prstGeom>
-          <a:ln>
-            <a:solidFill>
-              <a:schemeClr val="tx1"/>
-            </a:solidFill>
-          </a:ln>
-        </p:spPr>
-        <p:style>
-          <a:lnRef idx="3">
-            <a:schemeClr val="dk1"/>
-          </a:lnRef>
-          <a:fillRef idx="0">
-            <a:schemeClr val="dk1"/>
-          </a:fillRef>
-          <a:effectRef idx="2">
-            <a:schemeClr val="dk1"/>
-          </a:effectRef>
-          <a:fontRef idx="minor">
-            <a:schemeClr val="tx1"/>
-          </a:fontRef>
-        </p:style>
-      </p:cxnSp>
-      <p:cxnSp>
-        <p:nvCxnSpPr>
-          <p:cNvPr id="6" name="Straight Connector 5">
-            <a:extLst>
-              <a:ext uri="{FF2B5EF4-FFF2-40B4-BE49-F238E27FC236}">
-                <a16:creationId xmlns:a16="http://schemas.microsoft.com/office/drawing/2014/main" id="{133F379C-792D-41E5-98B8-7EA6702E5B5F}"/>
-              </a:ext>
-            </a:extLst>
-          </p:cNvPr>
-          <p:cNvCxnSpPr>
-            <a:cxnSpLocks/>
-          </p:cNvCxnSpPr>
-          <p:nvPr/>
-        </p:nvCxnSpPr>
-        <p:spPr>
-          <a:xfrm>
-            <a:off x="3436188" y="2495909"/>
-            <a:ext cx="0" cy="4664016"/>
-          </a:xfrm>
-          <a:prstGeom prst="line">
-            <a:avLst/>
-          </a:prstGeom>
-          <a:ln>
-            <a:solidFill>
-              <a:schemeClr val="tx1"/>
-            </a:solidFill>
-          </a:ln>
-        </p:spPr>
-        <p:style>
-          <a:lnRef idx="3">
-            <a:schemeClr val="dk1"/>
-          </a:lnRef>
-          <a:fillRef idx="0">
-            <a:schemeClr val="dk1"/>
-          </a:fillRef>
-          <a:effectRef idx="2">
-            <a:schemeClr val="dk1"/>
-          </a:effectRef>
-          <a:fontRef idx="minor">
-            <a:schemeClr val="tx1"/>
-          </a:fontRef>
-        </p:style>
-      </p:cxnSp>
-      <p:sp>
-        <p:nvSpPr>
-          <p:cNvPr id="7" name="Rectangle 6">
-            <a:extLst>
-              <a:ext uri="{FF2B5EF4-FFF2-40B4-BE49-F238E27FC236}">
-                <a16:creationId xmlns:a16="http://schemas.microsoft.com/office/drawing/2014/main" id="{9C1086F5-D2D4-42B0-BEC5-CBD12D6F76AB}"/>
-              </a:ext>
-            </a:extLst>
-          </p:cNvPr>
-          <p:cNvSpPr/>
-          <p:nvPr/>
-        </p:nvSpPr>
-        <p:spPr>
-          <a:xfrm>
-            <a:off x="3617343" y="2495909"/>
-            <a:ext cx="569260" cy="4548997"/>
-          </a:xfrm>
-          <a:prstGeom prst="rect">
-            <a:avLst/>
-          </a:prstGeom>
-        </p:spPr>
-        <p:style>
-          <a:lnRef idx="2">
-            <a:schemeClr val="accent1">
-              <a:shade val="50000"/>
-            </a:schemeClr>
-          </a:lnRef>
-          <a:fillRef idx="1">
-            <a:schemeClr val="accent1"/>
-          </a:fillRef>
-          <a:effectRef idx="0">
-            <a:schemeClr val="accent1"/>
-          </a:effectRef>
-          <a:fontRef idx="minor">
-            <a:schemeClr val="lt1"/>
-          </a:fontRef>
-        </p:style>
-        <p:txBody>
-          <a:bodyPr rtlCol="0" anchor="ctr"/>
-          <a:lstStyle/>
-          <a:p>
-            <a:pPr algn="ctr"/>
-            <a:endParaRPr lang="en-US"/>
-          </a:p>
-        </p:txBody>
-      </p:sp>
-      <p:cxnSp>
-        <p:nvCxnSpPr>
-          <p:cNvPr id="10" name="Straight Connector 9">
-            <a:extLst>
-              <a:ext uri="{FF2B5EF4-FFF2-40B4-BE49-F238E27FC236}">
-                <a16:creationId xmlns:a16="http://schemas.microsoft.com/office/drawing/2014/main" id="{5861B04D-AEAB-4DBD-AE45-72AF9993CD90}"/>
-              </a:ext>
-            </a:extLst>
-          </p:cNvPr>
-          <p:cNvCxnSpPr>
-            <a:cxnSpLocks/>
-          </p:cNvCxnSpPr>
-          <p:nvPr/>
-        </p:nvCxnSpPr>
-        <p:spPr>
-          <a:xfrm>
-            <a:off x="4396597" y="2495909"/>
-            <a:ext cx="0" cy="4468483"/>
-          </a:xfrm>
-          <a:prstGeom prst="line">
-            <a:avLst/>
-          </a:prstGeom>
-          <a:ln>
-            <a:solidFill>
-              <a:schemeClr val="tx1"/>
-            </a:solidFill>
-          </a:ln>
-        </p:spPr>
-        <p:style>
-          <a:lnRef idx="3">
-            <a:schemeClr val="dk1"/>
-          </a:lnRef>
-          <a:fillRef idx="0">
-            <a:schemeClr val="dk1"/>
-          </a:fillRef>
-          <a:effectRef idx="2">
-            <a:schemeClr val="dk1"/>
-          </a:effectRef>
-          <a:fontRef idx="minor">
-            <a:schemeClr val="tx1"/>
-          </a:fontRef>
-        </p:style>
-      </p:cxnSp>
-      <p:cxnSp>
-        <p:nvCxnSpPr>
-          <p:cNvPr id="11" name="Straight Connector 10">
-            <a:extLst>
-              <a:ext uri="{FF2B5EF4-FFF2-40B4-BE49-F238E27FC236}">
-                <a16:creationId xmlns:a16="http://schemas.microsoft.com/office/drawing/2014/main" id="{41A79152-06CD-4EC3-B076-964EE77BFE01}"/>
-              </a:ext>
-            </a:extLst>
-          </p:cNvPr>
-          <p:cNvCxnSpPr>
-            <a:cxnSpLocks/>
-          </p:cNvCxnSpPr>
-          <p:nvPr/>
-        </p:nvCxnSpPr>
-        <p:spPr>
-          <a:xfrm>
-            <a:off x="5273615" y="2495909"/>
-            <a:ext cx="0" cy="976791"/>
-          </a:xfrm>
-          <a:prstGeom prst="line">
-            <a:avLst/>
-          </a:prstGeom>
-          <a:ln>
-            <a:solidFill>
-              <a:schemeClr val="tx1"/>
-            </a:solidFill>
-          </a:ln>
-        </p:spPr>
-        <p:style>
-          <a:lnRef idx="3">
-            <a:schemeClr val="dk1"/>
-          </a:lnRef>
-          <a:fillRef idx="0">
-            <a:schemeClr val="dk1"/>
-          </a:fillRef>
-          <a:effectRef idx="2">
-            <a:schemeClr val="dk1"/>
-          </a:effectRef>
-          <a:fontRef idx="minor">
-            <a:schemeClr val="tx1"/>
-          </a:fontRef>
-        </p:style>
-      </p:cxnSp>
-      <p:sp>
-        <p:nvSpPr>
-          <p:cNvPr id="15" name="Freeform: Shape 14">
-            <a:extLst>
-              <a:ext uri="{FF2B5EF4-FFF2-40B4-BE49-F238E27FC236}">
-                <a16:creationId xmlns:a16="http://schemas.microsoft.com/office/drawing/2014/main" id="{BEA0EE46-B6AF-4925-B360-8980B18A3CD2}"/>
-              </a:ext>
-            </a:extLst>
-          </p:cNvPr>
-          <p:cNvSpPr/>
-          <p:nvPr/>
-        </p:nvSpPr>
-        <p:spPr>
-          <a:xfrm>
-            <a:off x="5273615" y="3472700"/>
-            <a:ext cx="2116347" cy="1800045"/>
-          </a:xfrm>
-          <a:custGeom>
-            <a:avLst/>
-            <a:gdLst>
-              <a:gd name="connsiteX0" fmla="*/ 0 w 2325704"/>
-              <a:gd name="connsiteY0" fmla="*/ 0 h 1920918"/>
-              <a:gd name="connsiteX1" fmla="*/ 563593 w 2325704"/>
-              <a:gd name="connsiteY1" fmla="*/ 1357223 h 1920918"/>
-              <a:gd name="connsiteX2" fmla="*/ 2168106 w 2325704"/>
-              <a:gd name="connsiteY2" fmla="*/ 1869057 h 1920918"/>
-              <a:gd name="connsiteX3" fmla="*/ 2265872 w 2325704"/>
-              <a:gd name="connsiteY3" fmla="*/ 1903562 h 1920918"/>
-              <a:gd name="connsiteX4" fmla="*/ 2265872 w 2325704"/>
-              <a:gd name="connsiteY4" fmla="*/ 1903562 h 1920918"/>
-              <a:gd name="connsiteX0" fmla="*/ 0 w 2315768"/>
-              <a:gd name="connsiteY0" fmla="*/ 0 h 1928520"/>
-              <a:gd name="connsiteX1" fmla="*/ 707367 w 2315768"/>
-              <a:gd name="connsiteY1" fmla="*/ 1247955 h 1928520"/>
-              <a:gd name="connsiteX2" fmla="*/ 2168106 w 2315768"/>
-              <a:gd name="connsiteY2" fmla="*/ 1869057 h 1928520"/>
-              <a:gd name="connsiteX3" fmla="*/ 2265872 w 2315768"/>
-              <a:gd name="connsiteY3" fmla="*/ 1903562 h 1928520"/>
-              <a:gd name="connsiteX4" fmla="*/ 2265872 w 2315768"/>
-              <a:gd name="connsiteY4" fmla="*/ 1903562 h 1928520"/>
-              <a:gd name="connsiteX0" fmla="*/ 0 w 2315768"/>
-              <a:gd name="connsiteY0" fmla="*/ 0 h 1928520"/>
-              <a:gd name="connsiteX1" fmla="*/ 707367 w 2315768"/>
-              <a:gd name="connsiteY1" fmla="*/ 1247955 h 1928520"/>
-              <a:gd name="connsiteX2" fmla="*/ 2168106 w 2315768"/>
-              <a:gd name="connsiteY2" fmla="*/ 1869057 h 1928520"/>
-              <a:gd name="connsiteX3" fmla="*/ 2265872 w 2315768"/>
-              <a:gd name="connsiteY3" fmla="*/ 1903562 h 1928520"/>
-              <a:gd name="connsiteX4" fmla="*/ 2248620 w 2315768"/>
-              <a:gd name="connsiteY4" fmla="*/ 1857555 h 1928520"/>
-              <a:gd name="connsiteX0" fmla="*/ 0 w 2315768"/>
-              <a:gd name="connsiteY0" fmla="*/ 0 h 1928520"/>
-              <a:gd name="connsiteX1" fmla="*/ 707367 w 2315768"/>
-              <a:gd name="connsiteY1" fmla="*/ 1247955 h 1928520"/>
-              <a:gd name="connsiteX2" fmla="*/ 2168106 w 2315768"/>
-              <a:gd name="connsiteY2" fmla="*/ 1869057 h 1928520"/>
-              <a:gd name="connsiteX3" fmla="*/ 2265872 w 2315768"/>
-              <a:gd name="connsiteY3" fmla="*/ 1903562 h 1928520"/>
-              <a:gd name="connsiteX0" fmla="*/ 0 w 2265872"/>
-              <a:gd name="connsiteY0" fmla="*/ 0 h 1903562"/>
-              <a:gd name="connsiteX1" fmla="*/ 707367 w 2265872"/>
-              <a:gd name="connsiteY1" fmla="*/ 1247955 h 1903562"/>
-              <a:gd name="connsiteX2" fmla="*/ 2265872 w 2265872"/>
-              <a:gd name="connsiteY2" fmla="*/ 1903562 h 1903562"/>
-              <a:gd name="connsiteX0" fmla="*/ 0 w 2116347"/>
-              <a:gd name="connsiteY0" fmla="*/ 0 h 1800045"/>
-              <a:gd name="connsiteX1" fmla="*/ 707367 w 2116347"/>
-              <a:gd name="connsiteY1" fmla="*/ 1247955 h 1800045"/>
-              <a:gd name="connsiteX2" fmla="*/ 2116347 w 2116347"/>
-              <a:gd name="connsiteY2" fmla="*/ 1800045 h 1800045"/>
-              <a:gd name="connsiteX0" fmla="*/ 0 w 2116347"/>
-              <a:gd name="connsiteY0" fmla="*/ 0 h 1800045"/>
-              <a:gd name="connsiteX1" fmla="*/ 707367 w 2116347"/>
-              <a:gd name="connsiteY1" fmla="*/ 1247955 h 1800045"/>
-              <a:gd name="connsiteX2" fmla="*/ 2116347 w 2116347"/>
-              <a:gd name="connsiteY2" fmla="*/ 1800045 h 1800045"/>
-            </a:gdLst>
-            <a:ahLst/>
-            <a:cxnLst>
-              <a:cxn ang="0">
-                <a:pos x="connsiteX0" y="connsiteY0"/>
-              </a:cxn>
-              <a:cxn ang="0">
-                <a:pos x="connsiteX1" y="connsiteY1"/>
-              </a:cxn>
-              <a:cxn ang="0">
-                <a:pos x="connsiteX2" y="connsiteY2"/>
-              </a:cxn>
-            </a:cxnLst>
-            <a:rect l="l" t="t" r="r" b="b"/>
-            <a:pathLst>
-              <a:path w="2116347" h="1800045">
-                <a:moveTo>
-                  <a:pt x="0" y="0"/>
-                </a:moveTo>
-                <a:cubicBezTo>
-                  <a:pt x="101121" y="522857"/>
-                  <a:pt x="354643" y="947948"/>
-                  <a:pt x="707367" y="1247955"/>
-                </a:cubicBezTo>
-                <a:cubicBezTo>
-                  <a:pt x="1060092" y="1547963"/>
-                  <a:pt x="1371840" y="1772728"/>
-                  <a:pt x="2116347" y="1800045"/>
-                </a:cubicBezTo>
-              </a:path>
-            </a:pathLst>
-          </a:custGeom>
-          <a:ln>
-            <a:solidFill>
-              <a:schemeClr val="tx1"/>
-            </a:solidFill>
-          </a:ln>
-        </p:spPr>
-        <p:style>
-          <a:lnRef idx="3">
-            <a:schemeClr val="dk1"/>
-          </a:lnRef>
-          <a:fillRef idx="0">
-            <a:schemeClr val="dk1"/>
-          </a:fillRef>
-          <a:effectRef idx="2">
-            <a:schemeClr val="dk1"/>
-          </a:effectRef>
-          <a:fontRef idx="minor">
-            <a:schemeClr val="tx1"/>
-          </a:fontRef>
-        </p:style>
-        <p:txBody>
-          <a:bodyPr rtlCol="0" anchor="ctr"/>
-          <a:lstStyle/>
-          <a:p>
-            <a:pPr algn="ctr"/>
-            <a:endParaRPr lang="en-US"/>
-          </a:p>
-        </p:txBody>
-      </p:sp>
-      <p:sp>
-        <p:nvSpPr>
-          <p:cNvPr id="17" name="Freeform: Shape 16">
-            <a:extLst>
-              <a:ext uri="{FF2B5EF4-FFF2-40B4-BE49-F238E27FC236}">
-                <a16:creationId xmlns:a16="http://schemas.microsoft.com/office/drawing/2014/main" id="{3E58157F-08E3-431D-90D0-FC8875657E58}"/>
-              </a:ext>
-            </a:extLst>
-          </p:cNvPr>
-          <p:cNvSpPr/>
-          <p:nvPr/>
-        </p:nvSpPr>
-        <p:spPr>
-          <a:xfrm>
-            <a:off x="5285116" y="4959319"/>
-            <a:ext cx="2104845" cy="1051651"/>
-          </a:xfrm>
-          <a:custGeom>
-            <a:avLst/>
-            <a:gdLst>
-              <a:gd name="connsiteX0" fmla="*/ 0 w 2325704"/>
-              <a:gd name="connsiteY0" fmla="*/ 0 h 1920918"/>
-              <a:gd name="connsiteX1" fmla="*/ 563593 w 2325704"/>
-              <a:gd name="connsiteY1" fmla="*/ 1357223 h 1920918"/>
-              <a:gd name="connsiteX2" fmla="*/ 2168106 w 2325704"/>
-              <a:gd name="connsiteY2" fmla="*/ 1869057 h 1920918"/>
-              <a:gd name="connsiteX3" fmla="*/ 2265872 w 2325704"/>
-              <a:gd name="connsiteY3" fmla="*/ 1903562 h 1920918"/>
-              <a:gd name="connsiteX4" fmla="*/ 2265872 w 2325704"/>
-              <a:gd name="connsiteY4" fmla="*/ 1903562 h 1920918"/>
-              <a:gd name="connsiteX0" fmla="*/ 0 w 2315768"/>
-              <a:gd name="connsiteY0" fmla="*/ 0 h 1928520"/>
-              <a:gd name="connsiteX1" fmla="*/ 707367 w 2315768"/>
-              <a:gd name="connsiteY1" fmla="*/ 1247955 h 1928520"/>
-              <a:gd name="connsiteX2" fmla="*/ 2168106 w 2315768"/>
-              <a:gd name="connsiteY2" fmla="*/ 1869057 h 1928520"/>
-              <a:gd name="connsiteX3" fmla="*/ 2265872 w 2315768"/>
-              <a:gd name="connsiteY3" fmla="*/ 1903562 h 1928520"/>
-              <a:gd name="connsiteX4" fmla="*/ 2265872 w 2315768"/>
-              <a:gd name="connsiteY4" fmla="*/ 1903562 h 1928520"/>
-              <a:gd name="connsiteX0" fmla="*/ 0 w 2315768"/>
-              <a:gd name="connsiteY0" fmla="*/ 0 h 1928520"/>
-              <a:gd name="connsiteX1" fmla="*/ 707367 w 2315768"/>
-              <a:gd name="connsiteY1" fmla="*/ 1247955 h 1928520"/>
-              <a:gd name="connsiteX2" fmla="*/ 2168106 w 2315768"/>
-              <a:gd name="connsiteY2" fmla="*/ 1869057 h 1928520"/>
-              <a:gd name="connsiteX3" fmla="*/ 2265872 w 2315768"/>
-              <a:gd name="connsiteY3" fmla="*/ 1903562 h 1928520"/>
-              <a:gd name="connsiteX4" fmla="*/ 2248620 w 2315768"/>
-              <a:gd name="connsiteY4" fmla="*/ 1857555 h 1928520"/>
-              <a:gd name="connsiteX0" fmla="*/ 0 w 2315768"/>
-              <a:gd name="connsiteY0" fmla="*/ 0 h 1928520"/>
-              <a:gd name="connsiteX1" fmla="*/ 707367 w 2315768"/>
-              <a:gd name="connsiteY1" fmla="*/ 1247955 h 1928520"/>
-              <a:gd name="connsiteX2" fmla="*/ 2168106 w 2315768"/>
-              <a:gd name="connsiteY2" fmla="*/ 1869057 h 1928520"/>
-              <a:gd name="connsiteX3" fmla="*/ 2265872 w 2315768"/>
-              <a:gd name="connsiteY3" fmla="*/ 1903562 h 1928520"/>
-              <a:gd name="connsiteX0" fmla="*/ 0 w 2265872"/>
-              <a:gd name="connsiteY0" fmla="*/ 0 h 1903562"/>
-              <a:gd name="connsiteX1" fmla="*/ 707367 w 2265872"/>
-              <a:gd name="connsiteY1" fmla="*/ 1247955 h 1903562"/>
-              <a:gd name="connsiteX2" fmla="*/ 2265872 w 2265872"/>
-              <a:gd name="connsiteY2" fmla="*/ 1903562 h 1903562"/>
-              <a:gd name="connsiteX0" fmla="*/ 0 w 2116347"/>
-              <a:gd name="connsiteY0" fmla="*/ 0 h 1800045"/>
-              <a:gd name="connsiteX1" fmla="*/ 707367 w 2116347"/>
-              <a:gd name="connsiteY1" fmla="*/ 1247955 h 1800045"/>
-              <a:gd name="connsiteX2" fmla="*/ 2116347 w 2116347"/>
-              <a:gd name="connsiteY2" fmla="*/ 1800045 h 1800045"/>
-              <a:gd name="connsiteX0" fmla="*/ 0 w 2116347"/>
-              <a:gd name="connsiteY0" fmla="*/ 0 h 1800045"/>
-              <a:gd name="connsiteX1" fmla="*/ 707367 w 2116347"/>
-              <a:gd name="connsiteY1" fmla="*/ 1247955 h 1800045"/>
-              <a:gd name="connsiteX2" fmla="*/ 2116347 w 2116347"/>
-              <a:gd name="connsiteY2" fmla="*/ 1800045 h 1800045"/>
-              <a:gd name="connsiteX0" fmla="*/ 0 w 2150853"/>
-              <a:gd name="connsiteY0" fmla="*/ 0 h 1311215"/>
-              <a:gd name="connsiteX1" fmla="*/ 741873 w 2150853"/>
-              <a:gd name="connsiteY1" fmla="*/ 759125 h 1311215"/>
-              <a:gd name="connsiteX2" fmla="*/ 2150853 w 2150853"/>
-              <a:gd name="connsiteY2" fmla="*/ 1311215 h 1311215"/>
-              <a:gd name="connsiteX0" fmla="*/ 0 w 2150853"/>
-              <a:gd name="connsiteY0" fmla="*/ 0 h 1311215"/>
-              <a:gd name="connsiteX1" fmla="*/ 632606 w 2150853"/>
-              <a:gd name="connsiteY1" fmla="*/ 960408 h 1311215"/>
-              <a:gd name="connsiteX2" fmla="*/ 2150853 w 2150853"/>
-              <a:gd name="connsiteY2" fmla="*/ 1311215 h 1311215"/>
-              <a:gd name="connsiteX0" fmla="*/ 0 w 2104845"/>
-              <a:gd name="connsiteY0" fmla="*/ 0 h 1046672"/>
-              <a:gd name="connsiteX1" fmla="*/ 586598 w 2104845"/>
-              <a:gd name="connsiteY1" fmla="*/ 695865 h 1046672"/>
-              <a:gd name="connsiteX2" fmla="*/ 2104845 w 2104845"/>
-              <a:gd name="connsiteY2" fmla="*/ 1046672 h 1046672"/>
-              <a:gd name="connsiteX0" fmla="*/ 0 w 2104845"/>
-              <a:gd name="connsiteY0" fmla="*/ 0 h 1046672"/>
-              <a:gd name="connsiteX1" fmla="*/ 845391 w 2104845"/>
-              <a:gd name="connsiteY1" fmla="*/ 770628 h 1046672"/>
-              <a:gd name="connsiteX2" fmla="*/ 2104845 w 2104845"/>
-              <a:gd name="connsiteY2" fmla="*/ 1046672 h 1046672"/>
-              <a:gd name="connsiteX0" fmla="*/ 0 w 2104845"/>
-              <a:gd name="connsiteY0" fmla="*/ 0 h 1046672"/>
-              <a:gd name="connsiteX1" fmla="*/ 816636 w 2104845"/>
-              <a:gd name="connsiteY1" fmla="*/ 856892 h 1046672"/>
-              <a:gd name="connsiteX2" fmla="*/ 2104845 w 2104845"/>
-              <a:gd name="connsiteY2" fmla="*/ 1046672 h 1046672"/>
-              <a:gd name="connsiteX0" fmla="*/ 0 w 2104845"/>
-              <a:gd name="connsiteY0" fmla="*/ 0 h 1046672"/>
-              <a:gd name="connsiteX1" fmla="*/ 816636 w 2104845"/>
-              <a:gd name="connsiteY1" fmla="*/ 856892 h 1046672"/>
-              <a:gd name="connsiteX2" fmla="*/ 2104845 w 2104845"/>
-              <a:gd name="connsiteY2" fmla="*/ 1046672 h 1046672"/>
-              <a:gd name="connsiteX0" fmla="*/ 0 w 2104845"/>
-              <a:gd name="connsiteY0" fmla="*/ 0 h 1051651"/>
-              <a:gd name="connsiteX1" fmla="*/ 816636 w 2104845"/>
-              <a:gd name="connsiteY1" fmla="*/ 856892 h 1051651"/>
-              <a:gd name="connsiteX2" fmla="*/ 2104845 w 2104845"/>
-              <a:gd name="connsiteY2" fmla="*/ 1046672 h 1051651"/>
-            </a:gdLst>
-            <a:ahLst/>
-            <a:cxnLst>
-              <a:cxn ang="0">
-                <a:pos x="connsiteX0" y="connsiteY0"/>
-              </a:cxn>
-              <a:cxn ang="0">
-                <a:pos x="connsiteX1" y="connsiteY1"/>
-              </a:cxn>
-              <a:cxn ang="0">
-                <a:pos x="connsiteX2" y="connsiteY2"/>
-              </a:cxn>
-            </a:cxnLst>
-            <a:rect l="l" t="t" r="r" b="b"/>
-            <a:pathLst>
-              <a:path w="2104845" h="1051651">
-                <a:moveTo>
-                  <a:pt x="0" y="0"/>
-                </a:moveTo>
-                <a:cubicBezTo>
-                  <a:pt x="101121" y="522857"/>
-                  <a:pt x="396818" y="567429"/>
-                  <a:pt x="816636" y="856892"/>
-                </a:cubicBezTo>
-                <a:cubicBezTo>
-                  <a:pt x="1236454" y="1146355"/>
-                  <a:pt x="1360338" y="1019355"/>
-                  <a:pt x="2104845" y="1046672"/>
-                </a:cubicBezTo>
-              </a:path>
-            </a:pathLst>
-          </a:custGeom>
-          <a:ln>
-            <a:solidFill>
-              <a:schemeClr val="tx1"/>
-            </a:solidFill>
-          </a:ln>
-        </p:spPr>
-        <p:style>
-          <a:lnRef idx="3">
-            <a:schemeClr val="dk1"/>
-          </a:lnRef>
-          <a:fillRef idx="0">
-            <a:schemeClr val="dk1"/>
-          </a:fillRef>
-          <a:effectRef idx="2">
-            <a:schemeClr val="dk1"/>
-          </a:effectRef>
-          <a:fontRef idx="minor">
-            <a:schemeClr val="tx1"/>
-          </a:fontRef>
-        </p:style>
-        <p:txBody>
-          <a:bodyPr rtlCol="0" anchor="ctr"/>
-          <a:lstStyle/>
-          <a:p>
-            <a:pPr algn="ctr"/>
-            <a:endParaRPr lang="en-US"/>
-          </a:p>
-        </p:txBody>
-      </p:sp>
-      <p:cxnSp>
-        <p:nvCxnSpPr>
-          <p:cNvPr id="18" name="Straight Connector 17">
-            <a:extLst>
-              <a:ext uri="{FF2B5EF4-FFF2-40B4-BE49-F238E27FC236}">
-                <a16:creationId xmlns:a16="http://schemas.microsoft.com/office/drawing/2014/main" id="{43B717FA-F349-4D4C-8C3B-C51B187BE993}"/>
-              </a:ext>
-            </a:extLst>
-          </p:cNvPr>
-          <p:cNvCxnSpPr>
-            <a:cxnSpLocks/>
-          </p:cNvCxnSpPr>
-          <p:nvPr/>
-        </p:nvCxnSpPr>
-        <p:spPr>
-          <a:xfrm flipH="1">
-            <a:off x="5285116" y="4994259"/>
-            <a:ext cx="2875" cy="1970133"/>
-          </a:xfrm>
-          <a:prstGeom prst="line">
-            <a:avLst/>
-          </a:prstGeom>
-          <a:ln>
-            <a:solidFill>
-              <a:schemeClr val="tx1"/>
-            </a:solidFill>
-          </a:ln>
-        </p:spPr>
-        <p:style>
-          <a:lnRef idx="3">
-            <a:schemeClr val="dk1"/>
-          </a:lnRef>
-          <a:fillRef idx="0">
-            <a:schemeClr val="dk1"/>
-          </a:fillRef>
-          <a:effectRef idx="2">
-            <a:schemeClr val="dk1"/>
-          </a:effectRef>
-          <a:fontRef idx="minor">
-            <a:schemeClr val="tx1"/>
-          </a:fontRef>
-        </p:style>
-      </p:cxnSp>
-      <p:pic>
-        <p:nvPicPr>
-          <p:cNvPr id="21" name="Graphic 20" descr="Car">
-            <a:extLst>
-              <a:ext uri="{FF2B5EF4-FFF2-40B4-BE49-F238E27FC236}">
-                <a16:creationId xmlns:a16="http://schemas.microsoft.com/office/drawing/2014/main" id="{1C3E8451-544E-4E04-9D1E-325FE10E170C}"/>
-              </a:ext>
-            </a:extLst>
-          </p:cNvPr>
-          <p:cNvPicPr>
-            <a:picLocks noChangeAspect="1"/>
-          </p:cNvPicPr>
-          <p:nvPr/>
-        </p:nvPicPr>
-        <p:blipFill>
-          <a:blip r:embed="rId2">
-            <a:extLst>
-              <a:ext uri="{96DAC541-7B7A-43D3-8B79-37D633B846F1}">
-                <asvg:svgBlip xmlns:asvg="http://schemas.microsoft.com/office/drawing/2016/SVG/main" r:embed="rId3"/>
-              </a:ext>
-            </a:extLst>
-          </a:blip>
-          <a:stretch>
-            <a:fillRect/>
-          </a:stretch>
-        </p:blipFill>
-        <p:spPr>
-          <a:xfrm rot="1302889" flipH="1">
-            <a:off x="5811328" y="4951562"/>
-            <a:ext cx="911521" cy="914400"/>
-          </a:xfrm>
-          <a:prstGeom prst="rect">
-            <a:avLst/>
-          </a:prstGeom>
-        </p:spPr>
-      </p:pic>
-      <p:grpSp>
-        <p:nvGrpSpPr>
-          <p:cNvPr id="24" name="Group 23">
-            <a:extLst>
-              <a:ext uri="{FF2B5EF4-FFF2-40B4-BE49-F238E27FC236}">
-                <a16:creationId xmlns:a16="http://schemas.microsoft.com/office/drawing/2014/main" id="{995B398D-A07D-42D8-9C2E-0F1B462A34FF}"/>
-              </a:ext>
-            </a:extLst>
-          </p:cNvPr>
-          <p:cNvGrpSpPr/>
-          <p:nvPr/>
-        </p:nvGrpSpPr>
-        <p:grpSpPr>
-          <a:xfrm>
-            <a:off x="4497238" y="2087132"/>
-            <a:ext cx="718867" cy="1015663"/>
-            <a:chOff x="4497238" y="2087132"/>
-            <a:chExt cx="718867" cy="1015663"/>
-          </a:xfrm>
-        </p:grpSpPr>
-        <p:sp>
-          <p:nvSpPr>
-            <p:cNvPr id="22" name="Rectangle 21">
-              <a:extLst>
-                <a:ext uri="{FF2B5EF4-FFF2-40B4-BE49-F238E27FC236}">
-                  <a16:creationId xmlns:a16="http://schemas.microsoft.com/office/drawing/2014/main" id="{6A7044A2-96F9-4607-B5F3-085D855D6342}"/>
-                </a:ext>
-              </a:extLst>
-            </p:cNvPr>
-            <p:cNvSpPr/>
-            <p:nvPr/>
-          </p:nvSpPr>
-          <p:spPr>
-            <a:xfrm>
-              <a:off x="4497238" y="2097087"/>
-              <a:ext cx="718867" cy="976791"/>
-            </a:xfrm>
-            <a:prstGeom prst="rect">
-              <a:avLst/>
-            </a:prstGeom>
-            <a:solidFill>
-              <a:schemeClr val="tx1"/>
-            </a:solidFill>
-            <a:ln>
-              <a:solidFill>
-                <a:schemeClr val="bg1"/>
-              </a:solidFill>
-            </a:ln>
-          </p:spPr>
-          <p:style>
-            <a:lnRef idx="2">
-              <a:schemeClr val="accent1">
-                <a:shade val="50000"/>
-              </a:schemeClr>
-            </a:lnRef>
-            <a:fillRef idx="1">
-              <a:schemeClr val="accent1"/>
-            </a:fillRef>
-            <a:effectRef idx="0">
-              <a:schemeClr val="accent1"/>
-            </a:effectRef>
-            <a:fontRef idx="minor">
-              <a:schemeClr val="lt1"/>
-            </a:fontRef>
-          </p:style>
-          <p:txBody>
-            <a:bodyPr rtlCol="0" anchor="ctr"/>
-            <a:lstStyle/>
-            <a:p>
-              <a:pPr algn="ctr"/>
-              <a:endParaRPr lang="en-US"/>
-            </a:p>
-          </p:txBody>
-        </p:sp>
-        <p:sp>
-          <p:nvSpPr>
-            <p:cNvPr id="23" name="TextBox 22">
-              <a:extLst>
-                <a:ext uri="{FF2B5EF4-FFF2-40B4-BE49-F238E27FC236}">
-                  <a16:creationId xmlns:a16="http://schemas.microsoft.com/office/drawing/2014/main" id="{00D51EBE-4722-4063-BD3E-C14D0BB513F8}"/>
-                </a:ext>
-              </a:extLst>
-            </p:cNvPr>
-            <p:cNvSpPr txBox="1"/>
-            <p:nvPr/>
-          </p:nvSpPr>
-          <p:spPr>
-            <a:xfrm>
-              <a:off x="4531744" y="2087132"/>
-              <a:ext cx="667108" cy="1015663"/>
-            </a:xfrm>
-            <a:prstGeom prst="rect">
-              <a:avLst/>
-            </a:prstGeom>
-            <a:noFill/>
-          </p:spPr>
-          <p:txBody>
-            <a:bodyPr wrap="square" rtlCol="0">
-              <a:spAutoFit/>
-            </a:bodyPr>
-            <a:lstStyle/>
-            <a:p>
-              <a:pPr algn="ctr"/>
-              <a:r>
-                <a:rPr lang="en-US" sz="1200" b="1" dirty="0">
-                  <a:solidFill>
-                    <a:schemeClr val="bg1"/>
-                  </a:solidFill>
-                  <a:latin typeface="Arial Narrow" panose="020B0606020202030204" pitchFamily="34" charset="0"/>
-                </a:rPr>
-                <a:t>SPEED</a:t>
-              </a:r>
-            </a:p>
-            <a:p>
-              <a:pPr algn="ctr"/>
-              <a:r>
-                <a:rPr lang="en-US" sz="1200" b="1" dirty="0">
-                  <a:solidFill>
-                    <a:schemeClr val="bg1"/>
-                  </a:solidFill>
-                  <a:latin typeface="Arial Narrow" panose="020B0606020202030204" pitchFamily="34" charset="0"/>
-                </a:rPr>
-                <a:t>LIMIT</a:t>
-              </a:r>
-            </a:p>
-            <a:p>
-              <a:pPr algn="ctr"/>
-              <a:r>
-                <a:rPr lang="en-US" sz="3600" b="1" dirty="0">
-                  <a:solidFill>
-                    <a:schemeClr val="bg1"/>
-                  </a:solidFill>
-                  <a:latin typeface="Arial Narrow" panose="020B0606020202030204" pitchFamily="34" charset="0"/>
-                </a:rPr>
-                <a:t>70</a:t>
-              </a:r>
-              <a:endParaRPr lang="en-US" sz="900" b="1" dirty="0">
-                <a:solidFill>
-                  <a:schemeClr val="bg1"/>
-                </a:solidFill>
-                <a:latin typeface="Arial Narrow" panose="020B0606020202030204" pitchFamily="34" charset="0"/>
-              </a:endParaRPr>
-            </a:p>
-          </p:txBody>
-        </p:sp>
-      </p:grpSp>
-    </p:spTree>
-    <p:extLst>
-      <p:ext uri="{BB962C8B-B14F-4D97-AF65-F5344CB8AC3E}">
-        <p14:creationId xmlns:p14="http://schemas.microsoft.com/office/powerpoint/2010/main" val="2372624803"/>
-      </p:ext>
-    </p:extLst>
-  </p:cSld>
-  <p:clrMapOvr>
-    <a:masterClrMapping/>
-  </p:clrMapOvr>
-  <p:timing>
-    <p:tnLst>
-      <p:par>
-        <p:cTn id="1" dur="indefinite" restart="never" nodeType="tmRoot">
-          <p:childTnLst>
-            <p:seq concurrent="1" nextAc="seek">
-              <p:cTn id="2" dur="indefinite" nodeType="mainSeq">
-                <p:childTnLst>
-                  <p:par>
-                    <p:cTn id="3" fill="hold">
-                      <p:stCondLst>
-                        <p:cond delay="indefinite"/>
-                      </p:stCondLst>
-                      <p:childTnLst>
-                        <p:par>
-                          <p:cTn id="4" fill="hold">
-                            <p:stCondLst>
-                              <p:cond delay="0"/>
-                            </p:stCondLst>
-                            <p:childTnLst>
-                              <p:par>
-                                <p:cTn id="5" presetID="10" presetClass="entr" presetSubtype="0" fill="hold" nodeType="clickEffect">
-                                  <p:stCondLst>
-                                    <p:cond delay="0"/>
-                                  </p:stCondLst>
-                                  <p:childTnLst>
-                                    <p:set>
-                                      <p:cBhvr>
-                                        <p:cTn id="6" dur="1" fill="hold">
-                                          <p:stCondLst>
-                                            <p:cond delay="0"/>
-                                          </p:stCondLst>
-                                        </p:cTn>
-                                        <p:tgtEl>
-                                          <p:spTgt spid="24"/>
-                                        </p:tgtEl>
-                                        <p:attrNameLst>
-                                          <p:attrName>style.visibility</p:attrName>
-                                        </p:attrNameLst>
-                                      </p:cBhvr>
-                                      <p:to>
-                                        <p:strVal val="visible"/>
-                                      </p:to>
-                                    </p:set>
-                                    <p:animEffect transition="in" filter="fade">
-                                      <p:cBhvr>
-                                        <p:cTn id="7" dur="500"/>
-                                        <p:tgtEl>
-                                          <p:spTgt spid="24"/>
-                                        </p:tgtEl>
-                                      </p:cBhvr>
-                                    </p:animEffect>
-                                  </p:childTnLst>
-                                </p:cTn>
-                              </p:par>
-                            </p:childTnLst>
-                          </p:cTn>
-                        </p:par>
-                      </p:childTnLst>
-                    </p:cTn>
-                  </p:par>
-                  <p:par>
-                    <p:cTn id="8" fill="hold">
-                      <p:stCondLst>
-                        <p:cond delay="indefinite"/>
-                      </p:stCondLst>
-                      <p:childTnLst>
-                        <p:par>
-                          <p:cTn id="9" fill="hold">
-                            <p:stCondLst>
-                              <p:cond delay="0"/>
-                            </p:stCondLst>
-                            <p:childTnLst>
-                              <p:par>
-                                <p:cTn id="10" presetID="1" presetClass="entr" presetSubtype="0" fill="hold" nodeType="clickEffect">
-                                  <p:stCondLst>
-                                    <p:cond delay="0"/>
-                                  </p:stCondLst>
-                                  <p:childTnLst>
-                                    <p:set>
-                                      <p:cBhvr>
-                                        <p:cTn id="11" dur="1" fill="hold">
-                                          <p:stCondLst>
-                                            <p:cond delay="0"/>
-                                          </p:stCondLst>
-                                        </p:cTn>
-                                        <p:tgtEl>
-                                          <p:spTgt spid="21"/>
-                                        </p:tgtEl>
-                                        <p:attrNameLst>
-                                          <p:attrName>style.visibility</p:attrName>
-                                        </p:attrNameLst>
-                                      </p:cBhvr>
-                                      <p:to>
-                                        <p:strVal val="visible"/>
-                                      </p:to>
-                                    </p:set>
-                                  </p:childTnLst>
-                                </p:cTn>
-                              </p:par>
-                            </p:childTnLst>
-                          </p:cTn>
-                        </p:par>
-                      </p:childTnLst>
-                    </p:cTn>
-                  </p:par>
-                </p:childTnLst>
-              </p:cTn>
-              <p:prevCondLst>
-                <p:cond evt="onPrev" delay="0">
-                  <p:tgtEl>
-                    <p:sldTgt/>
-                  </p:tgtEl>
-                </p:cond>
-              </p:prevCondLst>
-              <p:nextCondLst>
-                <p:cond evt="onNext" delay="0">
-                  <p:tgtEl>
-                    <p:sldTgt/>
-                  </p:tgtEl>
-                </p:cond>
-              </p:nextCondLst>
-            </p:seq>
-          </p:childTnLst>
-        </p:cTn>
-      </p:par>
-    </p:tnLst>
-  </p:timing>
-</p:sld>
-</file>
-
-<file path=ppt/slides/slide3.xml><?xml version="1.0" encoding="utf-8"?>
 <p:sld xmlns:a="http://schemas.openxmlformats.org/drawingml/2006/main" xmlns:r="http://schemas.openxmlformats.org/officeDocument/2006/relationships" xmlns:p="http://schemas.openxmlformats.org/presentationml/2006/main">
   <p:cSld>
     <p:spTree>
@@ -19667,7 +18225,7 @@
 </p:sld>
 </file>
 
-<file path=ppt/slides/slide4.xml><?xml version="1.0" encoding="utf-8"?>
+<file path=ppt/slides/slide3.xml><?xml version="1.0" encoding="utf-8"?>
 <p:sld xmlns:a="http://schemas.openxmlformats.org/drawingml/2006/main" xmlns:r="http://schemas.openxmlformats.org/officeDocument/2006/relationships" xmlns:p="http://schemas.openxmlformats.org/presentationml/2006/main">
   <p:cSld>
     <p:spTree>
@@ -19755,7 +18313,7 @@
 </p:sld>
 </file>
 
-<file path=ppt/slides/slide5.xml><?xml version="1.0" encoding="utf-8"?>
+<file path=ppt/slides/slide4.xml><?xml version="1.0" encoding="utf-8"?>
 <p:sld xmlns:a="http://schemas.openxmlformats.org/drawingml/2006/main" xmlns:r="http://schemas.openxmlformats.org/officeDocument/2006/relationships" xmlns:p="http://schemas.openxmlformats.org/presentationml/2006/main">
   <p:cSld>
     <p:spTree>
@@ -19824,7 +18382,7 @@
         </p:spPr>
         <p:txBody>
           <a:bodyPr>
-            <a:normAutofit fontScale="92500" lnSpcReduction="10000"/>
+            <a:normAutofit fontScale="92500" lnSpcReduction="20000"/>
           </a:bodyPr>
           <a:lstStyle/>
           <a:p>
@@ -19882,6 +18440,13 @@
             <a:r>
               <a:rPr lang="en-US" dirty="0"/>
               <a:t>Node.js</a:t>
+            </a:r>
+          </a:p>
+          <a:p>
+            <a:pPr lvl="1"/>
+            <a:r>
+              <a:rPr lang="en-US" dirty="0"/>
+              <a:t>Python</a:t>
             </a:r>
           </a:p>
           <a:p>
@@ -20514,6 +19079,49 @@
                                   </p:childTnLst>
                                 </p:cTn>
                               </p:par>
+                              <p:par>
+                                <p:cTn id="48" presetID="10" presetClass="entr" presetSubtype="0" fill="hold" grpId="0" nodeType="withEffect">
+                                  <p:stCondLst>
+                                    <p:cond delay="0"/>
+                                  </p:stCondLst>
+                                  <p:childTnLst>
+                                    <p:set>
+                                      <p:cBhvr>
+                                        <p:cTn id="49" dur="1" fill="hold">
+                                          <p:stCondLst>
+                                            <p:cond delay="0"/>
+                                          </p:stCondLst>
+                                        </p:cTn>
+                                        <p:tgtEl>
+                                          <p:spTgt spid="3">
+                                            <p:txEl>
+                                              <p:pRg st="11" end="11"/>
+                                            </p:txEl>
+                                          </p:spTgt>
+                                        </p:tgtEl>
+                                        <p:attrNameLst>
+                                          <p:attrName>style.visibility</p:attrName>
+                                        </p:attrNameLst>
+                                      </p:cBhvr>
+                                      <p:to>
+                                        <p:strVal val="visible"/>
+                                      </p:to>
+                                    </p:set>
+                                    <p:animEffect transition="in" filter="fade">
+                                      <p:cBhvr>
+                                        <p:cTn id="50" dur="500"/>
+                                        <p:tgtEl>
+                                          <p:spTgt spid="3">
+                                            <p:txEl>
+                                              <p:pRg st="11" end="11"/>
+                                            </p:txEl>
+                                          </p:spTgt>
+                                        </p:tgtEl>
+                                      </p:cBhvr>
+                                    </p:animEffect>
+                                  </p:childTnLst>
+                                </p:cTn>
+                              </p:par>
                             </p:childTnLst>
                           </p:cTn>
                         </p:par>
@@ -20548,7 +19156,7 @@
 </p:sld>
 </file>
 
-<file path=ppt/slides/slide6.xml><?xml version="1.0" encoding="utf-8"?>
+<file path=ppt/slides/slide5.xml><?xml version="1.0" encoding="utf-8"?>
 <p:sld xmlns:a="http://schemas.openxmlformats.org/drawingml/2006/main" xmlns:r="http://schemas.openxmlformats.org/officeDocument/2006/relationships" xmlns:p="http://schemas.openxmlformats.org/presentationml/2006/main">
   <p:cSld>
     <p:spTree>
@@ -20972,7 +19580,7 @@
 </p:sld>
 </file>
 
-<file path=ppt/slides/slide7.xml><?xml version="1.0" encoding="utf-8"?>
+<file path=ppt/slides/slide6.xml><?xml version="1.0" encoding="utf-8"?>
 <p:sld xmlns:a="http://schemas.openxmlformats.org/drawingml/2006/main" xmlns:r="http://schemas.openxmlformats.org/officeDocument/2006/relationships" xmlns:p="http://schemas.openxmlformats.org/presentationml/2006/main">
   <p:cSld>
     <p:spTree>
@@ -21425,7 +20033,7 @@
 </p:sld>
 </file>
 
-<file path=ppt/slides/slide8.xml><?xml version="1.0" encoding="utf-8"?>
+<file path=ppt/slides/slide7.xml><?xml version="1.0" encoding="utf-8"?>
 <p:sld xmlns:a="http://schemas.openxmlformats.org/drawingml/2006/main" xmlns:r="http://schemas.openxmlformats.org/officeDocument/2006/relationships" xmlns:p="http://schemas.openxmlformats.org/presentationml/2006/main">
   <p:cSld>
     <p:spTree>
@@ -21472,10 +20080,10 @@
       </p:sp>
       <p:pic>
         <p:nvPicPr>
-          <p:cNvPr id="4" name="Picture 3">
+          <p:cNvPr id="3" name="Picture 2">
             <a:extLst>
               <a:ext uri="{FF2B5EF4-FFF2-40B4-BE49-F238E27FC236}">
-                <a16:creationId xmlns:a16="http://schemas.microsoft.com/office/drawing/2014/main" id="{3C759667-B488-448E-A4CB-2683BEFD8B9E}"/>
+                <a16:creationId xmlns:a16="http://schemas.microsoft.com/office/drawing/2014/main" id="{DAE87549-571A-D748-98D0-BB315A5E2AF2}"/>
               </a:ext>
             </a:extLst>
           </p:cNvPr>
@@ -21492,15 +20100,15 @@
         </p:blipFill>
         <p:spPr>
           <a:xfrm>
-            <a:off x="1614069" y="1783206"/>
-            <a:ext cx="7308258" cy="4183500"/>
+            <a:off x="1308100" y="1842770"/>
+            <a:ext cx="9103308" cy="4055110"/>
           </a:xfrm>
           <a:prstGeom prst="rect">
             <a:avLst/>
           </a:prstGeom>
           <a:effectLst>
             <a:glow rad="139700">
-              <a:schemeClr val="accent6">
+              <a:schemeClr val="accent1">
                 <a:satMod val="175000"/>
                 <a:alpha val="40000"/>
               </a:schemeClr>
@@ -21521,7 +20129,7 @@
 </p:sld>
 </file>
 
-<file path=ppt/slides/slide9.xml><?xml version="1.0" encoding="utf-8"?>
+<file path=ppt/slides/slide8.xml><?xml version="1.0" encoding="utf-8"?>
 <p:sld xmlns:a="http://schemas.openxmlformats.org/drawingml/2006/main" xmlns:r="http://schemas.openxmlformats.org/officeDocument/2006/relationships" xmlns:p="http://schemas.openxmlformats.org/presentationml/2006/main">
   <p:cSld>
     <p:spTree>
@@ -21603,12 +20211,6 @@
           <a:p>
             <a:r>
               <a:rPr lang="en-US" dirty="0"/>
-              <a:t>WEBSITES_WEBDEPLOY_USE_SCM</a:t>
-            </a:r>
-          </a:p>
-          <a:p>
-            <a:r>
-              <a:rPr lang="en-US" dirty="0"/>
               <a:t>WEBSITES_CONTAINER_START_TIME_LIMIT (</a:t>
             </a:r>
             <a:r>
@@ -21632,6 +20234,12 @@
             <a:r>
               <a:rPr lang="en-US" dirty="0"/>
               <a:t> Only)</a:t>
+            </a:r>
+          </a:p>
+          <a:p>
+            <a:r>
+              <a:rPr lang="en-US" dirty="0"/>
+              <a:t>App Settings are injected into container as environment vars.</a:t>
             </a:r>
           </a:p>
         </p:txBody>
@@ -21884,6 +20492,420 @@
                                           <p:spTgt spid="3">
                                             <p:txEl>
                                               <p:pRg st="3" end="3"/>
+                                            </p:txEl>
+                                          </p:spTgt>
+                                        </p:tgtEl>
+                                      </p:cBhvr>
+                                    </p:animEffect>
+                                  </p:childTnLst>
+                                </p:cTn>
+                              </p:par>
+                            </p:childTnLst>
+                          </p:cTn>
+                        </p:par>
+                      </p:childTnLst>
+                    </p:cTn>
+                  </p:par>
+                </p:childTnLst>
+              </p:cTn>
+              <p:prevCondLst>
+                <p:cond evt="onPrev" delay="0">
+                  <p:tgtEl>
+                    <p:sldTgt/>
+                  </p:tgtEl>
+                </p:cond>
+              </p:prevCondLst>
+              <p:nextCondLst>
+                <p:cond evt="onNext" delay="0">
+                  <p:tgtEl>
+                    <p:sldTgt/>
+                  </p:tgtEl>
+                </p:cond>
+              </p:nextCondLst>
+            </p:seq>
+          </p:childTnLst>
+        </p:cTn>
+      </p:par>
+    </p:tnLst>
+    <p:bldLst>
+      <p:bldP spid="3" grpId="0" build="p"/>
+    </p:bldLst>
+  </p:timing>
+</p:sld>
+</file>
+
+<file path=ppt/slides/slide9.xml><?xml version="1.0" encoding="utf-8"?>
+<p:sld xmlns:a="http://schemas.openxmlformats.org/drawingml/2006/main" xmlns:r="http://schemas.openxmlformats.org/officeDocument/2006/relationships" xmlns:p="http://schemas.openxmlformats.org/presentationml/2006/main">
+  <p:cSld>
+    <p:spTree>
+      <p:nvGrpSpPr>
+        <p:cNvPr id="1" name=""/>
+        <p:cNvGrpSpPr/>
+        <p:nvPr/>
+      </p:nvGrpSpPr>
+      <p:grpSpPr>
+        <a:xfrm>
+          <a:off x="0" y="0"/>
+          <a:ext cx="0" cy="0"/>
+          <a:chOff x="0" y="0"/>
+          <a:chExt cx="0" cy="0"/>
+        </a:xfrm>
+      </p:grpSpPr>
+      <p:sp>
+        <p:nvSpPr>
+          <p:cNvPr id="2" name="Title 1">
+            <a:extLst>
+              <a:ext uri="{FF2B5EF4-FFF2-40B4-BE49-F238E27FC236}">
+                <a16:creationId xmlns:a16="http://schemas.microsoft.com/office/drawing/2014/main" id="{ECC4DD92-4AD6-4DCE-A988-0EF85B061957}"/>
+              </a:ext>
+            </a:extLst>
+          </p:cNvPr>
+          <p:cNvSpPr>
+            <a:spLocks noGrp="1"/>
+          </p:cNvSpPr>
+          <p:nvPr>
+            <p:ph type="title"/>
+          </p:nvPr>
+        </p:nvSpPr>
+        <p:spPr/>
+        <p:txBody>
+          <a:bodyPr/>
+          <a:lstStyle/>
+          <a:p>
+            <a:r>
+              <a:rPr lang="en-US" dirty="0"/>
+              <a:t>Other Linux Considerations</a:t>
+            </a:r>
+          </a:p>
+        </p:txBody>
+      </p:sp>
+      <p:sp>
+        <p:nvSpPr>
+          <p:cNvPr id="3" name="Content Placeholder 2">
+            <a:extLst>
+              <a:ext uri="{FF2B5EF4-FFF2-40B4-BE49-F238E27FC236}">
+                <a16:creationId xmlns:a16="http://schemas.microsoft.com/office/drawing/2014/main" id="{1F5798DF-13D1-4C39-85E3-9B8E66A09287}"/>
+              </a:ext>
+            </a:extLst>
+          </p:cNvPr>
+          <p:cNvSpPr>
+            <a:spLocks noGrp="1"/>
+          </p:cNvSpPr>
+          <p:nvPr>
+            <p:ph idx="1"/>
+          </p:nvPr>
+        </p:nvSpPr>
+        <p:spPr/>
+        <p:txBody>
+          <a:bodyPr/>
+          <a:lstStyle/>
+          <a:p>
+            <a:r>
+              <a:rPr lang="en-US" dirty="0"/>
+              <a:t>Don’t install components from the SSH console.</a:t>
+            </a:r>
+          </a:p>
+          <a:p>
+            <a:r>
+              <a:rPr lang="en-US" dirty="0"/>
+              <a:t>Don’t implement SSL support into your app.</a:t>
+            </a:r>
+          </a:p>
+          <a:p>
+            <a:r>
+              <a:rPr lang="en-US" dirty="0"/>
+              <a:t>Take scaling into consideration </a:t>
+            </a:r>
+          </a:p>
+          <a:p>
+            <a:pPr lvl="1"/>
+            <a:r>
+              <a:rPr lang="en-US" dirty="0"/>
+              <a:t>Your app may run on separate workers.</a:t>
+            </a:r>
+          </a:p>
+          <a:p>
+            <a:pPr lvl="1"/>
+            <a:r>
+              <a:rPr lang="en-US" dirty="0"/>
+              <a:t>Especially relevant related to log files.</a:t>
+            </a:r>
+          </a:p>
+        </p:txBody>
+      </p:sp>
+    </p:spTree>
+    <p:extLst>
+      <p:ext uri="{BB962C8B-B14F-4D97-AF65-F5344CB8AC3E}">
+        <p14:creationId xmlns:p14="http://schemas.microsoft.com/office/powerpoint/2010/main" val="1427398466"/>
+      </p:ext>
+    </p:extLst>
+  </p:cSld>
+  <p:clrMapOvr>
+    <a:masterClrMapping/>
+  </p:clrMapOvr>
+  <p:timing>
+    <p:tnLst>
+      <p:par>
+        <p:cTn id="1" dur="indefinite" restart="never" nodeType="tmRoot">
+          <p:childTnLst>
+            <p:seq concurrent="1" nextAc="seek">
+              <p:cTn id="2" dur="indefinite" nodeType="mainSeq">
+                <p:childTnLst>
+                  <p:par>
+                    <p:cTn id="3" fill="hold">
+                      <p:stCondLst>
+                        <p:cond delay="indefinite"/>
+                      </p:stCondLst>
+                      <p:childTnLst>
+                        <p:par>
+                          <p:cTn id="4" fill="hold">
+                            <p:stCondLst>
+                              <p:cond delay="0"/>
+                            </p:stCondLst>
+                            <p:childTnLst>
+                              <p:par>
+                                <p:cTn id="5" presetID="10" presetClass="entr" presetSubtype="0" fill="hold" grpId="0" nodeType="clickEffect">
+                                  <p:stCondLst>
+                                    <p:cond delay="0"/>
+                                  </p:stCondLst>
+                                  <p:childTnLst>
+                                    <p:set>
+                                      <p:cBhvr>
+                                        <p:cTn id="6" dur="1" fill="hold">
+                                          <p:stCondLst>
+                                            <p:cond delay="0"/>
+                                          </p:stCondLst>
+                                        </p:cTn>
+                                        <p:tgtEl>
+                                          <p:spTgt spid="3">
+                                            <p:txEl>
+                                              <p:pRg st="0" end="0"/>
+                                            </p:txEl>
+                                          </p:spTgt>
+                                        </p:tgtEl>
+                                        <p:attrNameLst>
+                                          <p:attrName>style.visibility</p:attrName>
+                                        </p:attrNameLst>
+                                      </p:cBhvr>
+                                      <p:to>
+                                        <p:strVal val="visible"/>
+                                      </p:to>
+                                    </p:set>
+                                    <p:animEffect transition="in" filter="fade">
+                                      <p:cBhvr>
+                                        <p:cTn id="7" dur="500"/>
+                                        <p:tgtEl>
+                                          <p:spTgt spid="3">
+                                            <p:txEl>
+                                              <p:pRg st="0" end="0"/>
+                                            </p:txEl>
+                                          </p:spTgt>
+                                        </p:tgtEl>
+                                      </p:cBhvr>
+                                    </p:animEffect>
+                                  </p:childTnLst>
+                                </p:cTn>
+                              </p:par>
+                            </p:childTnLst>
+                          </p:cTn>
+                        </p:par>
+                      </p:childTnLst>
+                    </p:cTn>
+                  </p:par>
+                  <p:par>
+                    <p:cTn id="8" fill="hold">
+                      <p:stCondLst>
+                        <p:cond delay="indefinite"/>
+                      </p:stCondLst>
+                      <p:childTnLst>
+                        <p:par>
+                          <p:cTn id="9" fill="hold">
+                            <p:stCondLst>
+                              <p:cond delay="0"/>
+                            </p:stCondLst>
+                            <p:childTnLst>
+                              <p:par>
+                                <p:cTn id="10" presetID="10" presetClass="entr" presetSubtype="0" fill="hold" grpId="0" nodeType="clickEffect">
+                                  <p:stCondLst>
+                                    <p:cond delay="0"/>
+                                  </p:stCondLst>
+                                  <p:childTnLst>
+                                    <p:set>
+                                      <p:cBhvr>
+                                        <p:cTn id="11" dur="1" fill="hold">
+                                          <p:stCondLst>
+                                            <p:cond delay="0"/>
+                                          </p:stCondLst>
+                                        </p:cTn>
+                                        <p:tgtEl>
+                                          <p:spTgt spid="3">
+                                            <p:txEl>
+                                              <p:pRg st="1" end="1"/>
+                                            </p:txEl>
+                                          </p:spTgt>
+                                        </p:tgtEl>
+                                        <p:attrNameLst>
+                                          <p:attrName>style.visibility</p:attrName>
+                                        </p:attrNameLst>
+                                      </p:cBhvr>
+                                      <p:to>
+                                        <p:strVal val="visible"/>
+                                      </p:to>
+                                    </p:set>
+                                    <p:animEffect transition="in" filter="fade">
+                                      <p:cBhvr>
+                                        <p:cTn id="12" dur="500"/>
+                                        <p:tgtEl>
+                                          <p:spTgt spid="3">
+                                            <p:txEl>
+                                              <p:pRg st="1" end="1"/>
+                                            </p:txEl>
+                                          </p:spTgt>
+                                        </p:tgtEl>
+                                      </p:cBhvr>
+                                    </p:animEffect>
+                                  </p:childTnLst>
+                                </p:cTn>
+                              </p:par>
+                            </p:childTnLst>
+                          </p:cTn>
+                        </p:par>
+                      </p:childTnLst>
+                    </p:cTn>
+                  </p:par>
+                  <p:par>
+                    <p:cTn id="13" fill="hold">
+                      <p:stCondLst>
+                        <p:cond delay="indefinite"/>
+                      </p:stCondLst>
+                      <p:childTnLst>
+                        <p:par>
+                          <p:cTn id="14" fill="hold">
+                            <p:stCondLst>
+                              <p:cond delay="0"/>
+                            </p:stCondLst>
+                            <p:childTnLst>
+                              <p:par>
+                                <p:cTn id="15" presetID="10" presetClass="entr" presetSubtype="0" fill="hold" grpId="0" nodeType="clickEffect">
+                                  <p:stCondLst>
+                                    <p:cond delay="0"/>
+                                  </p:stCondLst>
+                                  <p:childTnLst>
+                                    <p:set>
+                                      <p:cBhvr>
+                                        <p:cTn id="16" dur="1" fill="hold">
+                                          <p:stCondLst>
+                                            <p:cond delay="0"/>
+                                          </p:stCondLst>
+                                        </p:cTn>
+                                        <p:tgtEl>
+                                          <p:spTgt spid="3">
+                                            <p:txEl>
+                                              <p:pRg st="2" end="2"/>
+                                            </p:txEl>
+                                          </p:spTgt>
+                                        </p:tgtEl>
+                                        <p:attrNameLst>
+                                          <p:attrName>style.visibility</p:attrName>
+                                        </p:attrNameLst>
+                                      </p:cBhvr>
+                                      <p:to>
+                                        <p:strVal val="visible"/>
+                                      </p:to>
+                                    </p:set>
+                                    <p:animEffect transition="in" filter="fade">
+                                      <p:cBhvr>
+                                        <p:cTn id="17" dur="500"/>
+                                        <p:tgtEl>
+                                          <p:spTgt spid="3">
+                                            <p:txEl>
+                                              <p:pRg st="2" end="2"/>
+                                            </p:txEl>
+                                          </p:spTgt>
+                                        </p:tgtEl>
+                                      </p:cBhvr>
+                                    </p:animEffect>
+                                  </p:childTnLst>
+                                </p:cTn>
+                              </p:par>
+                              <p:par>
+                                <p:cTn id="18" presetID="10" presetClass="entr" presetSubtype="0" fill="hold" grpId="0" nodeType="withEffect">
+                                  <p:stCondLst>
+                                    <p:cond delay="0"/>
+                                  </p:stCondLst>
+                                  <p:childTnLst>
+                                    <p:set>
+                                      <p:cBhvr>
+                                        <p:cTn id="19" dur="1" fill="hold">
+                                          <p:stCondLst>
+                                            <p:cond delay="0"/>
+                                          </p:stCondLst>
+                                        </p:cTn>
+                                        <p:tgtEl>
+                                          <p:spTgt spid="3">
+                                            <p:txEl>
+                                              <p:pRg st="3" end="3"/>
+                                            </p:txEl>
+                                          </p:spTgt>
+                                        </p:tgtEl>
+                                        <p:attrNameLst>
+                                          <p:attrName>style.visibility</p:attrName>
+                                        </p:attrNameLst>
+                                      </p:cBhvr>
+                                      <p:to>
+                                        <p:strVal val="visible"/>
+                                      </p:to>
+                                    </p:set>
+                                    <p:animEffect transition="in" filter="fade">
+                                      <p:cBhvr>
+                                        <p:cTn id="20" dur="500"/>
+                                        <p:tgtEl>
+                                          <p:spTgt spid="3">
+                                            <p:txEl>
+                                              <p:pRg st="3" end="3"/>
+                                            </p:txEl>
+                                          </p:spTgt>
+                                        </p:tgtEl>
+                                      </p:cBhvr>
+                                    </p:animEffect>
+                                  </p:childTnLst>
+                                </p:cTn>
+                              </p:par>
+                              <p:par>
+                                <p:cTn id="21" presetID="10" presetClass="entr" presetSubtype="0" fill="hold" grpId="0" nodeType="withEffect">
+                                  <p:stCondLst>
+                                    <p:cond delay="0"/>
+                                  </p:stCondLst>
+                                  <p:childTnLst>
+                                    <p:set>
+                                      <p:cBhvr>
+                                        <p:cTn id="22" dur="1" fill="hold">
+                                          <p:stCondLst>
+                                            <p:cond delay="0"/>
+                                          </p:stCondLst>
+                                        </p:cTn>
+                                        <p:tgtEl>
+                                          <p:spTgt spid="3">
+                                            <p:txEl>
+                                              <p:pRg st="4" end="4"/>
+                                            </p:txEl>
+                                          </p:spTgt>
+                                        </p:tgtEl>
+                                        <p:attrNameLst>
+                                          <p:attrName>style.visibility</p:attrName>
+                                        </p:attrNameLst>
+                                      </p:cBhvr>
+                                      <p:to>
+                                        <p:strVal val="visible"/>
+                                      </p:to>
+                                    </p:set>
+                                    <p:animEffect transition="in" filter="fade">
+                                      <p:cBhvr>
+                                        <p:cTn id="23" dur="500"/>
+                                        <p:tgtEl>
+                                          <p:spTgt spid="3">
+                                            <p:txEl>
+                                              <p:pRg st="4" end="4"/>
                                             </p:txEl>
                                           </p:spTgt>
                                         </p:tgtEl>
